--- a/syllabus/11-POO-basic/syllabus_11.pptx
+++ b/syllabus/11-POO-basic/syllabus_11.pptx
@@ -5,94 +5,96 @@
     <p:sldMasterId id="2147483843" r:id="rId1"/>
   </p:sldMasterIdLst>
   <p:notesMasterIdLst>
-    <p:notesMasterId r:id="rId87"/>
+    <p:notesMasterId r:id="rId89"/>
   </p:notesMasterIdLst>
   <p:sldIdLst>
-    <p:sldId id="258" r:id="rId2"/>
-    <p:sldId id="490" r:id="rId3"/>
-    <p:sldId id="515" r:id="rId4"/>
-    <p:sldId id="523" r:id="rId5"/>
-    <p:sldId id="524" r:id="rId6"/>
-    <p:sldId id="525" r:id="rId7"/>
-    <p:sldId id="260" r:id="rId8"/>
-    <p:sldId id="261" r:id="rId9"/>
-    <p:sldId id="526" r:id="rId10"/>
-    <p:sldId id="527" r:id="rId11"/>
-    <p:sldId id="528" r:id="rId12"/>
-    <p:sldId id="529" r:id="rId13"/>
-    <p:sldId id="559" r:id="rId14"/>
-    <p:sldId id="491" r:id="rId15"/>
-    <p:sldId id="516" r:id="rId16"/>
-    <p:sldId id="560" r:id="rId17"/>
-    <p:sldId id="530" r:id="rId18"/>
-    <p:sldId id="531" r:id="rId19"/>
-    <p:sldId id="532" r:id="rId20"/>
-    <p:sldId id="533" r:id="rId21"/>
-    <p:sldId id="534" r:id="rId22"/>
-    <p:sldId id="535" r:id="rId23"/>
-    <p:sldId id="536" r:id="rId24"/>
-    <p:sldId id="537" r:id="rId25"/>
-    <p:sldId id="538" r:id="rId26"/>
-    <p:sldId id="267" r:id="rId27"/>
-    <p:sldId id="268" r:id="rId28"/>
-    <p:sldId id="539" r:id="rId29"/>
-    <p:sldId id="540" r:id="rId30"/>
-    <p:sldId id="541" r:id="rId31"/>
-    <p:sldId id="542" r:id="rId32"/>
-    <p:sldId id="543" r:id="rId33"/>
-    <p:sldId id="274" r:id="rId34"/>
-    <p:sldId id="275" r:id="rId35"/>
-    <p:sldId id="544" r:id="rId36"/>
-    <p:sldId id="277" r:id="rId37"/>
-    <p:sldId id="278" r:id="rId38"/>
-    <p:sldId id="283" r:id="rId39"/>
-    <p:sldId id="284" r:id="rId40"/>
-    <p:sldId id="285" r:id="rId41"/>
-    <p:sldId id="506" r:id="rId42"/>
-    <p:sldId id="276" r:id="rId43"/>
-    <p:sldId id="519" r:id="rId44"/>
-    <p:sldId id="567" r:id="rId45"/>
-    <p:sldId id="271" r:id="rId46"/>
-    <p:sldId id="272" r:id="rId47"/>
-    <p:sldId id="273" r:id="rId48"/>
-    <p:sldId id="568" r:id="rId49"/>
-    <p:sldId id="259" r:id="rId50"/>
-    <p:sldId id="264" r:id="rId51"/>
-    <p:sldId id="265" r:id="rId52"/>
-    <p:sldId id="565" r:id="rId53"/>
-    <p:sldId id="269" r:id="rId54"/>
-    <p:sldId id="270" r:id="rId55"/>
-    <p:sldId id="517" r:id="rId56"/>
-    <p:sldId id="545" r:id="rId57"/>
-    <p:sldId id="546" r:id="rId58"/>
-    <p:sldId id="547" r:id="rId59"/>
-    <p:sldId id="548" r:id="rId60"/>
-    <p:sldId id="549" r:id="rId61"/>
-    <p:sldId id="550" r:id="rId62"/>
-    <p:sldId id="551" r:id="rId63"/>
-    <p:sldId id="500" r:id="rId64"/>
-    <p:sldId id="511" r:id="rId65"/>
-    <p:sldId id="520" r:id="rId66"/>
-    <p:sldId id="522" r:id="rId67"/>
-    <p:sldId id="521" r:id="rId68"/>
-    <p:sldId id="262" r:id="rId69"/>
-    <p:sldId id="263" r:id="rId70"/>
-    <p:sldId id="266" r:id="rId71"/>
-    <p:sldId id="561" r:id="rId72"/>
-    <p:sldId id="563" r:id="rId73"/>
-    <p:sldId id="564" r:id="rId74"/>
-    <p:sldId id="571" r:id="rId75"/>
-    <p:sldId id="518" r:id="rId76"/>
-    <p:sldId id="552" r:id="rId77"/>
-    <p:sldId id="553" r:id="rId78"/>
-    <p:sldId id="554" r:id="rId79"/>
-    <p:sldId id="555" r:id="rId80"/>
-    <p:sldId id="556" r:id="rId81"/>
-    <p:sldId id="557" r:id="rId82"/>
-    <p:sldId id="558" r:id="rId83"/>
-    <p:sldId id="570" r:id="rId84"/>
-    <p:sldId id="566" r:id="rId85"/>
-    <p:sldId id="514" r:id="rId86"/>
+    <p:sldId id="473" r:id="rId2"/>
+    <p:sldId id="496" r:id="rId3"/>
+    <p:sldId id="258" r:id="rId4"/>
+    <p:sldId id="490" r:id="rId5"/>
+    <p:sldId id="515" r:id="rId6"/>
+    <p:sldId id="523" r:id="rId7"/>
+    <p:sldId id="524" r:id="rId8"/>
+    <p:sldId id="525" r:id="rId9"/>
+    <p:sldId id="260" r:id="rId10"/>
+    <p:sldId id="261" r:id="rId11"/>
+    <p:sldId id="526" r:id="rId12"/>
+    <p:sldId id="527" r:id="rId13"/>
+    <p:sldId id="528" r:id="rId14"/>
+    <p:sldId id="529" r:id="rId15"/>
+    <p:sldId id="559" r:id="rId16"/>
+    <p:sldId id="491" r:id="rId17"/>
+    <p:sldId id="516" r:id="rId18"/>
+    <p:sldId id="560" r:id="rId19"/>
+    <p:sldId id="530" r:id="rId20"/>
+    <p:sldId id="531" r:id="rId21"/>
+    <p:sldId id="532" r:id="rId22"/>
+    <p:sldId id="533" r:id="rId23"/>
+    <p:sldId id="534" r:id="rId24"/>
+    <p:sldId id="535" r:id="rId25"/>
+    <p:sldId id="536" r:id="rId26"/>
+    <p:sldId id="537" r:id="rId27"/>
+    <p:sldId id="538" r:id="rId28"/>
+    <p:sldId id="267" r:id="rId29"/>
+    <p:sldId id="268" r:id="rId30"/>
+    <p:sldId id="539" r:id="rId31"/>
+    <p:sldId id="540" r:id="rId32"/>
+    <p:sldId id="541" r:id="rId33"/>
+    <p:sldId id="542" r:id="rId34"/>
+    <p:sldId id="543" r:id="rId35"/>
+    <p:sldId id="274" r:id="rId36"/>
+    <p:sldId id="275" r:id="rId37"/>
+    <p:sldId id="544" r:id="rId38"/>
+    <p:sldId id="277" r:id="rId39"/>
+    <p:sldId id="278" r:id="rId40"/>
+    <p:sldId id="283" r:id="rId41"/>
+    <p:sldId id="284" r:id="rId42"/>
+    <p:sldId id="285" r:id="rId43"/>
+    <p:sldId id="506" r:id="rId44"/>
+    <p:sldId id="276" r:id="rId45"/>
+    <p:sldId id="519" r:id="rId46"/>
+    <p:sldId id="567" r:id="rId47"/>
+    <p:sldId id="271" r:id="rId48"/>
+    <p:sldId id="272" r:id="rId49"/>
+    <p:sldId id="273" r:id="rId50"/>
+    <p:sldId id="568" r:id="rId51"/>
+    <p:sldId id="259" r:id="rId52"/>
+    <p:sldId id="264" r:id="rId53"/>
+    <p:sldId id="265" r:id="rId54"/>
+    <p:sldId id="565" r:id="rId55"/>
+    <p:sldId id="269" r:id="rId56"/>
+    <p:sldId id="270" r:id="rId57"/>
+    <p:sldId id="517" r:id="rId58"/>
+    <p:sldId id="545" r:id="rId59"/>
+    <p:sldId id="546" r:id="rId60"/>
+    <p:sldId id="547" r:id="rId61"/>
+    <p:sldId id="548" r:id="rId62"/>
+    <p:sldId id="549" r:id="rId63"/>
+    <p:sldId id="550" r:id="rId64"/>
+    <p:sldId id="551" r:id="rId65"/>
+    <p:sldId id="500" r:id="rId66"/>
+    <p:sldId id="511" r:id="rId67"/>
+    <p:sldId id="520" r:id="rId68"/>
+    <p:sldId id="522" r:id="rId69"/>
+    <p:sldId id="521" r:id="rId70"/>
+    <p:sldId id="262" r:id="rId71"/>
+    <p:sldId id="263" r:id="rId72"/>
+    <p:sldId id="266" r:id="rId73"/>
+    <p:sldId id="561" r:id="rId74"/>
+    <p:sldId id="563" r:id="rId75"/>
+    <p:sldId id="564" r:id="rId76"/>
+    <p:sldId id="571" r:id="rId77"/>
+    <p:sldId id="518" r:id="rId78"/>
+    <p:sldId id="552" r:id="rId79"/>
+    <p:sldId id="553" r:id="rId80"/>
+    <p:sldId id="554" r:id="rId81"/>
+    <p:sldId id="555" r:id="rId82"/>
+    <p:sldId id="556" r:id="rId83"/>
+    <p:sldId id="557" r:id="rId84"/>
+    <p:sldId id="558" r:id="rId85"/>
+    <p:sldId id="570" r:id="rId86"/>
+    <p:sldId id="566" r:id="rId87"/>
+    <p:sldId id="514" r:id="rId88"/>
   </p:sldIdLst>
   <p:sldSz cx="12192000" cy="6858000"/>
   <p:notesSz cx="6858000" cy="9144000"/>
@@ -201,6 +203,8 @@
       <p14:sectionLst xmlns:p14="http://schemas.microsoft.com/office/powerpoint/2010/main">
         <p14:section name="11-00" id="{156F2BE1-912D-4103-BB7C-0FC3432B08EE}">
           <p14:sldIdLst>
+            <p14:sldId id="473"/>
+            <p14:sldId id="496"/>
             <p14:sldId id="258"/>
             <p14:sldId id="490"/>
           </p14:sldIdLst>
@@ -432,7 +436,7 @@
           <a:p>
             <a:fld id="{FCE9742F-4DAE-47F5-9244-6ACC3985DD6B}" type="datetimeFigureOut">
               <a:rPr lang="fr-BE" smtClean="0"/>
-              <a:t>26-08-25</a:t>
+              <a:t>12-09-25</a:t>
             </a:fld>
             <a:endParaRPr lang="fr-BE"/>
           </a:p>
@@ -719,6 +723,139 @@
       </p:grpSpPr>
       <p:sp>
         <p:nvSpPr>
+          <p:cNvPr id="2" name="Slide Image Placeholder 1"/>
+          <p:cNvSpPr>
+            <a:spLocks noGrp="1" noRot="1" noChangeAspect="1"/>
+          </p:cNvSpPr>
+          <p:nvPr>
+            <p:ph type="sldImg"/>
+          </p:nvPr>
+        </p:nvSpPr>
+        <p:spPr>
+          <a:xfrm>
+            <a:off x="482600" y="1279525"/>
+            <a:ext cx="6140450" cy="3454400"/>
+          </a:xfrm>
+        </p:spPr>
+      </p:sp>
+      <p:sp>
+        <p:nvSpPr>
+          <p:cNvPr id="3" name="Notes Placeholder 2"/>
+          <p:cNvSpPr>
+            <a:spLocks noGrp="1"/>
+          </p:cNvSpPr>
+          <p:nvPr>
+            <p:ph type="body" idx="1"/>
+          </p:nvPr>
+        </p:nvSpPr>
+        <p:spPr/>
+        <p:txBody>
+          <a:bodyPr/>
+          <a:lstStyle/>
+          <a:p>
+            <a:endParaRPr lang="fr-BE" dirty="0"/>
+          </a:p>
+        </p:txBody>
+      </p:sp>
+      <p:sp>
+        <p:nvSpPr>
+          <p:cNvPr id="4" name="Slide Number Placeholder 3"/>
+          <p:cNvSpPr>
+            <a:spLocks noGrp="1"/>
+          </p:cNvSpPr>
+          <p:nvPr>
+            <p:ph type="sldNum" sz="quarter" idx="10"/>
+          </p:nvPr>
+        </p:nvSpPr>
+        <p:spPr/>
+        <p:txBody>
+          <a:bodyPr/>
+          <a:lstStyle/>
+          <a:p>
+            <a:fld id="{0E3842A0-1A3F-4998-8237-CE5EEE5DFDF0}" type="slidenum">
+              <a:rPr lang="fr-BE" smtClean="0"/>
+              <a:t>1</a:t>
+            </a:fld>
+            <a:endParaRPr lang="fr-BE" dirty="0"/>
+          </a:p>
+        </p:txBody>
+      </p:sp>
+      <p:sp>
+        <p:nvSpPr>
+          <p:cNvPr id="6" name="Header Placeholder 5"/>
+          <p:cNvSpPr>
+            <a:spLocks noGrp="1"/>
+          </p:cNvSpPr>
+          <p:nvPr>
+            <p:ph type="hdr" sz="quarter" idx="11"/>
+          </p:nvPr>
+        </p:nvSpPr>
+        <p:spPr/>
+        <p:txBody>
+          <a:bodyPr/>
+          <a:lstStyle/>
+          <a:p>
+            <a:r>
+              <a:rPr lang="fr-BE" dirty="0"/>
+              <a:t>GESTIONNAIRE DE BASE DE DONNEES – NIVEAU ELEMENTAIRE - MS ACCESS</a:t>
+            </a:r>
+          </a:p>
+        </p:txBody>
+      </p:sp>
+      <p:sp>
+        <p:nvSpPr>
+          <p:cNvPr id="7" name="Footer Placeholder 6"/>
+          <p:cNvSpPr>
+            <a:spLocks noGrp="1"/>
+          </p:cNvSpPr>
+          <p:nvPr>
+            <p:ph type="ftr" sz="quarter" idx="12"/>
+          </p:nvPr>
+        </p:nvSpPr>
+        <p:spPr/>
+        <p:txBody>
+          <a:bodyPr/>
+          <a:lstStyle/>
+          <a:p>
+            <a:r>
+              <a:rPr lang="fr-BE" dirty="0"/>
+              <a:t>Professeur : Alain Wafflard</a:t>
+            </a:r>
+          </a:p>
+        </p:txBody>
+      </p:sp>
+    </p:spTree>
+    <p:extLst>
+      <p:ext uri="{BB962C8B-B14F-4D97-AF65-F5344CB8AC3E}">
+        <p14:creationId xmlns:p14="http://schemas.microsoft.com/office/powerpoint/2010/main" val="4219714287"/>
+      </p:ext>
+    </p:extLst>
+  </p:cSld>
+  <p:clrMapOvr>
+    <a:masterClrMapping/>
+  </p:clrMapOvr>
+</p:notes>
+</file>
+
+<file path=ppt/notesSlides/notesSlide2.xml><?xml version="1.0" encoding="utf-8"?>
+<p:notes xmlns:a="http://schemas.openxmlformats.org/drawingml/2006/main" xmlns:r="http://schemas.openxmlformats.org/officeDocument/2006/relationships" xmlns:p="http://schemas.openxmlformats.org/presentationml/2006/main">
+  <p:cSld>
+    <p:spTree>
+      <p:nvGrpSpPr>
+        <p:cNvPr id="1" name=""/>
+        <p:cNvGrpSpPr/>
+        <p:nvPr/>
+      </p:nvGrpSpPr>
+      <p:grpSpPr>
+        <a:xfrm>
+          <a:off x="0" y="0"/>
+          <a:ext cx="0" cy="0"/>
+          <a:chOff x="0" y="0"/>
+          <a:chExt cx="0" cy="0"/>
+        </a:xfrm>
+      </p:grpSpPr>
+      <p:sp>
+        <p:nvSpPr>
           <p:cNvPr id="7" name="Espace réservé du numéro de diapositive 6">
             <a:extLst>
               <a:ext uri="{FF2B5EF4-FFF2-40B4-BE49-F238E27FC236}">
@@ -744,7 +881,7 @@
           <a:p>
             <a:pPr lvl="0"/>
             <a:fld id="{B2C94653-C3C9-44AF-AA59-9C8DA7D189B3}" type="slidenum">
-              <a:t>14</a:t>
+              <a:t>16</a:t>
             </a:fld>
             <a:r>
               <a:rPr lang="fr-BE"/>
@@ -818,7 +955,7 @@
 </p:notes>
 </file>
 
-<file path=ppt/notesSlides/notesSlide2.xml><?xml version="1.0" encoding="utf-8"?>
+<file path=ppt/notesSlides/notesSlide3.xml><?xml version="1.0" encoding="utf-8"?>
 <p:notes xmlns:a="http://schemas.openxmlformats.org/drawingml/2006/main" xmlns:r="http://schemas.openxmlformats.org/officeDocument/2006/relationships" xmlns:p="http://schemas.openxmlformats.org/presentationml/2006/main">
   <p:cSld>
     <p:spTree>
@@ -862,7 +999,7 @@
           <a:p>
             <a:pPr lvl="0"/>
             <a:fld id="{9C831E54-EBFE-4408-A33F-F1EF11A057E1}" type="slidenum">
-              <a:t>38</a:t>
+              <a:t>40</a:t>
             </a:fld>
             <a:r>
               <a:rPr lang="fr-BE"/>
@@ -944,7 +1081,7 @@
 </p:notes>
 </file>
 
-<file path=ppt/notesSlides/notesSlide3.xml><?xml version="1.0" encoding="utf-8"?>
+<file path=ppt/notesSlides/notesSlide4.xml><?xml version="1.0" encoding="utf-8"?>
 <p:notes xmlns:a="http://schemas.openxmlformats.org/drawingml/2006/main" xmlns:r="http://schemas.openxmlformats.org/officeDocument/2006/relationships" xmlns:p="http://schemas.openxmlformats.org/presentationml/2006/main">
   <p:cSld>
     <p:spTree>
@@ -988,7 +1125,7 @@
           <a:p>
             <a:pPr lvl="0"/>
             <a:fld id="{8332EC7F-3924-4927-B2FA-727E4DA45D0D}" type="slidenum">
-              <a:t>39</a:t>
+              <a:t>41</a:t>
             </a:fld>
             <a:r>
               <a:rPr lang="fr-BE"/>
@@ -1063,7 +1200,7 @@
 </p:notes>
 </file>
 
-<file path=ppt/notesSlides/notesSlide4.xml><?xml version="1.0" encoding="utf-8"?>
+<file path=ppt/notesSlides/notesSlide5.xml><?xml version="1.0" encoding="utf-8"?>
 <p:notes xmlns:a="http://schemas.openxmlformats.org/drawingml/2006/main" xmlns:r="http://schemas.openxmlformats.org/officeDocument/2006/relationships" xmlns:p="http://schemas.openxmlformats.org/presentationml/2006/main">
   <p:cSld>
     <p:spTree>
@@ -1107,7 +1244,7 @@
           <a:p>
             <a:pPr lvl="0"/>
             <a:fld id="{373543CB-B007-419F-9919-D1C92808E05E}" type="slidenum">
-              <a:t>40</a:t>
+              <a:t>42</a:t>
             </a:fld>
             <a:r>
               <a:rPr lang="fr-BE"/>
@@ -1185,90 +1322,6 @@
 </p:notes>
 </file>
 
-<file path=ppt/notesSlides/notesSlide5.xml><?xml version="1.0" encoding="utf-8"?>
-<p:notes xmlns:a="http://schemas.openxmlformats.org/drawingml/2006/main" xmlns:r="http://schemas.openxmlformats.org/officeDocument/2006/relationships" xmlns:p="http://schemas.openxmlformats.org/presentationml/2006/main">
-  <p:cSld>
-    <p:spTree>
-      <p:nvGrpSpPr>
-        <p:cNvPr id="1" name=""/>
-        <p:cNvGrpSpPr/>
-        <p:nvPr/>
-      </p:nvGrpSpPr>
-      <p:grpSpPr>
-        <a:xfrm>
-          <a:off x="0" y="0"/>
-          <a:ext cx="0" cy="0"/>
-          <a:chOff x="0" y="0"/>
-          <a:chExt cx="0" cy="0"/>
-        </a:xfrm>
-      </p:grpSpPr>
-      <p:sp>
-        <p:nvSpPr>
-          <p:cNvPr id="2" name="Espace réservé de l'image des diapositives 1"/>
-          <p:cNvSpPr>
-            <a:spLocks noGrp="1" noRot="1" noChangeAspect="1"/>
-          </p:cNvSpPr>
-          <p:nvPr>
-            <p:ph type="sldImg"/>
-          </p:nvPr>
-        </p:nvSpPr>
-        <p:spPr/>
-      </p:sp>
-      <p:sp>
-        <p:nvSpPr>
-          <p:cNvPr id="3" name="Espace réservé des commentaires 2"/>
-          <p:cNvSpPr>
-            <a:spLocks noGrp="1"/>
-          </p:cNvSpPr>
-          <p:nvPr>
-            <p:ph type="body" idx="1"/>
-          </p:nvPr>
-        </p:nvSpPr>
-        <p:spPr/>
-        <p:txBody>
-          <a:bodyPr/>
-          <a:lstStyle/>
-          <a:p>
-            <a:endParaRPr lang="fr-BE" dirty="0"/>
-          </a:p>
-        </p:txBody>
-      </p:sp>
-      <p:sp>
-        <p:nvSpPr>
-          <p:cNvPr id="4" name="Espace réservé du numéro de diapositive 3"/>
-          <p:cNvSpPr>
-            <a:spLocks noGrp="1"/>
-          </p:cNvSpPr>
-          <p:nvPr>
-            <p:ph type="sldNum" sz="quarter" idx="10"/>
-          </p:nvPr>
-        </p:nvSpPr>
-        <p:spPr/>
-        <p:txBody>
-          <a:bodyPr/>
-          <a:lstStyle/>
-          <a:p>
-            <a:fld id="{0E3842A0-1A3F-4998-8237-CE5EEE5DFDF0}" type="slidenum">
-              <a:rPr lang="fr-BE" smtClean="0"/>
-              <a:t>50</a:t>
-            </a:fld>
-            <a:endParaRPr lang="fr-BE"/>
-          </a:p>
-        </p:txBody>
-      </p:sp>
-    </p:spTree>
-    <p:extLst>
-      <p:ext uri="{BB962C8B-B14F-4D97-AF65-F5344CB8AC3E}">
-        <p14:creationId xmlns:p14="http://schemas.microsoft.com/office/powerpoint/2010/main" val="3714584552"/>
-      </p:ext>
-    </p:extLst>
-  </p:cSld>
-  <p:clrMapOvr>
-    <a:masterClrMapping/>
-  </p:clrMapOvr>
-</p:notes>
-</file>
-
 <file path=ppt/notesSlides/notesSlide6.xml><?xml version="1.0" encoding="utf-8"?>
 <p:notes xmlns:a="http://schemas.openxmlformats.org/drawingml/2006/main" xmlns:r="http://schemas.openxmlformats.org/officeDocument/2006/relationships" xmlns:p="http://schemas.openxmlformats.org/presentationml/2006/main">
   <p:cSld>
@@ -1334,7 +1387,7 @@
           <a:p>
             <a:fld id="{0E3842A0-1A3F-4998-8237-CE5EEE5DFDF0}" type="slidenum">
               <a:rPr lang="fr-BE" smtClean="0"/>
-              <a:t>51</a:t>
+              <a:t>52</a:t>
             </a:fld>
             <a:endParaRPr lang="fr-BE"/>
           </a:p>
@@ -1343,7 +1396,7 @@
     </p:spTree>
     <p:extLst>
       <p:ext uri="{BB962C8B-B14F-4D97-AF65-F5344CB8AC3E}">
-        <p14:creationId xmlns:p14="http://schemas.microsoft.com/office/powerpoint/2010/main" val="1770303546"/>
+        <p14:creationId xmlns:p14="http://schemas.microsoft.com/office/powerpoint/2010/main" val="3714584552"/>
       </p:ext>
     </p:extLst>
   </p:cSld>
@@ -1418,7 +1471,7 @@
           <a:p>
             <a:fld id="{0E3842A0-1A3F-4998-8237-CE5EEE5DFDF0}" type="slidenum">
               <a:rPr lang="fr-BE" smtClean="0"/>
-              <a:t>68</a:t>
+              <a:t>53</a:t>
             </a:fld>
             <a:endParaRPr lang="fr-BE"/>
           </a:p>
@@ -1427,7 +1480,7 @@
     </p:spTree>
     <p:extLst>
       <p:ext uri="{BB962C8B-B14F-4D97-AF65-F5344CB8AC3E}">
-        <p14:creationId xmlns:p14="http://schemas.microsoft.com/office/powerpoint/2010/main" val="761075304"/>
+        <p14:creationId xmlns:p14="http://schemas.microsoft.com/office/powerpoint/2010/main" val="1770303546"/>
       </p:ext>
     </p:extLst>
   </p:cSld>
@@ -1503,6 +1556,90 @@
             <a:fld id="{0E3842A0-1A3F-4998-8237-CE5EEE5DFDF0}" type="slidenum">
               <a:rPr lang="fr-BE" smtClean="0"/>
               <a:t>70</a:t>
+            </a:fld>
+            <a:endParaRPr lang="fr-BE"/>
+          </a:p>
+        </p:txBody>
+      </p:sp>
+    </p:spTree>
+    <p:extLst>
+      <p:ext uri="{BB962C8B-B14F-4D97-AF65-F5344CB8AC3E}">
+        <p14:creationId xmlns:p14="http://schemas.microsoft.com/office/powerpoint/2010/main" val="761075304"/>
+      </p:ext>
+    </p:extLst>
+  </p:cSld>
+  <p:clrMapOvr>
+    <a:masterClrMapping/>
+  </p:clrMapOvr>
+</p:notes>
+</file>
+
+<file path=ppt/notesSlides/notesSlide9.xml><?xml version="1.0" encoding="utf-8"?>
+<p:notes xmlns:a="http://schemas.openxmlformats.org/drawingml/2006/main" xmlns:r="http://schemas.openxmlformats.org/officeDocument/2006/relationships" xmlns:p="http://schemas.openxmlformats.org/presentationml/2006/main">
+  <p:cSld>
+    <p:spTree>
+      <p:nvGrpSpPr>
+        <p:cNvPr id="1" name=""/>
+        <p:cNvGrpSpPr/>
+        <p:nvPr/>
+      </p:nvGrpSpPr>
+      <p:grpSpPr>
+        <a:xfrm>
+          <a:off x="0" y="0"/>
+          <a:ext cx="0" cy="0"/>
+          <a:chOff x="0" y="0"/>
+          <a:chExt cx="0" cy="0"/>
+        </a:xfrm>
+      </p:grpSpPr>
+      <p:sp>
+        <p:nvSpPr>
+          <p:cNvPr id="2" name="Espace réservé de l'image des diapositives 1"/>
+          <p:cNvSpPr>
+            <a:spLocks noGrp="1" noRot="1" noChangeAspect="1"/>
+          </p:cNvSpPr>
+          <p:nvPr>
+            <p:ph type="sldImg"/>
+          </p:nvPr>
+        </p:nvSpPr>
+        <p:spPr/>
+      </p:sp>
+      <p:sp>
+        <p:nvSpPr>
+          <p:cNvPr id="3" name="Espace réservé des commentaires 2"/>
+          <p:cNvSpPr>
+            <a:spLocks noGrp="1"/>
+          </p:cNvSpPr>
+          <p:nvPr>
+            <p:ph type="body" idx="1"/>
+          </p:nvPr>
+        </p:nvSpPr>
+        <p:spPr/>
+        <p:txBody>
+          <a:bodyPr/>
+          <a:lstStyle/>
+          <a:p>
+            <a:endParaRPr lang="fr-BE" dirty="0"/>
+          </a:p>
+        </p:txBody>
+      </p:sp>
+      <p:sp>
+        <p:nvSpPr>
+          <p:cNvPr id="4" name="Espace réservé du numéro de diapositive 3"/>
+          <p:cNvSpPr>
+            <a:spLocks noGrp="1"/>
+          </p:cNvSpPr>
+          <p:nvPr>
+            <p:ph type="sldNum" sz="quarter" idx="10"/>
+          </p:nvPr>
+        </p:nvSpPr>
+        <p:spPr/>
+        <p:txBody>
+          <a:bodyPr/>
+          <a:lstStyle/>
+          <a:p>
+            <a:fld id="{0E3842A0-1A3F-4998-8237-CE5EEE5DFDF0}" type="slidenum">
+              <a:rPr lang="fr-BE" smtClean="0"/>
+              <a:t>72</a:t>
             </a:fld>
             <a:endParaRPr lang="fr-BE"/>
           </a:p>
@@ -1674,7 +1811,7 @@
           <a:p>
             <a:fld id="{F3953782-D06E-4853-BE3C-64C197273937}" type="datetimeFigureOut">
               <a:rPr lang="fr-BE" smtClean="0"/>
-              <a:t>26-08-25</a:t>
+              <a:t>12-09-25</a:t>
             </a:fld>
             <a:endParaRPr lang="fr-BE"/>
           </a:p>
@@ -1879,7 +2016,7 @@
           <a:p>
             <a:fld id="{F3953782-D06E-4853-BE3C-64C197273937}" type="datetimeFigureOut">
               <a:rPr lang="fr-BE" smtClean="0"/>
-              <a:t>26-08-25</a:t>
+              <a:t>12-09-25</a:t>
             </a:fld>
             <a:endParaRPr lang="fr-BE"/>
           </a:p>
@@ -2195,7 +2332,7 @@
           <a:p>
             <a:fld id="{F3953782-D06E-4853-BE3C-64C197273937}" type="datetimeFigureOut">
               <a:rPr lang="fr-BE" smtClean="0"/>
-              <a:t>26-08-25</a:t>
+              <a:t>12-09-25</a:t>
             </a:fld>
             <a:endParaRPr lang="fr-BE"/>
           </a:p>
@@ -2392,7 +2529,7 @@
           <a:p>
             <a:fld id="{F3953782-D06E-4853-BE3C-64C197273937}" type="datetimeFigureOut">
               <a:rPr lang="fr-BE" smtClean="0"/>
-              <a:t>26-08-25</a:t>
+              <a:t>12-09-25</a:t>
             </a:fld>
             <a:endParaRPr lang="fr-BE"/>
           </a:p>
@@ -2654,7 +2791,7 @@
           <a:p>
             <a:fld id="{F3953782-D06E-4853-BE3C-64C197273937}" type="datetimeFigureOut">
               <a:rPr lang="fr-BE" smtClean="0"/>
-              <a:t>26-08-25</a:t>
+              <a:t>12-09-25</a:t>
             </a:fld>
             <a:endParaRPr lang="fr-BE"/>
           </a:p>
@@ -3051,7 +3188,7 @@
           <a:p>
             <a:fld id="{F3953782-D06E-4853-BE3C-64C197273937}" type="datetimeFigureOut">
               <a:rPr lang="fr-BE" smtClean="0"/>
-              <a:t>26-08-25</a:t>
+              <a:t>12-09-25</a:t>
             </a:fld>
             <a:endParaRPr lang="fr-BE"/>
           </a:p>
@@ -3199,7 +3336,7 @@
           <a:p>
             <a:fld id="{F3953782-D06E-4853-BE3C-64C197273937}" type="datetimeFigureOut">
               <a:rPr lang="fr-BE" smtClean="0"/>
-              <a:t>26-08-25</a:t>
+              <a:t>12-09-25</a:t>
             </a:fld>
             <a:endParaRPr lang="fr-BE"/>
           </a:p>
@@ -3548,7 +3685,7 @@
           <a:p>
             <a:fld id="{F3953782-D06E-4853-BE3C-64C197273937}" type="datetimeFigureOut">
               <a:rPr lang="fr-BE" smtClean="0"/>
-              <a:t>26-08-25</a:t>
+              <a:t>12-09-25</a:t>
             </a:fld>
             <a:endParaRPr lang="fr-BE"/>
           </a:p>
@@ -3874,7 +4011,7 @@
           <a:p>
             <a:fld id="{F3953782-D06E-4853-BE3C-64C197273937}" type="datetimeFigureOut">
               <a:rPr lang="fr-BE" smtClean="0"/>
-              <a:t>26-08-25</a:t>
+              <a:t>12-09-25</a:t>
             </a:fld>
             <a:endParaRPr lang="fr-BE"/>
           </a:p>
@@ -4346,28 +4483,39 @@
             <p:ph type="ctrTitle"/>
           </p:nvPr>
         </p:nvSpPr>
-        <p:spPr/>
+        <p:spPr>
+          <a:xfrm>
+            <a:off x="2567354" y="1122363"/>
+            <a:ext cx="8100646" cy="2387600"/>
+          </a:xfrm>
+        </p:spPr>
         <p:txBody>
-          <a:bodyPr/>
+          <a:bodyPr>
+            <a:normAutofit fontScale="90000"/>
+          </a:bodyPr>
           <a:lstStyle/>
           <a:p>
             <a:r>
-              <a:rPr lang="fr-BE"/>
-              <a:t>Partie 11 : </a:t>
+              <a:rPr lang="fr-BE" dirty="0"/>
+              <a:t>Bachelier en Informatique de Gestion</a:t>
             </a:r>
             <a:br>
-              <a:rPr lang="fr-BE"/>
+              <a:rPr lang="fr-BE" dirty="0"/>
             </a:br>
-            <a:r>
-              <a:rPr lang="fr-BE"/>
-              <a:t>Programmation Orientée Objet Aspects Élémentaires</a:t>
-            </a:r>
+            <a:br>
+              <a:rPr lang="fr-BE" dirty="0"/>
+            </a:br>
+            <a:r>
+              <a:rPr lang="fr-BE" dirty="0"/>
+              <a:t>Programmation Orientée Objet</a:t>
+            </a:r>
+            <a:endParaRPr lang="fr-BE" noProof="0" dirty="0"/>
           </a:p>
         </p:txBody>
       </p:sp>
       <p:sp>
         <p:nvSpPr>
-          <p:cNvPr id="3" name="Subtitle 2"/>
+          <p:cNvPr id="5" name="Subtitle 4"/>
           <p:cNvSpPr>
             <a:spLocks noGrp="1"/>
           </p:cNvSpPr>
@@ -4377,20 +4525,75 @@
         </p:nvSpPr>
         <p:spPr/>
         <p:txBody>
-          <a:bodyPr/>
+          <a:bodyPr>
+            <a:noAutofit/>
+          </a:bodyPr>
           <a:lstStyle/>
           <a:p>
             <a:r>
-              <a:rPr lang="fr-BE"/>
-              <a:t>Syllabus &amp; Exercices</a:t>
-            </a:r>
+              <a:rPr lang="fr-BE" sz="3200" dirty="0"/>
+              <a:t>Enseignement supérieur économique de type court</a:t>
+            </a:r>
+          </a:p>
+          <a:p>
+            <a:r>
+              <a:rPr lang="fr-BE" sz="3200" dirty="0"/>
+              <a:t>Code FWB : 7525 21 </a:t>
+            </a:r>
+            <a:r>
+              <a:rPr lang="fr-BE" sz="3200" err="1"/>
+              <a:t>U32</a:t>
+            </a:r>
+            <a:r>
+              <a:rPr lang="fr-BE" sz="3200"/>
+              <a:t> D3</a:t>
+            </a:r>
+            <a:endParaRPr lang="fr-BE" sz="3200" dirty="0"/>
+          </a:p>
+          <a:p>
+            <a:r>
+              <a:rPr lang="fr-BE" sz="3200" dirty="0"/>
+              <a:t>Code ISFCE </a:t>
+            </a:r>
+            <a:r>
+              <a:rPr lang="fr-BE" sz="3200"/>
+              <a:t>: 4IPO3</a:t>
+            </a:r>
+            <a:endParaRPr lang="fr-FR" sz="3200" dirty="0"/>
+          </a:p>
+          <a:p>
+            <a:endParaRPr lang="fr-FR" sz="3200" dirty="0"/>
           </a:p>
         </p:txBody>
       </p:sp>
+      <p:pic>
+        <p:nvPicPr>
+          <p:cNvPr id="17" name="Picture 16"/>
+          <p:cNvPicPr>
+            <a:picLocks/>
+          </p:cNvPicPr>
+          <p:nvPr/>
+        </p:nvPicPr>
+        <p:blipFill>
+          <a:blip r:embed="rId3"/>
+          <a:stretch>
+            <a:fillRect/>
+          </a:stretch>
+        </p:blipFill>
+        <p:spPr>
+          <a:xfrm>
+            <a:off x="435596" y="289351"/>
+            <a:ext cx="1674557" cy="1674557"/>
+          </a:xfrm>
+          <a:prstGeom prst="rect">
+            <a:avLst/>
+          </a:prstGeom>
+        </p:spPr>
+      </p:pic>
     </p:spTree>
     <p:extLst>
       <p:ext uri="{BB962C8B-B14F-4D97-AF65-F5344CB8AC3E}">
-        <p14:creationId xmlns:p14="http://schemas.microsoft.com/office/powerpoint/2010/main" val="1383742146"/>
+        <p14:creationId xmlns:p14="http://schemas.microsoft.com/office/powerpoint/2010/main" val="3971866780"/>
       </p:ext>
     </p:extLst>
   </p:cSld>
@@ -4413,6 +4616,164 @@
 </file>
 
 <file path=ppt/slides/slide10.xml><?xml version="1.0" encoding="utf-8"?>
+<p:sld xmlns:a="http://schemas.openxmlformats.org/drawingml/2006/main" xmlns:r="http://schemas.openxmlformats.org/officeDocument/2006/relationships" xmlns:p="http://schemas.openxmlformats.org/presentationml/2006/main">
+  <p:cSld>
+    <p:spTree>
+      <p:nvGrpSpPr>
+        <p:cNvPr id="1" name=""/>
+        <p:cNvGrpSpPr/>
+        <p:nvPr/>
+      </p:nvGrpSpPr>
+      <p:grpSpPr>
+        <a:xfrm>
+          <a:off x="0" y="0"/>
+          <a:ext cx="0" cy="0"/>
+          <a:chOff x="0" y="0"/>
+          <a:chExt cx="0" cy="0"/>
+        </a:xfrm>
+      </p:grpSpPr>
+      <p:pic>
+        <p:nvPicPr>
+          <p:cNvPr id="3" name="Image 2" descr="11-01-Python-POO_introduction-5">
+            <a:extLst>
+              <a:ext uri="{FF2B5EF4-FFF2-40B4-BE49-F238E27FC236}">
+                <a16:creationId xmlns:a16="http://schemas.microsoft.com/office/drawing/2014/main" id="{D1A24F48-C564-4C11-B2F4-286C745E65BE}"/>
+              </a:ext>
+            </a:extLst>
+          </p:cNvPr>
+          <p:cNvPicPr>
+            <a:picLocks noGrp="1" noChangeAspect="1"/>
+          </p:cNvPicPr>
+          <p:nvPr isPhoto="1"/>
+        </p:nvPicPr>
+        <p:blipFill>
+          <a:blip r:embed="rId2" cstate="email">
+            <a:lum/>
+            <a:extLst>
+              <a:ext uri="{28A0092B-C50C-407E-A947-70E740481C1C}">
+                <a14:useLocalDpi xmlns:a14="http://schemas.microsoft.com/office/drawing/2010/main"/>
+              </a:ext>
+            </a:extLst>
+          </a:blip>
+          <a:stretch>
+            <a:fillRect/>
+          </a:stretch>
+        </p:blipFill>
+        <p:spPr>
+          <a:xfrm>
+            <a:off x="1246188" y="0"/>
+            <a:ext cx="9698037" cy="6858000"/>
+          </a:xfrm>
+          <a:prstGeom prst="rect">
+            <a:avLst/>
+          </a:prstGeom>
+        </p:spPr>
+      </p:pic>
+    </p:spTree>
+    <p:extLst>
+      <p:ext uri="{BB962C8B-B14F-4D97-AF65-F5344CB8AC3E}">
+        <p14:creationId xmlns:p14="http://schemas.microsoft.com/office/powerpoint/2010/main" val="3621752458"/>
+      </p:ext>
+    </p:extLst>
+  </p:cSld>
+  <p:clrMapOvr>
+    <a:masterClrMapping/>
+  </p:clrMapOvr>
+  <mc:AlternateContent xmlns:mc="http://schemas.openxmlformats.org/markup-compatibility/2006" xmlns:p14="http://schemas.microsoft.com/office/powerpoint/2010/main">
+    <mc:Choice Requires="p14">
+      <p:transition spd="slow">
+        <p14:reveal/>
+      </p:transition>
+    </mc:Choice>
+    <mc:Fallback xmlns="">
+      <p:transition spd="slow">
+        <p:fade/>
+      </p:transition>
+    </mc:Fallback>
+  </mc:AlternateContent>
+</p:sld>
+</file>
+
+<file path=ppt/slides/slide11.xml><?xml version="1.0" encoding="utf-8"?>
+<p:sld xmlns:a="http://schemas.openxmlformats.org/drawingml/2006/main" xmlns:r="http://schemas.openxmlformats.org/officeDocument/2006/relationships" xmlns:p="http://schemas.openxmlformats.org/presentationml/2006/main">
+  <p:cSld>
+    <p:spTree>
+      <p:nvGrpSpPr>
+        <p:cNvPr id="1" name=""/>
+        <p:cNvGrpSpPr/>
+        <p:nvPr/>
+      </p:nvGrpSpPr>
+      <p:grpSpPr>
+        <a:xfrm>
+          <a:off x="0" y="0"/>
+          <a:ext cx="0" cy="0"/>
+          <a:chOff x="0" y="0"/>
+          <a:chExt cx="0" cy="0"/>
+        </a:xfrm>
+      </p:grpSpPr>
+      <p:pic>
+        <p:nvPicPr>
+          <p:cNvPr id="3" name="Image 2" descr="11-01-Python-POO_introduction-6">
+            <a:extLst>
+              <a:ext uri="{FF2B5EF4-FFF2-40B4-BE49-F238E27FC236}">
+                <a16:creationId xmlns:a16="http://schemas.microsoft.com/office/drawing/2014/main" id="{E1970F8C-BBB0-4C59-B2AB-5B52262234F7}"/>
+              </a:ext>
+            </a:extLst>
+          </p:cNvPr>
+          <p:cNvPicPr>
+            <a:picLocks noGrp="1" noChangeAspect="1"/>
+          </p:cNvPicPr>
+          <p:nvPr isPhoto="1"/>
+        </p:nvPicPr>
+        <p:blipFill>
+          <a:blip r:embed="rId2" cstate="email">
+            <a:lum/>
+            <a:extLst>
+              <a:ext uri="{28A0092B-C50C-407E-A947-70E740481C1C}">
+                <a14:useLocalDpi xmlns:a14="http://schemas.microsoft.com/office/drawing/2010/main"/>
+              </a:ext>
+            </a:extLst>
+          </a:blip>
+          <a:stretch>
+            <a:fillRect/>
+          </a:stretch>
+        </p:blipFill>
+        <p:spPr>
+          <a:xfrm>
+            <a:off x="1246188" y="0"/>
+            <a:ext cx="9698037" cy="6858000"/>
+          </a:xfrm>
+          <a:prstGeom prst="rect">
+            <a:avLst/>
+          </a:prstGeom>
+        </p:spPr>
+      </p:pic>
+    </p:spTree>
+    <p:extLst>
+      <p:ext uri="{BB962C8B-B14F-4D97-AF65-F5344CB8AC3E}">
+        <p14:creationId xmlns:p14="http://schemas.microsoft.com/office/powerpoint/2010/main" val="2836440097"/>
+      </p:ext>
+    </p:extLst>
+  </p:cSld>
+  <p:clrMapOvr>
+    <a:masterClrMapping/>
+  </p:clrMapOvr>
+  <mc:AlternateContent xmlns:mc="http://schemas.openxmlformats.org/markup-compatibility/2006" xmlns:p14="http://schemas.microsoft.com/office/powerpoint/2010/main">
+    <mc:Choice Requires="p14">
+      <p:transition spd="slow">
+        <p14:reveal/>
+      </p:transition>
+    </mc:Choice>
+    <mc:Fallback xmlns="">
+      <p:transition spd="slow">
+        <p:fade/>
+      </p:transition>
+    </mc:Fallback>
+  </mc:AlternateContent>
+</p:sld>
+</file>
+
+<file path=ppt/slides/slide12.xml><?xml version="1.0" encoding="utf-8"?>
 <p:sld xmlns:a="http://schemas.openxmlformats.org/drawingml/2006/main" xmlns:r="http://schemas.openxmlformats.org/officeDocument/2006/relationships" xmlns:p="http://schemas.openxmlformats.org/presentationml/2006/main">
   <p:cSld>
     <p:spTree>
@@ -4491,7 +4852,7 @@
 </p:sld>
 </file>
 
-<file path=ppt/slides/slide11.xml><?xml version="1.0" encoding="utf-8"?>
+<file path=ppt/slides/slide13.xml><?xml version="1.0" encoding="utf-8"?>
 <p:sld xmlns:a="http://schemas.openxmlformats.org/drawingml/2006/main" xmlns:r="http://schemas.openxmlformats.org/officeDocument/2006/relationships" xmlns:p="http://schemas.openxmlformats.org/presentationml/2006/main">
   <p:cSld>
     <p:spTree>
@@ -4570,7 +4931,7 @@
 </p:sld>
 </file>
 
-<file path=ppt/slides/slide12.xml><?xml version="1.0" encoding="utf-8"?>
+<file path=ppt/slides/slide14.xml><?xml version="1.0" encoding="utf-8"?>
 <p:sld xmlns:a="http://schemas.openxmlformats.org/drawingml/2006/main" xmlns:r="http://schemas.openxmlformats.org/officeDocument/2006/relationships" xmlns:p="http://schemas.openxmlformats.org/presentationml/2006/main">
   <p:cSld>
     <p:spTree>
@@ -4752,7 +5113,7 @@
 </p:sld>
 </file>
 
-<file path=ppt/slides/slide13.xml><?xml version="1.0" encoding="utf-8"?>
+<file path=ppt/slides/slide15.xml><?xml version="1.0" encoding="utf-8"?>
 <p:sld xmlns:a="http://schemas.openxmlformats.org/drawingml/2006/main" xmlns:r="http://schemas.openxmlformats.org/officeDocument/2006/relationships" xmlns:p="http://schemas.openxmlformats.org/presentationml/2006/main">
   <p:cSld>
     <p:spTree>
@@ -4889,7 +5250,7 @@
 </p:sld>
 </file>
 
-<file path=ppt/slides/slide14.xml><?xml version="1.0" encoding="utf-8"?>
+<file path=ppt/slides/slide16.xml><?xml version="1.0" encoding="utf-8"?>
 <p:sld xmlns:a="http://schemas.openxmlformats.org/drawingml/2006/main" xmlns:r="http://schemas.openxmlformats.org/officeDocument/2006/relationships" xmlns:p="http://schemas.openxmlformats.org/presentationml/2006/main">
   <p:cSld>
     <p:spTree>
@@ -8491,7 +8852,7 @@
 </p:sld>
 </file>
 
-<file path=ppt/slides/slide15.xml><?xml version="1.0" encoding="utf-8"?>
+<file path=ppt/slides/slide17.xml><?xml version="1.0" encoding="utf-8"?>
 <p:sld xmlns:a="http://schemas.openxmlformats.org/drawingml/2006/main" xmlns:r="http://schemas.openxmlformats.org/officeDocument/2006/relationships" xmlns:p="http://schemas.openxmlformats.org/presentationml/2006/main">
   <p:cSld>
     <p:spTree>
@@ -8611,7 +8972,7 @@
 </p:sld>
 </file>
 
-<file path=ppt/slides/slide16.xml><?xml version="1.0" encoding="utf-8"?>
+<file path=ppt/slides/slide18.xml><?xml version="1.0" encoding="utf-8"?>
 <p:sld xmlns:a="http://schemas.openxmlformats.org/drawingml/2006/main" xmlns:r="http://schemas.openxmlformats.org/officeDocument/2006/relationships" xmlns:p="http://schemas.openxmlformats.org/presentationml/2006/main">
   <p:cSld>
     <p:spTree>
@@ -8690,7 +9051,7 @@
 </p:sld>
 </file>
 
-<file path=ppt/slides/slide17.xml><?xml version="1.0" encoding="utf-8"?>
+<file path=ppt/slides/slide19.xml><?xml version="1.0" encoding="utf-8"?>
 <p:sld xmlns:a="http://schemas.openxmlformats.org/drawingml/2006/main" xmlns:r="http://schemas.openxmlformats.org/officeDocument/2006/relationships" xmlns:p="http://schemas.openxmlformats.org/presentationml/2006/main">
   <p:cSld>
     <p:spTree>
@@ -8769,7 +9130,157 @@
 </p:sld>
 </file>
 
-<file path=ppt/slides/slide18.xml><?xml version="1.0" encoding="utf-8"?>
+<file path=ppt/slides/slide2.xml><?xml version="1.0" encoding="utf-8"?>
+<p:sld xmlns:a="http://schemas.openxmlformats.org/drawingml/2006/main" xmlns:r="http://schemas.openxmlformats.org/officeDocument/2006/relationships" xmlns:p="http://schemas.openxmlformats.org/presentationml/2006/main">
+  <p:cSld>
+    <p:spTree>
+      <p:nvGrpSpPr>
+        <p:cNvPr id="1" name=""/>
+        <p:cNvGrpSpPr/>
+        <p:nvPr/>
+      </p:nvGrpSpPr>
+      <p:grpSpPr>
+        <a:xfrm>
+          <a:off x="0" y="0"/>
+          <a:ext cx="0" cy="0"/>
+          <a:chOff x="0" y="0"/>
+          <a:chExt cx="0" cy="0"/>
+        </a:xfrm>
+      </p:grpSpPr>
+      <p:sp>
+        <p:nvSpPr>
+          <p:cNvPr id="4" name="Title 3"/>
+          <p:cNvSpPr>
+            <a:spLocks noGrp="1"/>
+          </p:cNvSpPr>
+          <p:nvPr>
+            <p:ph type="title"/>
+          </p:nvPr>
+        </p:nvSpPr>
+        <p:spPr/>
+        <p:txBody>
+          <a:bodyPr/>
+          <a:lstStyle/>
+          <a:p>
+            <a:r>
+              <a:rPr lang="fr-BE"/>
+              <a:t>Table des matières</a:t>
+            </a:r>
+          </a:p>
+        </p:txBody>
+      </p:sp>
+      <p:sp>
+        <p:nvSpPr>
+          <p:cNvPr id="5" name="Content Placeholder 4"/>
+          <p:cNvSpPr>
+            <a:spLocks noGrp="1"/>
+          </p:cNvSpPr>
+          <p:nvPr>
+            <p:ph idx="1"/>
+          </p:nvPr>
+        </p:nvSpPr>
+        <p:spPr/>
+        <p:txBody>
+          <a:bodyPr numCol="1">
+            <a:normAutofit fontScale="92500" lnSpcReduction="10000"/>
+          </a:bodyPr>
+          <a:lstStyle/>
+          <a:p>
+            <a:r>
+              <a:rPr lang="fr-BE"/>
+              <a:t>Introduction</a:t>
+            </a:r>
+          </a:p>
+          <a:p>
+            <a:pPr lvl="1"/>
+            <a:r>
+              <a:rPr lang="fr-BE"/>
+              <a:t>00. Propos liminaires</a:t>
+            </a:r>
+          </a:p>
+          <a:p>
+            <a:pPr lvl="1"/>
+            <a:r>
+              <a:rPr lang="fr-BE"/>
+              <a:t>01. Programmation procédurale : rappel</a:t>
+            </a:r>
+          </a:p>
+          <a:p>
+            <a:r>
+              <a:rPr lang="fr-BE"/>
+              <a:t>Concepts de Programmation Orientée Objet</a:t>
+            </a:r>
+          </a:p>
+          <a:p>
+            <a:pPr lvl="1"/>
+            <a:r>
+              <a:rPr lang="fr-BE">
+                <a:solidFill>
+                  <a:schemeClr val="accent2"/>
+                </a:solidFill>
+              </a:rPr>
+              <a:t>11. Programmation orientée objet : bases </a:t>
+            </a:r>
+          </a:p>
+          <a:p>
+            <a:pPr lvl="1"/>
+            <a:r>
+              <a:rPr lang="fr-BE"/>
+              <a:t>13</a:t>
+            </a:r>
+            <a:r>
+              <a:rPr lang="fr-BE" dirty="0"/>
+              <a:t>. Programmation orientée objet : aspects avancés</a:t>
+            </a:r>
+          </a:p>
+          <a:p>
+            <a:pPr lvl="1"/>
+            <a:r>
+              <a:rPr lang="fr-BE"/>
+              <a:t>17. Patron de conception (design pattern)</a:t>
+            </a:r>
+          </a:p>
+          <a:p>
+            <a:r>
+              <a:rPr lang="fr-BE"/>
+              <a:t>Applications de la POO</a:t>
+            </a:r>
+          </a:p>
+          <a:p>
+            <a:pPr lvl="1"/>
+            <a:r>
+              <a:rPr lang="fr-BE"/>
+              <a:t>21. Graphical User Interface</a:t>
+            </a:r>
+          </a:p>
+        </p:txBody>
+      </p:sp>
+    </p:spTree>
+    <p:extLst>
+      <p:ext uri="{BB962C8B-B14F-4D97-AF65-F5344CB8AC3E}">
+        <p14:creationId xmlns:p14="http://schemas.microsoft.com/office/powerpoint/2010/main" val="768976842"/>
+      </p:ext>
+    </p:extLst>
+  </p:cSld>
+  <p:clrMapOvr>
+    <a:masterClrMapping/>
+  </p:clrMapOvr>
+  <mc:AlternateContent xmlns:mc="http://schemas.openxmlformats.org/markup-compatibility/2006" xmlns:p14="http://schemas.microsoft.com/office/powerpoint/2010/main">
+    <mc:Choice Requires="p14">
+      <p:transition spd="slow">
+        <p14:reveal/>
+      </p:transition>
+    </mc:Choice>
+    <mc:Fallback xmlns="">
+      <p:transition spd="slow">
+        <p:fade/>
+      </p:transition>
+    </mc:Fallback>
+  </mc:AlternateContent>
+</p:sld>
+</file>
+
+<file path=ppt/slides/slide20.xml><?xml version="1.0" encoding="utf-8"?>
 <p:sld xmlns:a="http://schemas.openxmlformats.org/drawingml/2006/main" xmlns:r="http://schemas.openxmlformats.org/officeDocument/2006/relationships" xmlns:p="http://schemas.openxmlformats.org/presentationml/2006/main">
   <p:cSld>
     <p:spTree>
@@ -8848,7 +9359,7 @@
 </p:sld>
 </file>
 
-<file path=ppt/slides/slide19.xml><?xml version="1.0" encoding="utf-8"?>
+<file path=ppt/slides/slide21.xml><?xml version="1.0" encoding="utf-8"?>
 <p:sld xmlns:a="http://schemas.openxmlformats.org/drawingml/2006/main" xmlns:r="http://schemas.openxmlformats.org/officeDocument/2006/relationships" xmlns:p="http://schemas.openxmlformats.org/presentationml/2006/main">
   <p:cSld>
     <p:spTree>
@@ -8927,455 +9438,7 @@
 </p:sld>
 </file>
 
-<file path=ppt/slides/slide2.xml><?xml version="1.0" encoding="utf-8"?>
-<p:sld xmlns:a="http://schemas.openxmlformats.org/drawingml/2006/main" xmlns:r="http://schemas.openxmlformats.org/officeDocument/2006/relationships" xmlns:p="http://schemas.openxmlformats.org/presentationml/2006/main">
-  <p:cSld>
-    <p:spTree>
-      <p:nvGrpSpPr>
-        <p:cNvPr id="1" name=""/>
-        <p:cNvGrpSpPr/>
-        <p:nvPr/>
-      </p:nvGrpSpPr>
-      <p:grpSpPr>
-        <a:xfrm>
-          <a:off x="0" y="0"/>
-          <a:ext cx="0" cy="0"/>
-          <a:chOff x="0" y="0"/>
-          <a:chExt cx="0" cy="0"/>
-        </a:xfrm>
-      </p:grpSpPr>
-      <p:sp>
-        <p:nvSpPr>
-          <p:cNvPr id="2" name="Titre 1">
-            <a:extLst>
-              <a:ext uri="{FF2B5EF4-FFF2-40B4-BE49-F238E27FC236}">
-                <a16:creationId xmlns:a16="http://schemas.microsoft.com/office/drawing/2014/main" id="{34ADD66B-CC21-4A92-9B99-DEBC4E4F5AB5}"/>
-              </a:ext>
-            </a:extLst>
-          </p:cNvPr>
-          <p:cNvSpPr>
-            <a:spLocks noGrp="1"/>
-          </p:cNvSpPr>
-          <p:nvPr>
-            <p:ph type="title"/>
-          </p:nvPr>
-        </p:nvSpPr>
-        <p:spPr/>
-        <p:txBody>
-          <a:bodyPr/>
-          <a:lstStyle/>
-          <a:p>
-            <a:r>
-              <a:rPr lang="fr-BE"/>
-              <a:t>11. POO : Aspects Élémentaires</a:t>
-            </a:r>
-          </a:p>
-        </p:txBody>
-      </p:sp>
-      <p:sp>
-        <p:nvSpPr>
-          <p:cNvPr id="3" name="Espace réservé du contenu 2">
-            <a:extLst>
-              <a:ext uri="{FF2B5EF4-FFF2-40B4-BE49-F238E27FC236}">
-                <a16:creationId xmlns:a16="http://schemas.microsoft.com/office/drawing/2014/main" id="{FD762E75-3E63-4A3D-8C23-E19F67DB6ED2}"/>
-              </a:ext>
-            </a:extLst>
-          </p:cNvPr>
-          <p:cNvSpPr>
-            <a:spLocks noGrp="1"/>
-          </p:cNvSpPr>
-          <p:nvPr>
-            <p:ph idx="1"/>
-          </p:nvPr>
-        </p:nvSpPr>
-        <p:spPr>
-          <a:xfrm>
-            <a:off x="119270" y="1541601"/>
-            <a:ext cx="11976651" cy="4486275"/>
-          </a:xfrm>
-        </p:spPr>
-        <p:txBody>
-          <a:bodyPr numCol="2">
-            <a:normAutofit fontScale="70000" lnSpcReduction="20000"/>
-          </a:bodyPr>
-          <a:lstStyle/>
-          <a:p>
-            <a:r>
-              <a:rPr lang="fr-BE"/>
-              <a:t>11-01 : Introduction</a:t>
-            </a:r>
-          </a:p>
-          <a:p>
-            <a:pPr lvl="1"/>
-            <a:r>
-              <a:rPr lang="fr-BE"/>
-              <a:t>Module</a:t>
-            </a:r>
-          </a:p>
-          <a:p>
-            <a:pPr lvl="1"/>
-            <a:r>
-              <a:rPr lang="fr-BE"/>
-              <a:t>Module Math</a:t>
-            </a:r>
-          </a:p>
-          <a:p>
-            <a:pPr lvl="1"/>
-            <a:r>
-              <a:rPr lang="fr-BE"/>
-              <a:t>Module Turtle</a:t>
-            </a:r>
-          </a:p>
-          <a:p>
-            <a:pPr lvl="1"/>
-            <a:r>
-              <a:rPr lang="fr-BE"/>
-              <a:t>Méthodes</a:t>
-            </a:r>
-          </a:p>
-          <a:p>
-            <a:pPr lvl="1"/>
-            <a:r>
-              <a:rPr lang="fr-BE"/>
-              <a:t>Help</a:t>
-            </a:r>
-          </a:p>
-          <a:p>
-            <a:r>
-              <a:rPr lang="fr-BE"/>
-              <a:t>11-02 : Objet simple</a:t>
-            </a:r>
-          </a:p>
-          <a:p>
-            <a:pPr lvl="1"/>
-            <a:r>
-              <a:rPr lang="fr-BE"/>
-              <a:t>Objet</a:t>
-            </a:r>
-          </a:p>
-          <a:p>
-            <a:pPr lvl="1"/>
-            <a:r>
-              <a:rPr lang="fr-BE"/>
-              <a:t>Conception et modélisation d'une </a:t>
-            </a:r>
-            <a:r>
-              <a:rPr lang="fr-BE">
-                <a:solidFill>
-                  <a:schemeClr val="accent2"/>
-                </a:solidFill>
-              </a:rPr>
-              <a:t>classe</a:t>
-            </a:r>
-          </a:p>
-          <a:p>
-            <a:pPr lvl="1"/>
-            <a:r>
-              <a:rPr lang="fr-BE" dirty="0"/>
-              <a:t>Méthode : constructeur, </a:t>
-            </a:r>
-            <a:r>
-              <a:rPr lang="fr-BE" sz="3300">
-                <a:solidFill>
-                  <a:schemeClr val="accent6">
-                    <a:lumMod val="50000"/>
-                  </a:schemeClr>
-                </a:solidFill>
-                <a:latin typeface="Consolas" panose="020B0609020204030204" pitchFamily="49" charset="0"/>
-                <a:cs typeface="Courier New" panose="02070309020205020404" pitchFamily="49" charset="0"/>
-              </a:rPr>
-              <a:t>__init__</a:t>
-            </a:r>
-          </a:p>
-          <a:p>
-            <a:pPr lvl="1"/>
-            <a:r>
-              <a:rPr lang="fr-BE" dirty="0"/>
-              <a:t>Manipulation d'un </a:t>
-            </a:r>
-            <a:r>
-              <a:rPr lang="fr-BE" dirty="0">
-                <a:solidFill>
-                  <a:schemeClr val="accent2"/>
-                </a:solidFill>
-              </a:rPr>
-              <a:t>objet</a:t>
-            </a:r>
-            <a:r>
-              <a:rPr lang="fr-BE" dirty="0"/>
-              <a:t> </a:t>
-            </a:r>
-          </a:p>
-          <a:p>
-            <a:pPr lvl="1"/>
-            <a:r>
-              <a:rPr lang="fr-BE" sz="3300">
-                <a:solidFill>
-                  <a:schemeClr val="accent6">
-                    <a:lumMod val="50000"/>
-                  </a:schemeClr>
-                </a:solidFill>
-                <a:latin typeface="Consolas" panose="020B0609020204030204" pitchFamily="49" charset="0"/>
-                <a:cs typeface="Courier New" panose="02070309020205020404" pitchFamily="49" charset="0"/>
-              </a:rPr>
-              <a:t>self</a:t>
-            </a:r>
-          </a:p>
-          <a:p>
-            <a:pPr lvl="1"/>
-            <a:r>
-              <a:rPr lang="fr-BE"/>
-              <a:t>Références</a:t>
-            </a:r>
-          </a:p>
-          <a:p>
-            <a:pPr lvl="1"/>
-            <a:r>
-              <a:rPr lang="fr-BE"/>
-              <a:t>Méthode </a:t>
-            </a:r>
-            <a:r>
-              <a:rPr lang="fr-BE" dirty="0"/>
-              <a:t>: destructeur</a:t>
-            </a:r>
-          </a:p>
-          <a:p>
-            <a:pPr lvl="1"/>
-            <a:r>
-              <a:rPr lang="fr-BE" dirty="0"/>
-              <a:t>Égalité et copie d'un objet</a:t>
-            </a:r>
-          </a:p>
-          <a:p>
-            <a:pPr lvl="1"/>
-            <a:r>
-              <a:rPr lang="fr-BE" dirty="0"/>
-              <a:t>Méthode : </a:t>
-            </a:r>
-            <a:r>
-              <a:rPr lang="fr-BE" sz="3300" dirty="0">
-                <a:solidFill>
-                  <a:schemeClr val="accent6">
-                    <a:lumMod val="50000"/>
-                  </a:schemeClr>
-                </a:solidFill>
-                <a:latin typeface="Consolas" panose="020B0609020204030204" pitchFamily="49" charset="0"/>
-                <a:cs typeface="Courier New" panose="02070309020205020404" pitchFamily="49" charset="0"/>
-              </a:rPr>
-              <a:t>__</a:t>
-            </a:r>
-            <a:r>
-              <a:rPr lang="fr-BE" sz="3300" dirty="0" err="1">
-                <a:solidFill>
-                  <a:schemeClr val="accent6">
-                    <a:lumMod val="50000"/>
-                  </a:schemeClr>
-                </a:solidFill>
-                <a:latin typeface="Consolas" panose="020B0609020204030204" pitchFamily="49" charset="0"/>
-                <a:cs typeface="Courier New" panose="02070309020205020404" pitchFamily="49" charset="0"/>
-              </a:rPr>
-              <a:t>str</a:t>
-            </a:r>
-            <a:r>
-              <a:rPr lang="fr-BE" sz="3300" dirty="0">
-                <a:solidFill>
-                  <a:schemeClr val="accent6">
-                    <a:lumMod val="50000"/>
-                  </a:schemeClr>
-                </a:solidFill>
-                <a:latin typeface="Consolas" panose="020B0609020204030204" pitchFamily="49" charset="0"/>
-                <a:cs typeface="Courier New" panose="02070309020205020404" pitchFamily="49" charset="0"/>
-              </a:rPr>
-              <a:t>__</a:t>
-            </a:r>
-          </a:p>
-          <a:p>
-            <a:r>
-              <a:rPr lang="fr-BE"/>
-              <a:t>11-03 : attribut public ou privé</a:t>
-            </a:r>
-            <a:endParaRPr lang="fr-BE" dirty="0"/>
-          </a:p>
-          <a:p>
-            <a:pPr lvl="1"/>
-            <a:r>
-              <a:rPr lang="fr-BE" dirty="0"/>
-              <a:t>Attributs privés vs publics</a:t>
-            </a:r>
-          </a:p>
-          <a:p>
-            <a:pPr lvl="1"/>
-            <a:r>
-              <a:rPr lang="fr-BE"/>
-              <a:t>Méthodes accesseurs</a:t>
-            </a:r>
-          </a:p>
-          <a:p>
-            <a:pPr lvl="1"/>
-            <a:r>
-              <a:rPr lang="fr-BE" sz="3300">
-                <a:solidFill>
-                  <a:schemeClr val="accent6">
-                    <a:lumMod val="50000"/>
-                  </a:schemeClr>
-                </a:solidFill>
-                <a:latin typeface="Consolas" panose="020B0609020204030204" pitchFamily="49" charset="0"/>
-                <a:cs typeface="Courier New" panose="02070309020205020404" pitchFamily="49" charset="0"/>
-              </a:rPr>
-              <a:t>@</a:t>
-            </a:r>
-            <a:r>
-              <a:rPr lang="fr-BE" sz="3300">
-                <a:solidFill>
-                  <a:srgbClr val="996633"/>
-                </a:solidFill>
-                <a:latin typeface="Consolas" panose="020B0609020204030204" pitchFamily="49" charset="0"/>
-                <a:cs typeface="Courier New" panose="02070309020205020404" pitchFamily="49" charset="0"/>
-              </a:rPr>
-              <a:t>property</a:t>
-            </a:r>
-            <a:r>
-              <a:rPr lang="fr-BE" sz="3300">
-                <a:solidFill>
-                  <a:schemeClr val="accent6">
-                    <a:lumMod val="50000"/>
-                  </a:schemeClr>
-                </a:solidFill>
-                <a:latin typeface="Consolas" panose="020B0609020204030204" pitchFamily="49" charset="0"/>
-                <a:cs typeface="Courier New" panose="02070309020205020404" pitchFamily="49" charset="0"/>
-              </a:rPr>
-              <a:t> &amp; @my_attr.setter</a:t>
-            </a:r>
-            <a:endParaRPr lang="fr-BE" sz="3300" dirty="0">
-              <a:solidFill>
-                <a:schemeClr val="accent6">
-                  <a:lumMod val="50000"/>
-                </a:schemeClr>
-              </a:solidFill>
-              <a:latin typeface="Consolas" panose="020B0609020204030204" pitchFamily="49" charset="0"/>
-              <a:cs typeface="Courier New" panose="02070309020205020404" pitchFamily="49" charset="0"/>
-            </a:endParaRPr>
-          </a:p>
-          <a:p>
-            <a:r>
-              <a:rPr lang="fr-BE"/>
-              <a:t>11-04 : variable et méthode de classe</a:t>
-            </a:r>
-            <a:endParaRPr lang="fr-BE" dirty="0"/>
-          </a:p>
-          <a:p>
-            <a:pPr lvl="1"/>
-            <a:r>
-              <a:rPr lang="fr-BE" dirty="0"/>
-              <a:t>Variable de classe (statique)</a:t>
-            </a:r>
-          </a:p>
-          <a:p>
-            <a:pPr lvl="1"/>
-            <a:r>
-              <a:rPr lang="fr-BE" dirty="0"/>
-              <a:t>Méthode de classe</a:t>
-            </a:r>
-          </a:p>
-          <a:p>
-            <a:pPr lvl="1"/>
-            <a:r>
-              <a:rPr lang="fr-BE" sz="3300">
-                <a:solidFill>
-                  <a:schemeClr val="accent6">
-                    <a:lumMod val="50000"/>
-                  </a:schemeClr>
-                </a:solidFill>
-                <a:latin typeface="Consolas" panose="020B0609020204030204" pitchFamily="49" charset="0"/>
-                <a:cs typeface="Courier New" panose="02070309020205020404" pitchFamily="49" charset="0"/>
-              </a:rPr>
-              <a:t>@</a:t>
-            </a:r>
-            <a:r>
-              <a:rPr lang="fr-BE" sz="3300">
-                <a:solidFill>
-                  <a:srgbClr val="996633"/>
-                </a:solidFill>
-                <a:latin typeface="Consolas" panose="020B0609020204030204" pitchFamily="49" charset="0"/>
-                <a:cs typeface="Courier New" panose="02070309020205020404" pitchFamily="49" charset="0"/>
-              </a:rPr>
-              <a:t>classmethod</a:t>
-            </a:r>
-          </a:p>
-          <a:p>
-            <a:pPr marL="457189" lvl="1" indent="0">
-              <a:buNone/>
-            </a:pPr>
-            <a:endParaRPr lang="fr-BE" dirty="0"/>
-          </a:p>
-          <a:p>
-            <a:pPr marL="0" indent="0">
-              <a:buNone/>
-            </a:pPr>
-            <a:r>
-              <a:rPr lang="fr-BE" dirty="0">
-                <a:solidFill>
-                  <a:schemeClr val="accent2"/>
-                </a:solidFill>
-                <a:sym typeface="Wingdings" panose="05000000000000000000" pitchFamily="2" charset="2"/>
-              </a:rPr>
-              <a:t>🏛  </a:t>
-            </a:r>
-            <a:r>
-              <a:rPr lang="fr-BE">
-                <a:solidFill>
-                  <a:schemeClr val="accent2"/>
-                </a:solidFill>
-                <a:sym typeface="Wingdings" panose="05000000000000000000" pitchFamily="2" charset="2"/>
-              </a:rPr>
-              <a:t>Orienté Objet </a:t>
-            </a:r>
-            <a:r>
-              <a:rPr lang="fr-BE" dirty="0">
-                <a:solidFill>
-                  <a:schemeClr val="accent2"/>
-                </a:solidFill>
-                <a:sym typeface="Wingdings" panose="05000000000000000000" pitchFamily="2" charset="2"/>
-              </a:rPr>
-              <a:t> </a:t>
-            </a:r>
-            <a:r>
-              <a:rPr lang="fr-BE" dirty="0">
-                <a:solidFill>
-                  <a:schemeClr val="accent2"/>
-                </a:solidFill>
-              </a:rPr>
-              <a:t>11-POO-basic</a:t>
-            </a:r>
-          </a:p>
-        </p:txBody>
-      </p:sp>
-    </p:spTree>
-    <p:extLst>
-      <p:ext uri="{BB962C8B-B14F-4D97-AF65-F5344CB8AC3E}">
-        <p14:creationId xmlns:p14="http://schemas.microsoft.com/office/powerpoint/2010/main" val="2639971794"/>
-      </p:ext>
-    </p:extLst>
-  </p:cSld>
-  <p:clrMapOvr>
-    <a:masterClrMapping/>
-  </p:clrMapOvr>
-  <mc:AlternateContent xmlns:mc="http://schemas.openxmlformats.org/markup-compatibility/2006" xmlns:p14="http://schemas.microsoft.com/office/powerpoint/2010/main">
-    <mc:Choice Requires="p14">
-      <p:transition spd="slow">
-        <p14:reveal/>
-      </p:transition>
-    </mc:Choice>
-    <mc:Fallback xmlns="">
-      <p:transition spd="slow">
-        <p:fade/>
-      </p:transition>
-    </mc:Fallback>
-  </mc:AlternateContent>
-</p:sld>
-</file>
-
-<file path=ppt/slides/slide20.xml><?xml version="1.0" encoding="utf-8"?>
+<file path=ppt/slides/slide22.xml><?xml version="1.0" encoding="utf-8"?>
 <p:sld xmlns:a="http://schemas.openxmlformats.org/drawingml/2006/main" xmlns:r="http://schemas.openxmlformats.org/officeDocument/2006/relationships" xmlns:p="http://schemas.openxmlformats.org/presentationml/2006/main">
   <p:cSld>
     <p:spTree>
@@ -9454,7 +9517,7 @@
 </p:sld>
 </file>
 
-<file path=ppt/slides/slide21.xml><?xml version="1.0" encoding="utf-8"?>
+<file path=ppt/slides/slide23.xml><?xml version="1.0" encoding="utf-8"?>
 <p:sld xmlns:a="http://schemas.openxmlformats.org/drawingml/2006/main" xmlns:r="http://schemas.openxmlformats.org/officeDocument/2006/relationships" xmlns:p="http://schemas.openxmlformats.org/presentationml/2006/main">
   <p:cSld>
     <p:spTree>
@@ -9533,7 +9596,7 @@
 </p:sld>
 </file>
 
-<file path=ppt/slides/slide22.xml><?xml version="1.0" encoding="utf-8"?>
+<file path=ppt/slides/slide24.xml><?xml version="1.0" encoding="utf-8"?>
 <p:sld xmlns:a="http://schemas.openxmlformats.org/drawingml/2006/main" xmlns:r="http://schemas.openxmlformats.org/officeDocument/2006/relationships" xmlns:p="http://schemas.openxmlformats.org/presentationml/2006/main">
   <p:cSld>
     <p:spTree>
@@ -9612,7 +9675,7 @@
 </p:sld>
 </file>
 
-<file path=ppt/slides/slide23.xml><?xml version="1.0" encoding="utf-8"?>
+<file path=ppt/slides/slide25.xml><?xml version="1.0" encoding="utf-8"?>
 <p:sld xmlns:a="http://schemas.openxmlformats.org/drawingml/2006/main" xmlns:r="http://schemas.openxmlformats.org/officeDocument/2006/relationships" xmlns:p="http://schemas.openxmlformats.org/presentationml/2006/main">
   <p:cSld>
     <p:spTree>
@@ -9691,7 +9754,7 @@
 </p:sld>
 </file>
 
-<file path=ppt/slides/slide24.xml><?xml version="1.0" encoding="utf-8"?>
+<file path=ppt/slides/slide26.xml><?xml version="1.0" encoding="utf-8"?>
 <p:sld xmlns:a="http://schemas.openxmlformats.org/drawingml/2006/main" xmlns:r="http://schemas.openxmlformats.org/officeDocument/2006/relationships" xmlns:p="http://schemas.openxmlformats.org/presentationml/2006/main">
   <p:cSld>
     <p:spTree>
@@ -9770,7 +9833,7 @@
 </p:sld>
 </file>
 
-<file path=ppt/slides/slide25.xml><?xml version="1.0" encoding="utf-8"?>
+<file path=ppt/slides/slide27.xml><?xml version="1.0" encoding="utf-8"?>
 <p:sld xmlns:a="http://schemas.openxmlformats.org/drawingml/2006/main" xmlns:r="http://schemas.openxmlformats.org/officeDocument/2006/relationships" xmlns:p="http://schemas.openxmlformats.org/presentationml/2006/main">
   <p:cSld>
     <p:spTree>
@@ -9849,7 +9912,7 @@
 </p:sld>
 </file>
 
-<file path=ppt/slides/slide26.xml><?xml version="1.0" encoding="utf-8"?>
+<file path=ppt/slides/slide28.xml><?xml version="1.0" encoding="utf-8"?>
 <p:sld xmlns:a="http://schemas.openxmlformats.org/drawingml/2006/main" xmlns:r="http://schemas.openxmlformats.org/officeDocument/2006/relationships" xmlns:p="http://schemas.openxmlformats.org/presentationml/2006/main">
   <p:cSld>
     <p:spTree>
@@ -9928,7 +9991,7 @@
 </p:sld>
 </file>
 
-<file path=ppt/slides/slide27.xml><?xml version="1.0" encoding="utf-8"?>
+<file path=ppt/slides/slide29.xml><?xml version="1.0" encoding="utf-8"?>
 <p:sld xmlns:a="http://schemas.openxmlformats.org/drawingml/2006/main" xmlns:r="http://schemas.openxmlformats.org/officeDocument/2006/relationships" xmlns:p="http://schemas.openxmlformats.org/presentationml/2006/main">
   <p:cSld>
     <p:spTree>
@@ -10007,7 +10070,100 @@
 </p:sld>
 </file>
 
-<file path=ppt/slides/slide28.xml><?xml version="1.0" encoding="utf-8"?>
+<file path=ppt/slides/slide3.xml><?xml version="1.0" encoding="utf-8"?>
+<p:sld xmlns:a="http://schemas.openxmlformats.org/drawingml/2006/main" xmlns:r="http://schemas.openxmlformats.org/officeDocument/2006/relationships" xmlns:p="http://schemas.openxmlformats.org/presentationml/2006/main">
+  <p:cSld>
+    <p:spTree>
+      <p:nvGrpSpPr>
+        <p:cNvPr id="1" name=""/>
+        <p:cNvGrpSpPr/>
+        <p:nvPr/>
+      </p:nvGrpSpPr>
+      <p:grpSpPr>
+        <a:xfrm>
+          <a:off x="0" y="0"/>
+          <a:ext cx="0" cy="0"/>
+          <a:chOff x="0" y="0"/>
+          <a:chExt cx="0" cy="0"/>
+        </a:xfrm>
+      </p:grpSpPr>
+      <p:sp>
+        <p:nvSpPr>
+          <p:cNvPr id="2" name="Title 1"/>
+          <p:cNvSpPr>
+            <a:spLocks noGrp="1"/>
+          </p:cNvSpPr>
+          <p:nvPr>
+            <p:ph type="ctrTitle"/>
+          </p:nvPr>
+        </p:nvSpPr>
+        <p:spPr/>
+        <p:txBody>
+          <a:bodyPr/>
+          <a:lstStyle/>
+          <a:p>
+            <a:r>
+              <a:rPr lang="fr-BE"/>
+              <a:t>Partie 11 : </a:t>
+            </a:r>
+            <a:br>
+              <a:rPr lang="fr-BE"/>
+            </a:br>
+            <a:r>
+              <a:rPr lang="fr-BE"/>
+              <a:t>Programmation Orientée Objet Aspects Élémentaires</a:t>
+            </a:r>
+          </a:p>
+        </p:txBody>
+      </p:sp>
+      <p:sp>
+        <p:nvSpPr>
+          <p:cNvPr id="3" name="Subtitle 2"/>
+          <p:cNvSpPr>
+            <a:spLocks noGrp="1"/>
+          </p:cNvSpPr>
+          <p:nvPr>
+            <p:ph type="subTitle" idx="1"/>
+          </p:nvPr>
+        </p:nvSpPr>
+        <p:spPr/>
+        <p:txBody>
+          <a:bodyPr/>
+          <a:lstStyle/>
+          <a:p>
+            <a:r>
+              <a:rPr lang="fr-BE"/>
+              <a:t>Syllabus &amp; Exercices</a:t>
+            </a:r>
+          </a:p>
+        </p:txBody>
+      </p:sp>
+    </p:spTree>
+    <p:extLst>
+      <p:ext uri="{BB962C8B-B14F-4D97-AF65-F5344CB8AC3E}">
+        <p14:creationId xmlns:p14="http://schemas.microsoft.com/office/powerpoint/2010/main" val="1383742146"/>
+      </p:ext>
+    </p:extLst>
+  </p:cSld>
+  <p:clrMapOvr>
+    <a:masterClrMapping/>
+  </p:clrMapOvr>
+  <mc:AlternateContent xmlns:mc="http://schemas.openxmlformats.org/markup-compatibility/2006" xmlns:p14="http://schemas.microsoft.com/office/powerpoint/2010/main">
+    <mc:Choice Requires="p14">
+      <p:transition spd="slow">
+        <p14:reveal/>
+      </p:transition>
+    </mc:Choice>
+    <mc:Fallback xmlns="">
+      <p:transition spd="slow">
+        <p:fade/>
+      </p:transition>
+    </mc:Fallback>
+  </mc:AlternateContent>
+</p:sld>
+</file>
+
+<file path=ppt/slides/slide30.xml><?xml version="1.0" encoding="utf-8"?>
 <p:sld xmlns:a="http://schemas.openxmlformats.org/drawingml/2006/main" xmlns:r="http://schemas.openxmlformats.org/officeDocument/2006/relationships" xmlns:p="http://schemas.openxmlformats.org/presentationml/2006/main">
   <p:cSld>
     <p:spTree>
@@ -10086,7 +10242,7 @@
 </p:sld>
 </file>
 
-<file path=ppt/slides/slide29.xml><?xml version="1.0" encoding="utf-8"?>
+<file path=ppt/slides/slide31.xml><?xml version="1.0" encoding="utf-8"?>
 <p:sld xmlns:a="http://schemas.openxmlformats.org/drawingml/2006/main" xmlns:r="http://schemas.openxmlformats.org/officeDocument/2006/relationships" xmlns:p="http://schemas.openxmlformats.org/presentationml/2006/main">
   <p:cSld>
     <p:spTree>
@@ -10165,127 +10321,7 @@
 </p:sld>
 </file>
 
-<file path=ppt/slides/slide3.xml><?xml version="1.0" encoding="utf-8"?>
-<p:sld xmlns:a="http://schemas.openxmlformats.org/drawingml/2006/main" xmlns:r="http://schemas.openxmlformats.org/officeDocument/2006/relationships" xmlns:p="http://schemas.openxmlformats.org/presentationml/2006/main">
-  <p:cSld>
-    <p:spTree>
-      <p:nvGrpSpPr>
-        <p:cNvPr id="1" name=""/>
-        <p:cNvGrpSpPr/>
-        <p:nvPr/>
-      </p:nvGrpSpPr>
-      <p:grpSpPr>
-        <a:xfrm>
-          <a:off x="0" y="0"/>
-          <a:ext cx="0" cy="0"/>
-          <a:chOff x="0" y="0"/>
-          <a:chExt cx="0" cy="0"/>
-        </a:xfrm>
-      </p:grpSpPr>
-      <p:sp>
-        <p:nvSpPr>
-          <p:cNvPr id="4" name="Titre 3">
-            <a:extLst>
-              <a:ext uri="{FF2B5EF4-FFF2-40B4-BE49-F238E27FC236}">
-                <a16:creationId xmlns:a16="http://schemas.microsoft.com/office/drawing/2014/main" id="{45CEC512-6B60-40BE-9EFB-6D778078130A}"/>
-              </a:ext>
-            </a:extLst>
-          </p:cNvPr>
-          <p:cNvSpPr>
-            <a:spLocks noGrp="1"/>
-          </p:cNvSpPr>
-          <p:nvPr>
-            <p:ph type="title"/>
-          </p:nvPr>
-        </p:nvSpPr>
-        <p:spPr/>
-        <p:txBody>
-          <a:bodyPr/>
-          <a:lstStyle/>
-          <a:p>
-            <a:r>
-              <a:rPr lang="fr-BE"/>
-              <a:t>Chapitre 11-01 : introduction</a:t>
-            </a:r>
-          </a:p>
-        </p:txBody>
-      </p:sp>
-      <p:sp>
-        <p:nvSpPr>
-          <p:cNvPr id="10" name="Espace réservé du texte 9">
-            <a:extLst>
-              <a:ext uri="{FF2B5EF4-FFF2-40B4-BE49-F238E27FC236}">
-                <a16:creationId xmlns:a16="http://schemas.microsoft.com/office/drawing/2014/main" id="{A15224A8-6FA1-4C86-3816-8ECE3BF52667}"/>
-              </a:ext>
-            </a:extLst>
-          </p:cNvPr>
-          <p:cNvSpPr>
-            <a:spLocks noGrp="1"/>
-          </p:cNvSpPr>
-          <p:nvPr>
-            <p:ph type="body" idx="1"/>
-          </p:nvPr>
-        </p:nvSpPr>
-        <p:spPr/>
-        <p:txBody>
-          <a:bodyPr/>
-          <a:lstStyle/>
-          <a:p>
-            <a:endParaRPr lang="fr-BE"/>
-          </a:p>
-        </p:txBody>
-      </p:sp>
-      <p:sp>
-        <p:nvSpPr>
-          <p:cNvPr id="11" name="Espace réservé pour une image  10">
-            <a:extLst>
-              <a:ext uri="{FF2B5EF4-FFF2-40B4-BE49-F238E27FC236}">
-                <a16:creationId xmlns:a16="http://schemas.microsoft.com/office/drawing/2014/main" id="{80A9DC04-CEBF-575D-7A2B-056F99FEAD88}"/>
-              </a:ext>
-            </a:extLst>
-          </p:cNvPr>
-          <p:cNvSpPr>
-            <a:spLocks noGrp="1"/>
-          </p:cNvSpPr>
-          <p:nvPr>
-            <p:ph type="pic" sz="quarter" idx="10"/>
-          </p:nvPr>
-        </p:nvSpPr>
-        <p:spPr/>
-        <p:txBody>
-          <a:bodyPr/>
-          <a:lstStyle/>
-          <a:p>
-            <a:endParaRPr lang="fr-BE"/>
-          </a:p>
-        </p:txBody>
-      </p:sp>
-    </p:spTree>
-    <p:extLst>
-      <p:ext uri="{BB962C8B-B14F-4D97-AF65-F5344CB8AC3E}">
-        <p14:creationId xmlns:p14="http://schemas.microsoft.com/office/powerpoint/2010/main" val="645965409"/>
-      </p:ext>
-    </p:extLst>
-  </p:cSld>
-  <p:clrMapOvr>
-    <a:masterClrMapping/>
-  </p:clrMapOvr>
-  <mc:AlternateContent xmlns:mc="http://schemas.openxmlformats.org/markup-compatibility/2006" xmlns:p14="http://schemas.microsoft.com/office/powerpoint/2010/main">
-    <mc:Choice Requires="p14">
-      <p:transition spd="slow">
-        <p14:reveal/>
-      </p:transition>
-    </mc:Choice>
-    <mc:Fallback xmlns="">
-      <p:transition spd="slow">
-        <p:fade/>
-      </p:transition>
-    </mc:Fallback>
-  </mc:AlternateContent>
-</p:sld>
-</file>
-
-<file path=ppt/slides/slide30.xml><?xml version="1.0" encoding="utf-8"?>
+<file path=ppt/slides/slide32.xml><?xml version="1.0" encoding="utf-8"?>
 <p:sld xmlns:a="http://schemas.openxmlformats.org/drawingml/2006/main" xmlns:r="http://schemas.openxmlformats.org/officeDocument/2006/relationships" xmlns:p="http://schemas.openxmlformats.org/presentationml/2006/main">
   <p:cSld>
     <p:spTree>
@@ -10364,7 +10400,7 @@
 </p:sld>
 </file>
 
-<file path=ppt/slides/slide31.xml><?xml version="1.0" encoding="utf-8"?>
+<file path=ppt/slides/slide33.xml><?xml version="1.0" encoding="utf-8"?>
 <p:sld xmlns:a="http://schemas.openxmlformats.org/drawingml/2006/main" xmlns:r="http://schemas.openxmlformats.org/officeDocument/2006/relationships" xmlns:p="http://schemas.openxmlformats.org/presentationml/2006/main">
   <p:cSld>
     <p:spTree>
@@ -10443,7 +10479,7 @@
 </p:sld>
 </file>
 
-<file path=ppt/slides/slide32.xml><?xml version="1.0" encoding="utf-8"?>
+<file path=ppt/slides/slide34.xml><?xml version="1.0" encoding="utf-8"?>
 <p:sld xmlns:a="http://schemas.openxmlformats.org/drawingml/2006/main" xmlns:r="http://schemas.openxmlformats.org/officeDocument/2006/relationships" xmlns:p="http://schemas.openxmlformats.org/presentationml/2006/main">
   <p:cSld>
     <p:spTree>
@@ -10522,7 +10558,7 @@
 </p:sld>
 </file>
 
-<file path=ppt/slides/slide33.xml><?xml version="1.0" encoding="utf-8"?>
+<file path=ppt/slides/slide35.xml><?xml version="1.0" encoding="utf-8"?>
 <p:sld xmlns:a="http://schemas.openxmlformats.org/drawingml/2006/main" xmlns:r="http://schemas.openxmlformats.org/officeDocument/2006/relationships" xmlns:p="http://schemas.openxmlformats.org/presentationml/2006/main">
   <p:cSld>
     <p:spTree>
@@ -10601,7 +10637,7 @@
 </p:sld>
 </file>
 
-<file path=ppt/slides/slide34.xml><?xml version="1.0" encoding="utf-8"?>
+<file path=ppt/slides/slide36.xml><?xml version="1.0" encoding="utf-8"?>
 <p:sld xmlns:a="http://schemas.openxmlformats.org/drawingml/2006/main" xmlns:r="http://schemas.openxmlformats.org/officeDocument/2006/relationships" xmlns:p="http://schemas.openxmlformats.org/presentationml/2006/main">
   <p:cSld>
     <p:spTree>
@@ -10680,7 +10716,7 @@
 </p:sld>
 </file>
 
-<file path=ppt/slides/slide35.xml><?xml version="1.0" encoding="utf-8"?>
+<file path=ppt/slides/slide37.xml><?xml version="1.0" encoding="utf-8"?>
 <p:sld xmlns:a="http://schemas.openxmlformats.org/drawingml/2006/main" xmlns:r="http://schemas.openxmlformats.org/officeDocument/2006/relationships" xmlns:p="http://schemas.openxmlformats.org/presentationml/2006/main">
   <p:cSld>
     <p:spTree>
@@ -10759,7 +10795,7 @@
 </p:sld>
 </file>
 
-<file path=ppt/slides/slide36.xml><?xml version="1.0" encoding="utf-8"?>
+<file path=ppt/slides/slide38.xml><?xml version="1.0" encoding="utf-8"?>
 <p:sld xmlns:a="http://schemas.openxmlformats.org/drawingml/2006/main" xmlns:r="http://schemas.openxmlformats.org/officeDocument/2006/relationships" xmlns:p="http://schemas.openxmlformats.org/presentationml/2006/main">
   <p:cSld>
     <p:spTree>
@@ -10838,7 +10874,7 @@
 </p:sld>
 </file>
 
-<file path=ppt/slides/slide37.xml><?xml version="1.0" encoding="utf-8"?>
+<file path=ppt/slides/slide39.xml><?xml version="1.0" encoding="utf-8"?>
 <p:sld xmlns:a="http://schemas.openxmlformats.org/drawingml/2006/main" xmlns:r="http://schemas.openxmlformats.org/officeDocument/2006/relationships" xmlns:p="http://schemas.openxmlformats.org/presentationml/2006/main">
   <p:cSld>
     <p:spTree>
@@ -10917,7 +10953,455 @@
 </p:sld>
 </file>
 
-<file path=ppt/slides/slide38.xml><?xml version="1.0" encoding="utf-8"?>
+<file path=ppt/slides/slide4.xml><?xml version="1.0" encoding="utf-8"?>
+<p:sld xmlns:a="http://schemas.openxmlformats.org/drawingml/2006/main" xmlns:r="http://schemas.openxmlformats.org/officeDocument/2006/relationships" xmlns:p="http://schemas.openxmlformats.org/presentationml/2006/main">
+  <p:cSld>
+    <p:spTree>
+      <p:nvGrpSpPr>
+        <p:cNvPr id="1" name=""/>
+        <p:cNvGrpSpPr/>
+        <p:nvPr/>
+      </p:nvGrpSpPr>
+      <p:grpSpPr>
+        <a:xfrm>
+          <a:off x="0" y="0"/>
+          <a:ext cx="0" cy="0"/>
+          <a:chOff x="0" y="0"/>
+          <a:chExt cx="0" cy="0"/>
+        </a:xfrm>
+      </p:grpSpPr>
+      <p:sp>
+        <p:nvSpPr>
+          <p:cNvPr id="2" name="Titre 1">
+            <a:extLst>
+              <a:ext uri="{FF2B5EF4-FFF2-40B4-BE49-F238E27FC236}">
+                <a16:creationId xmlns:a16="http://schemas.microsoft.com/office/drawing/2014/main" id="{34ADD66B-CC21-4A92-9B99-DEBC4E4F5AB5}"/>
+              </a:ext>
+            </a:extLst>
+          </p:cNvPr>
+          <p:cNvSpPr>
+            <a:spLocks noGrp="1"/>
+          </p:cNvSpPr>
+          <p:nvPr>
+            <p:ph type="title"/>
+          </p:nvPr>
+        </p:nvSpPr>
+        <p:spPr/>
+        <p:txBody>
+          <a:bodyPr/>
+          <a:lstStyle/>
+          <a:p>
+            <a:r>
+              <a:rPr lang="fr-BE"/>
+              <a:t>11. POO : Aspects Élémentaires</a:t>
+            </a:r>
+          </a:p>
+        </p:txBody>
+      </p:sp>
+      <p:sp>
+        <p:nvSpPr>
+          <p:cNvPr id="3" name="Espace réservé du contenu 2">
+            <a:extLst>
+              <a:ext uri="{FF2B5EF4-FFF2-40B4-BE49-F238E27FC236}">
+                <a16:creationId xmlns:a16="http://schemas.microsoft.com/office/drawing/2014/main" id="{FD762E75-3E63-4A3D-8C23-E19F67DB6ED2}"/>
+              </a:ext>
+            </a:extLst>
+          </p:cNvPr>
+          <p:cNvSpPr>
+            <a:spLocks noGrp="1"/>
+          </p:cNvSpPr>
+          <p:nvPr>
+            <p:ph idx="1"/>
+          </p:nvPr>
+        </p:nvSpPr>
+        <p:spPr>
+          <a:xfrm>
+            <a:off x="119270" y="1541601"/>
+            <a:ext cx="11976651" cy="4486275"/>
+          </a:xfrm>
+        </p:spPr>
+        <p:txBody>
+          <a:bodyPr numCol="2">
+            <a:normAutofit fontScale="70000" lnSpcReduction="20000"/>
+          </a:bodyPr>
+          <a:lstStyle/>
+          <a:p>
+            <a:r>
+              <a:rPr lang="fr-BE"/>
+              <a:t>11-01 : Introduction</a:t>
+            </a:r>
+          </a:p>
+          <a:p>
+            <a:pPr lvl="1"/>
+            <a:r>
+              <a:rPr lang="fr-BE"/>
+              <a:t>Module</a:t>
+            </a:r>
+          </a:p>
+          <a:p>
+            <a:pPr lvl="1"/>
+            <a:r>
+              <a:rPr lang="fr-BE"/>
+              <a:t>Module Math</a:t>
+            </a:r>
+          </a:p>
+          <a:p>
+            <a:pPr lvl="1"/>
+            <a:r>
+              <a:rPr lang="fr-BE"/>
+              <a:t>Module Turtle</a:t>
+            </a:r>
+          </a:p>
+          <a:p>
+            <a:pPr lvl="1"/>
+            <a:r>
+              <a:rPr lang="fr-BE"/>
+              <a:t>Méthodes</a:t>
+            </a:r>
+          </a:p>
+          <a:p>
+            <a:pPr lvl="1"/>
+            <a:r>
+              <a:rPr lang="fr-BE"/>
+              <a:t>Help</a:t>
+            </a:r>
+          </a:p>
+          <a:p>
+            <a:r>
+              <a:rPr lang="fr-BE"/>
+              <a:t>11-02 : Objet simple</a:t>
+            </a:r>
+          </a:p>
+          <a:p>
+            <a:pPr lvl="1"/>
+            <a:r>
+              <a:rPr lang="fr-BE"/>
+              <a:t>Objet</a:t>
+            </a:r>
+          </a:p>
+          <a:p>
+            <a:pPr lvl="1"/>
+            <a:r>
+              <a:rPr lang="fr-BE"/>
+              <a:t>Conception et modélisation d'une </a:t>
+            </a:r>
+            <a:r>
+              <a:rPr lang="fr-BE">
+                <a:solidFill>
+                  <a:schemeClr val="accent2"/>
+                </a:solidFill>
+              </a:rPr>
+              <a:t>classe</a:t>
+            </a:r>
+          </a:p>
+          <a:p>
+            <a:pPr lvl="1"/>
+            <a:r>
+              <a:rPr lang="fr-BE" dirty="0"/>
+              <a:t>Méthode : constructeur, </a:t>
+            </a:r>
+            <a:r>
+              <a:rPr lang="fr-BE" sz="3300">
+                <a:solidFill>
+                  <a:schemeClr val="accent6">
+                    <a:lumMod val="50000"/>
+                  </a:schemeClr>
+                </a:solidFill>
+                <a:latin typeface="Consolas" panose="020B0609020204030204" pitchFamily="49" charset="0"/>
+                <a:cs typeface="Courier New" panose="02070309020205020404" pitchFamily="49" charset="0"/>
+              </a:rPr>
+              <a:t>__init__</a:t>
+            </a:r>
+          </a:p>
+          <a:p>
+            <a:pPr lvl="1"/>
+            <a:r>
+              <a:rPr lang="fr-BE" dirty="0"/>
+              <a:t>Manipulation d'un </a:t>
+            </a:r>
+            <a:r>
+              <a:rPr lang="fr-BE" dirty="0">
+                <a:solidFill>
+                  <a:schemeClr val="accent2"/>
+                </a:solidFill>
+              </a:rPr>
+              <a:t>objet</a:t>
+            </a:r>
+            <a:r>
+              <a:rPr lang="fr-BE" dirty="0"/>
+              <a:t> </a:t>
+            </a:r>
+          </a:p>
+          <a:p>
+            <a:pPr lvl="1"/>
+            <a:r>
+              <a:rPr lang="fr-BE" sz="3300">
+                <a:solidFill>
+                  <a:schemeClr val="accent6">
+                    <a:lumMod val="50000"/>
+                  </a:schemeClr>
+                </a:solidFill>
+                <a:latin typeface="Consolas" panose="020B0609020204030204" pitchFamily="49" charset="0"/>
+                <a:cs typeface="Courier New" panose="02070309020205020404" pitchFamily="49" charset="0"/>
+              </a:rPr>
+              <a:t>self</a:t>
+            </a:r>
+          </a:p>
+          <a:p>
+            <a:pPr lvl="1"/>
+            <a:r>
+              <a:rPr lang="fr-BE"/>
+              <a:t>Références</a:t>
+            </a:r>
+          </a:p>
+          <a:p>
+            <a:pPr lvl="1"/>
+            <a:r>
+              <a:rPr lang="fr-BE"/>
+              <a:t>Méthode </a:t>
+            </a:r>
+            <a:r>
+              <a:rPr lang="fr-BE" dirty="0"/>
+              <a:t>: destructeur</a:t>
+            </a:r>
+          </a:p>
+          <a:p>
+            <a:pPr lvl="1"/>
+            <a:r>
+              <a:rPr lang="fr-BE" dirty="0"/>
+              <a:t>Égalité et copie d'un objet</a:t>
+            </a:r>
+          </a:p>
+          <a:p>
+            <a:pPr lvl="1"/>
+            <a:r>
+              <a:rPr lang="fr-BE" dirty="0"/>
+              <a:t>Méthode : </a:t>
+            </a:r>
+            <a:r>
+              <a:rPr lang="fr-BE" sz="3300" dirty="0">
+                <a:solidFill>
+                  <a:schemeClr val="accent6">
+                    <a:lumMod val="50000"/>
+                  </a:schemeClr>
+                </a:solidFill>
+                <a:latin typeface="Consolas" panose="020B0609020204030204" pitchFamily="49" charset="0"/>
+                <a:cs typeface="Courier New" panose="02070309020205020404" pitchFamily="49" charset="0"/>
+              </a:rPr>
+              <a:t>__</a:t>
+            </a:r>
+            <a:r>
+              <a:rPr lang="fr-BE" sz="3300" dirty="0" err="1">
+                <a:solidFill>
+                  <a:schemeClr val="accent6">
+                    <a:lumMod val="50000"/>
+                  </a:schemeClr>
+                </a:solidFill>
+                <a:latin typeface="Consolas" panose="020B0609020204030204" pitchFamily="49" charset="0"/>
+                <a:cs typeface="Courier New" panose="02070309020205020404" pitchFamily="49" charset="0"/>
+              </a:rPr>
+              <a:t>str</a:t>
+            </a:r>
+            <a:r>
+              <a:rPr lang="fr-BE" sz="3300" dirty="0">
+                <a:solidFill>
+                  <a:schemeClr val="accent6">
+                    <a:lumMod val="50000"/>
+                  </a:schemeClr>
+                </a:solidFill>
+                <a:latin typeface="Consolas" panose="020B0609020204030204" pitchFamily="49" charset="0"/>
+                <a:cs typeface="Courier New" panose="02070309020205020404" pitchFamily="49" charset="0"/>
+              </a:rPr>
+              <a:t>__</a:t>
+            </a:r>
+          </a:p>
+          <a:p>
+            <a:r>
+              <a:rPr lang="fr-BE"/>
+              <a:t>11-03 : attribut public ou privé</a:t>
+            </a:r>
+            <a:endParaRPr lang="fr-BE" dirty="0"/>
+          </a:p>
+          <a:p>
+            <a:pPr lvl="1"/>
+            <a:r>
+              <a:rPr lang="fr-BE" dirty="0"/>
+              <a:t>Attributs privés vs publics</a:t>
+            </a:r>
+          </a:p>
+          <a:p>
+            <a:pPr lvl="1"/>
+            <a:r>
+              <a:rPr lang="fr-BE"/>
+              <a:t>Méthodes accesseurs</a:t>
+            </a:r>
+          </a:p>
+          <a:p>
+            <a:pPr lvl="1"/>
+            <a:r>
+              <a:rPr lang="fr-BE" sz="3300">
+                <a:solidFill>
+                  <a:schemeClr val="accent6">
+                    <a:lumMod val="50000"/>
+                  </a:schemeClr>
+                </a:solidFill>
+                <a:latin typeface="Consolas" panose="020B0609020204030204" pitchFamily="49" charset="0"/>
+                <a:cs typeface="Courier New" panose="02070309020205020404" pitchFamily="49" charset="0"/>
+              </a:rPr>
+              <a:t>@</a:t>
+            </a:r>
+            <a:r>
+              <a:rPr lang="fr-BE" sz="3300">
+                <a:solidFill>
+                  <a:srgbClr val="996633"/>
+                </a:solidFill>
+                <a:latin typeface="Consolas" panose="020B0609020204030204" pitchFamily="49" charset="0"/>
+                <a:cs typeface="Courier New" panose="02070309020205020404" pitchFamily="49" charset="0"/>
+              </a:rPr>
+              <a:t>property</a:t>
+            </a:r>
+            <a:r>
+              <a:rPr lang="fr-BE" sz="3300">
+                <a:solidFill>
+                  <a:schemeClr val="accent6">
+                    <a:lumMod val="50000"/>
+                  </a:schemeClr>
+                </a:solidFill>
+                <a:latin typeface="Consolas" panose="020B0609020204030204" pitchFamily="49" charset="0"/>
+                <a:cs typeface="Courier New" panose="02070309020205020404" pitchFamily="49" charset="0"/>
+              </a:rPr>
+              <a:t> &amp; @my_attr.setter</a:t>
+            </a:r>
+            <a:endParaRPr lang="fr-BE" sz="3300" dirty="0">
+              <a:solidFill>
+                <a:schemeClr val="accent6">
+                  <a:lumMod val="50000"/>
+                </a:schemeClr>
+              </a:solidFill>
+              <a:latin typeface="Consolas" panose="020B0609020204030204" pitchFamily="49" charset="0"/>
+              <a:cs typeface="Courier New" panose="02070309020205020404" pitchFamily="49" charset="0"/>
+            </a:endParaRPr>
+          </a:p>
+          <a:p>
+            <a:r>
+              <a:rPr lang="fr-BE"/>
+              <a:t>11-04 : variable et méthode de classe</a:t>
+            </a:r>
+            <a:endParaRPr lang="fr-BE" dirty="0"/>
+          </a:p>
+          <a:p>
+            <a:pPr lvl="1"/>
+            <a:r>
+              <a:rPr lang="fr-BE" dirty="0"/>
+              <a:t>Variable de classe (statique)</a:t>
+            </a:r>
+          </a:p>
+          <a:p>
+            <a:pPr lvl="1"/>
+            <a:r>
+              <a:rPr lang="fr-BE" dirty="0"/>
+              <a:t>Méthode de classe</a:t>
+            </a:r>
+          </a:p>
+          <a:p>
+            <a:pPr lvl="1"/>
+            <a:r>
+              <a:rPr lang="fr-BE" sz="3300">
+                <a:solidFill>
+                  <a:schemeClr val="accent6">
+                    <a:lumMod val="50000"/>
+                  </a:schemeClr>
+                </a:solidFill>
+                <a:latin typeface="Consolas" panose="020B0609020204030204" pitchFamily="49" charset="0"/>
+                <a:cs typeface="Courier New" panose="02070309020205020404" pitchFamily="49" charset="0"/>
+              </a:rPr>
+              <a:t>@</a:t>
+            </a:r>
+            <a:r>
+              <a:rPr lang="fr-BE" sz="3300">
+                <a:solidFill>
+                  <a:srgbClr val="996633"/>
+                </a:solidFill>
+                <a:latin typeface="Consolas" panose="020B0609020204030204" pitchFamily="49" charset="0"/>
+                <a:cs typeface="Courier New" panose="02070309020205020404" pitchFamily="49" charset="0"/>
+              </a:rPr>
+              <a:t>classmethod</a:t>
+            </a:r>
+          </a:p>
+          <a:p>
+            <a:pPr marL="457189" lvl="1" indent="0">
+              <a:buNone/>
+            </a:pPr>
+            <a:endParaRPr lang="fr-BE" dirty="0"/>
+          </a:p>
+          <a:p>
+            <a:pPr marL="0" indent="0">
+              <a:buNone/>
+            </a:pPr>
+            <a:r>
+              <a:rPr lang="fr-BE" dirty="0">
+                <a:solidFill>
+                  <a:schemeClr val="accent2"/>
+                </a:solidFill>
+                <a:sym typeface="Wingdings" panose="05000000000000000000" pitchFamily="2" charset="2"/>
+              </a:rPr>
+              <a:t>🏛  </a:t>
+            </a:r>
+            <a:r>
+              <a:rPr lang="fr-BE">
+                <a:solidFill>
+                  <a:schemeClr val="accent2"/>
+                </a:solidFill>
+                <a:sym typeface="Wingdings" panose="05000000000000000000" pitchFamily="2" charset="2"/>
+              </a:rPr>
+              <a:t>Orienté Objet </a:t>
+            </a:r>
+            <a:r>
+              <a:rPr lang="fr-BE" dirty="0">
+                <a:solidFill>
+                  <a:schemeClr val="accent2"/>
+                </a:solidFill>
+                <a:sym typeface="Wingdings" panose="05000000000000000000" pitchFamily="2" charset="2"/>
+              </a:rPr>
+              <a:t> </a:t>
+            </a:r>
+            <a:r>
+              <a:rPr lang="fr-BE" dirty="0">
+                <a:solidFill>
+                  <a:schemeClr val="accent2"/>
+                </a:solidFill>
+              </a:rPr>
+              <a:t>11-POO-basic</a:t>
+            </a:r>
+          </a:p>
+        </p:txBody>
+      </p:sp>
+    </p:spTree>
+    <p:extLst>
+      <p:ext uri="{BB962C8B-B14F-4D97-AF65-F5344CB8AC3E}">
+        <p14:creationId xmlns:p14="http://schemas.microsoft.com/office/powerpoint/2010/main" val="2639971794"/>
+      </p:ext>
+    </p:extLst>
+  </p:cSld>
+  <p:clrMapOvr>
+    <a:masterClrMapping/>
+  </p:clrMapOvr>
+  <mc:AlternateContent xmlns:mc="http://schemas.openxmlformats.org/markup-compatibility/2006" xmlns:p14="http://schemas.microsoft.com/office/powerpoint/2010/main">
+    <mc:Choice Requires="p14">
+      <p:transition spd="slow">
+        <p14:reveal/>
+      </p:transition>
+    </mc:Choice>
+    <mc:Fallback xmlns="">
+      <p:transition spd="slow">
+        <p:fade/>
+      </p:transition>
+    </mc:Fallback>
+  </mc:AlternateContent>
+</p:sld>
+</file>
+
+<file path=ppt/slides/slide40.xml><?xml version="1.0" encoding="utf-8"?>
 <p:sld xmlns:a="http://schemas.openxmlformats.org/drawingml/2006/main" xmlns:r="http://schemas.openxmlformats.org/officeDocument/2006/relationships" xmlns:p="http://schemas.openxmlformats.org/presentationml/2006/main">
   <p:cSld>
     <p:spTree>
@@ -11131,7 +11615,7 @@
 </p:sld>
 </file>
 
-<file path=ppt/slides/slide39.xml><?xml version="1.0" encoding="utf-8"?>
+<file path=ppt/slides/slide41.xml><?xml version="1.0" encoding="utf-8"?>
 <p:sld xmlns:a="http://schemas.openxmlformats.org/drawingml/2006/main" xmlns:r="http://schemas.openxmlformats.org/officeDocument/2006/relationships" xmlns:p="http://schemas.openxmlformats.org/presentationml/2006/main">
   <p:cSld>
     <p:spTree>
@@ -11255,7 +11739,7 @@
                   <a:spcPts val="600"/>
                 </a:spcAft>
               </a:pPr>
-              <a:t>26/08/2025</a:t>
+              <a:t>12/09/2025</a:t>
             </a:fld>
             <a:endParaRPr lang="fr-BE"/>
           </a:p>
@@ -11294,7 +11778,7 @@
                   <a:spcPts val="600"/>
                 </a:spcAft>
               </a:pPr>
-              <a:t>39</a:t>
+              <a:t>41</a:t>
             </a:fld>
             <a:endParaRPr lang="fr-BE"/>
           </a:p>
@@ -11360,86 +11844,7 @@
 </p:sld>
 </file>
 
-<file path=ppt/slides/slide4.xml><?xml version="1.0" encoding="utf-8"?>
-<p:sld xmlns:a="http://schemas.openxmlformats.org/drawingml/2006/main" xmlns:r="http://schemas.openxmlformats.org/officeDocument/2006/relationships" xmlns:p="http://schemas.openxmlformats.org/presentationml/2006/main">
-  <p:cSld>
-    <p:spTree>
-      <p:nvGrpSpPr>
-        <p:cNvPr id="1" name=""/>
-        <p:cNvGrpSpPr/>
-        <p:nvPr/>
-      </p:nvGrpSpPr>
-      <p:grpSpPr>
-        <a:xfrm>
-          <a:off x="0" y="0"/>
-          <a:ext cx="0" cy="0"/>
-          <a:chOff x="0" y="0"/>
-          <a:chExt cx="0" cy="0"/>
-        </a:xfrm>
-      </p:grpSpPr>
-      <p:pic>
-        <p:nvPicPr>
-          <p:cNvPr id="3" name="Image 2" descr="11-01-Python-POO_introduction-1">
-            <a:extLst>
-              <a:ext uri="{FF2B5EF4-FFF2-40B4-BE49-F238E27FC236}">
-                <a16:creationId xmlns:a16="http://schemas.microsoft.com/office/drawing/2014/main" id="{41BCEFF0-AD28-4DB7-8752-060EE3F36EBD}"/>
-              </a:ext>
-            </a:extLst>
-          </p:cNvPr>
-          <p:cNvPicPr>
-            <a:picLocks noGrp="1" noChangeAspect="1"/>
-          </p:cNvPicPr>
-          <p:nvPr isPhoto="1"/>
-        </p:nvPicPr>
-        <p:blipFill>
-          <a:blip r:embed="rId2" cstate="email">
-            <a:lum/>
-            <a:extLst>
-              <a:ext uri="{28A0092B-C50C-407E-A947-70E740481C1C}">
-                <a14:useLocalDpi xmlns:a14="http://schemas.microsoft.com/office/drawing/2010/main"/>
-              </a:ext>
-            </a:extLst>
-          </a:blip>
-          <a:stretch>
-            <a:fillRect/>
-          </a:stretch>
-        </p:blipFill>
-        <p:spPr>
-          <a:xfrm>
-            <a:off x="1246188" y="0"/>
-            <a:ext cx="9698037" cy="6858000"/>
-          </a:xfrm>
-          <a:prstGeom prst="rect">
-            <a:avLst/>
-          </a:prstGeom>
-        </p:spPr>
-      </p:pic>
-    </p:spTree>
-    <p:extLst>
-      <p:ext uri="{BB962C8B-B14F-4D97-AF65-F5344CB8AC3E}">
-        <p14:creationId xmlns:p14="http://schemas.microsoft.com/office/powerpoint/2010/main" val="3862486981"/>
-      </p:ext>
-    </p:extLst>
-  </p:cSld>
-  <p:clrMapOvr>
-    <a:masterClrMapping/>
-  </p:clrMapOvr>
-  <mc:AlternateContent xmlns:mc="http://schemas.openxmlformats.org/markup-compatibility/2006" xmlns:p14="http://schemas.microsoft.com/office/powerpoint/2010/main">
-    <mc:Choice Requires="p14">
-      <p:transition spd="slow">
-        <p14:reveal/>
-      </p:transition>
-    </mc:Choice>
-    <mc:Fallback xmlns="">
-      <p:transition spd="slow">
-        <p:fade/>
-      </p:transition>
-    </mc:Fallback>
-  </mc:AlternateContent>
-</p:sld>
-</file>
-
-<file path=ppt/slides/slide40.xml><?xml version="1.0" encoding="utf-8"?>
+<file path=ppt/slides/slide42.xml><?xml version="1.0" encoding="utf-8"?>
 <p:sld xmlns:a="http://schemas.openxmlformats.org/drawingml/2006/main" xmlns:r="http://schemas.openxmlformats.org/officeDocument/2006/relationships" xmlns:p="http://schemas.openxmlformats.org/presentationml/2006/main">
   <p:cSld>
     <p:spTree>
@@ -11634,7 +12039,7 @@
 </p:sld>
 </file>
 
-<file path=ppt/slides/slide41.xml><?xml version="1.0" encoding="utf-8"?>
+<file path=ppt/slides/slide43.xml><?xml version="1.0" encoding="utf-8"?>
 <p:sld xmlns:a="http://schemas.openxmlformats.org/drawingml/2006/main" xmlns:r="http://schemas.openxmlformats.org/officeDocument/2006/relationships" xmlns:p="http://schemas.openxmlformats.org/presentationml/2006/main">
   <p:cSld>
     <p:spTree>
@@ -11722,731 +12127,6 @@
     <p:extLst>
       <p:ext uri="{BB962C8B-B14F-4D97-AF65-F5344CB8AC3E}">
         <p14:creationId xmlns:p14="http://schemas.microsoft.com/office/powerpoint/2010/main" val="994514101"/>
-      </p:ext>
-    </p:extLst>
-  </p:cSld>
-  <p:clrMapOvr>
-    <a:masterClrMapping/>
-  </p:clrMapOvr>
-  <mc:AlternateContent xmlns:mc="http://schemas.openxmlformats.org/markup-compatibility/2006" xmlns:p14="http://schemas.microsoft.com/office/powerpoint/2010/main">
-    <mc:Choice Requires="p14">
-      <p:transition spd="slow">
-        <p14:reveal/>
-      </p:transition>
-    </mc:Choice>
-    <mc:Fallback xmlns="">
-      <p:transition spd="slow">
-        <p:fade/>
-      </p:transition>
-    </mc:Fallback>
-  </mc:AlternateContent>
-</p:sld>
-</file>
-
-<file path=ppt/slides/slide42.xml><?xml version="1.0" encoding="utf-8"?>
-<p:sld xmlns:a="http://schemas.openxmlformats.org/drawingml/2006/main" xmlns:r="http://schemas.openxmlformats.org/officeDocument/2006/relationships" xmlns:p="http://schemas.openxmlformats.org/presentationml/2006/main">
-  <p:cSld>
-    <p:spTree>
-      <p:nvGrpSpPr>
-        <p:cNvPr id="1" name=""/>
-        <p:cNvGrpSpPr/>
-        <p:nvPr/>
-      </p:nvGrpSpPr>
-      <p:grpSpPr>
-        <a:xfrm>
-          <a:off x="0" y="0"/>
-          <a:ext cx="0" cy="0"/>
-          <a:chOff x="0" y="0"/>
-          <a:chExt cx="0" cy="0"/>
-        </a:xfrm>
-      </p:grpSpPr>
-      <p:sp>
-        <p:nvSpPr>
-          <p:cNvPr id="2" name="Titre 1">
-            <a:extLst>
-              <a:ext uri="{FF2B5EF4-FFF2-40B4-BE49-F238E27FC236}">
-                <a16:creationId xmlns:a16="http://schemas.microsoft.com/office/drawing/2014/main" id="{7B313FFC-BA46-4707-A5F0-E36E09EDEF6F}"/>
-              </a:ext>
-            </a:extLst>
-          </p:cNvPr>
-          <p:cNvSpPr>
-            <a:spLocks noGrp="1"/>
-          </p:cNvSpPr>
-          <p:nvPr>
-            <p:ph type="title"/>
-          </p:nvPr>
-        </p:nvSpPr>
-        <p:spPr/>
-        <p:txBody>
-          <a:bodyPr>
-            <a:normAutofit/>
-          </a:bodyPr>
-          <a:lstStyle/>
-          <a:p>
-            <a:r>
-              <a:rPr lang="fr-BE"/>
-              <a:t>Exo 11-02-04 :</a:t>
-            </a:r>
-            <a:br>
-              <a:rPr lang="fr-BE"/>
-            </a:br>
-            <a:r>
-              <a:rPr lang="fr-BE"/>
-              <a:t>attribut de classe &amp; attribut d'objet</a:t>
-            </a:r>
-          </a:p>
-        </p:txBody>
-      </p:sp>
-      <p:sp>
-        <p:nvSpPr>
-          <p:cNvPr id="3" name="Espace réservé du contenu 2">
-            <a:extLst>
-              <a:ext uri="{FF2B5EF4-FFF2-40B4-BE49-F238E27FC236}">
-                <a16:creationId xmlns:a16="http://schemas.microsoft.com/office/drawing/2014/main" id="{C09AB037-5E61-4532-852D-C9C28507C1CD}"/>
-              </a:ext>
-            </a:extLst>
-          </p:cNvPr>
-          <p:cNvSpPr>
-            <a:spLocks noGrp="1"/>
-          </p:cNvSpPr>
-          <p:nvPr>
-            <p:ph idx="1"/>
-          </p:nvPr>
-        </p:nvSpPr>
-        <p:spPr>
-          <a:xfrm>
-            <a:off x="838200" y="1825624"/>
-            <a:ext cx="10515600" cy="4899915"/>
-          </a:xfrm>
-        </p:spPr>
-        <p:txBody>
-          <a:bodyPr numCol="2">
-            <a:normAutofit/>
-          </a:bodyPr>
-          <a:lstStyle/>
-          <a:p>
-            <a:r>
-              <a:rPr lang="fr-BE" sz="2400"/>
-              <a:t>Que va imprimer le programme suivant ?</a:t>
-            </a:r>
-          </a:p>
-          <a:p>
-            <a:pPr marL="457189" lvl="1" indent="0">
-              <a:buNone/>
-            </a:pPr>
-            <a:r>
-              <a:rPr lang="fr-BE" sz="2000">
-                <a:solidFill>
-                  <a:schemeClr val="accent6">
-                    <a:lumMod val="50000"/>
-                  </a:schemeClr>
-                </a:solidFill>
-                <a:latin typeface="Consolas" panose="020B0609020204030204" pitchFamily="49" charset="0"/>
-                <a:cs typeface="Courier New" panose="02070309020205020404" pitchFamily="49" charset="0"/>
-              </a:rPr>
-              <a:t># la classe C …</a:t>
-            </a:r>
-          </a:p>
-          <a:p>
-            <a:pPr marL="457189" lvl="1" indent="0">
-              <a:buNone/>
-            </a:pPr>
-            <a:r>
-              <a:rPr lang="fr-BE" sz="2000">
-                <a:solidFill>
-                  <a:schemeClr val="accent6">
-                    <a:lumMod val="50000"/>
-                  </a:schemeClr>
-                </a:solidFill>
-                <a:latin typeface="Consolas" panose="020B0609020204030204" pitchFamily="49" charset="0"/>
-                <a:cs typeface="Courier New" panose="02070309020205020404" pitchFamily="49" charset="0"/>
-              </a:rPr>
-              <a:t>class C:</a:t>
-            </a:r>
-          </a:p>
-          <a:p>
-            <a:pPr marL="457189" lvl="1" indent="0">
-              <a:buNone/>
-            </a:pPr>
-            <a:r>
-              <a:rPr lang="fr-BE" sz="2000">
-                <a:solidFill>
-                  <a:schemeClr val="accent6">
-                    <a:lumMod val="50000"/>
-                  </a:schemeClr>
-                </a:solidFill>
-                <a:latin typeface="Consolas" panose="020B0609020204030204" pitchFamily="49" charset="0"/>
-                <a:cs typeface="Courier New" panose="02070309020205020404" pitchFamily="49" charset="0"/>
-              </a:rPr>
-              <a:t>	a = 0</a:t>
-            </a:r>
-          </a:p>
-          <a:p>
-            <a:pPr marL="457189" lvl="1" indent="0">
-              <a:buNone/>
-            </a:pPr>
-            <a:r>
-              <a:rPr lang="fr-BE" sz="2000">
-                <a:solidFill>
-                  <a:schemeClr val="accent6">
-                    <a:lumMod val="50000"/>
-                  </a:schemeClr>
-                </a:solidFill>
-                <a:latin typeface="Consolas" panose="020B0609020204030204" pitchFamily="49" charset="0"/>
-                <a:cs typeface="Courier New" panose="02070309020205020404" pitchFamily="49" charset="0"/>
-              </a:rPr>
-              <a:t>	b = 0</a:t>
-            </a:r>
-          </a:p>
-          <a:p>
-            <a:pPr marL="457189" lvl="1" indent="0">
-              <a:buNone/>
-            </a:pPr>
-            <a:r>
-              <a:rPr lang="fr-BE" sz="2000">
-                <a:solidFill>
-                  <a:schemeClr val="accent6">
-                    <a:lumMod val="50000"/>
-                  </a:schemeClr>
-                </a:solidFill>
-                <a:latin typeface="Consolas" panose="020B0609020204030204" pitchFamily="49" charset="0"/>
-                <a:cs typeface="Courier New" panose="02070309020205020404" pitchFamily="49" charset="0"/>
-              </a:rPr>
-              <a:t>	c = 0</a:t>
-            </a:r>
-          </a:p>
-          <a:p>
-            <a:pPr marL="457189" lvl="1" indent="0">
-              <a:buNone/>
-            </a:pPr>
-            <a:endParaRPr lang="fr-BE" sz="2000">
-              <a:solidFill>
-                <a:schemeClr val="accent6">
-                  <a:lumMod val="50000"/>
-                </a:schemeClr>
-              </a:solidFill>
-              <a:latin typeface="Consolas" panose="020B0609020204030204" pitchFamily="49" charset="0"/>
-              <a:cs typeface="Courier New" panose="02070309020205020404" pitchFamily="49" charset="0"/>
-            </a:endParaRPr>
-          </a:p>
-          <a:p>
-            <a:pPr marL="457189" lvl="1" indent="0">
-              <a:buNone/>
-            </a:pPr>
-            <a:r>
-              <a:rPr lang="fr-BE" sz="2000">
-                <a:solidFill>
-                  <a:schemeClr val="accent6">
-                    <a:lumMod val="50000"/>
-                  </a:schemeClr>
-                </a:solidFill>
-                <a:latin typeface="Consolas" panose="020B0609020204030204" pitchFamily="49" charset="0"/>
-                <a:cs typeface="Courier New" panose="02070309020205020404" pitchFamily="49" charset="0"/>
-              </a:rPr>
-              <a:t>	def test (self):</a:t>
-            </a:r>
-          </a:p>
-          <a:p>
-            <a:pPr marL="457189" lvl="1" indent="0">
-              <a:buNone/>
-            </a:pPr>
-            <a:r>
-              <a:rPr lang="fr-BE" sz="2000">
-                <a:solidFill>
-                  <a:schemeClr val="accent6">
-                    <a:lumMod val="50000"/>
-                  </a:schemeClr>
-                </a:solidFill>
-                <a:latin typeface="Consolas" panose="020B0609020204030204" pitchFamily="49" charset="0"/>
-                <a:cs typeface="Courier New" panose="02070309020205020404" pitchFamily="49" charset="0"/>
-              </a:rPr>
-              <a:t>		a = 1 </a:t>
-            </a:r>
-          </a:p>
-          <a:p>
-            <a:pPr marL="457189" lvl="1" indent="0">
-              <a:buNone/>
-            </a:pPr>
-            <a:r>
-              <a:rPr lang="fr-BE" sz="2000">
-                <a:solidFill>
-                  <a:schemeClr val="accent6">
-                    <a:lumMod val="50000"/>
-                  </a:schemeClr>
-                </a:solidFill>
-                <a:latin typeface="Consolas" panose="020B0609020204030204" pitchFamily="49" charset="0"/>
-                <a:cs typeface="Courier New" panose="02070309020205020404" pitchFamily="49" charset="0"/>
-              </a:rPr>
-              <a:t>		C.b = 2</a:t>
-            </a:r>
-          </a:p>
-          <a:p>
-            <a:pPr marL="457189" lvl="1" indent="0">
-              <a:buNone/>
-            </a:pPr>
-            <a:r>
-              <a:rPr lang="fr-BE" sz="2000">
-                <a:solidFill>
-                  <a:schemeClr val="accent6">
-                    <a:lumMod val="50000"/>
-                  </a:schemeClr>
-                </a:solidFill>
-                <a:latin typeface="Consolas" panose="020B0609020204030204" pitchFamily="49" charset="0"/>
-                <a:cs typeface="Courier New" panose="02070309020205020404" pitchFamily="49" charset="0"/>
-              </a:rPr>
-              <a:t>		self.c = 3</a:t>
-            </a:r>
-          </a:p>
-          <a:p>
-            <a:pPr marL="457189" lvl="1" indent="0">
-              <a:buNone/>
-            </a:pPr>
-            <a:r>
-              <a:rPr lang="fr-BE" sz="2000">
-                <a:solidFill>
-                  <a:schemeClr val="accent6">
-                    <a:lumMod val="50000"/>
-                  </a:schemeClr>
-                </a:solidFill>
-                <a:latin typeface="Consolas" panose="020B0609020204030204" pitchFamily="49" charset="0"/>
-                <a:cs typeface="Courier New" panose="02070309020205020404" pitchFamily="49" charset="0"/>
-              </a:rPr>
-              <a:t>		print( a, C.b, C.c )</a:t>
-            </a:r>
-          </a:p>
-          <a:p>
-            <a:pPr marL="457189" lvl="1" indent="0">
-              <a:buNone/>
-            </a:pPr>
-            <a:endParaRPr lang="fr-BE" sz="2000">
-              <a:solidFill>
-                <a:schemeClr val="accent6">
-                  <a:lumMod val="50000"/>
-                </a:schemeClr>
-              </a:solidFill>
-              <a:latin typeface="Consolas" panose="020B0609020204030204" pitchFamily="49" charset="0"/>
-              <a:cs typeface="Courier New" panose="02070309020205020404" pitchFamily="49" charset="0"/>
-            </a:endParaRPr>
-          </a:p>
-          <a:p>
-            <a:pPr marL="457189" lvl="1" indent="0">
-              <a:buNone/>
-            </a:pPr>
-            <a:endParaRPr lang="fr-BE" sz="2000">
-              <a:solidFill>
-                <a:schemeClr val="accent6">
-                  <a:lumMod val="50000"/>
-                </a:schemeClr>
-              </a:solidFill>
-              <a:latin typeface="Consolas" panose="020B0609020204030204" pitchFamily="49" charset="0"/>
-              <a:cs typeface="Courier New" panose="02070309020205020404" pitchFamily="49" charset="0"/>
-            </a:endParaRPr>
-          </a:p>
-          <a:p>
-            <a:pPr marL="457189" lvl="1" indent="0">
-              <a:buNone/>
-            </a:pPr>
-            <a:endParaRPr lang="fr-BE" sz="2000">
-              <a:solidFill>
-                <a:schemeClr val="accent6">
-                  <a:lumMod val="50000"/>
-                </a:schemeClr>
-              </a:solidFill>
-              <a:latin typeface="Consolas" panose="020B0609020204030204" pitchFamily="49" charset="0"/>
-              <a:cs typeface="Courier New" panose="02070309020205020404" pitchFamily="49" charset="0"/>
-            </a:endParaRPr>
-          </a:p>
-          <a:p>
-            <a:pPr marL="457189" lvl="1" indent="0">
-              <a:buNone/>
-            </a:pPr>
-            <a:r>
-              <a:rPr lang="fr-BE" sz="2000">
-                <a:solidFill>
-                  <a:schemeClr val="accent6">
-                    <a:lumMod val="50000"/>
-                  </a:schemeClr>
-                </a:solidFill>
-                <a:latin typeface="Consolas" panose="020B0609020204030204" pitchFamily="49" charset="0"/>
-                <a:cs typeface="Courier New" panose="02070309020205020404" pitchFamily="49" charset="0"/>
-              </a:rPr>
-              <a:t># le code principal …</a:t>
-            </a:r>
-          </a:p>
-          <a:p>
-            <a:pPr marL="457189" lvl="1" indent="0">
-              <a:buNone/>
-            </a:pPr>
-            <a:r>
-              <a:rPr lang="fr-BE" sz="2000">
-                <a:solidFill>
-                  <a:schemeClr val="accent6">
-                    <a:lumMod val="50000"/>
-                  </a:schemeClr>
-                </a:solidFill>
-                <a:latin typeface="Consolas" panose="020B0609020204030204" pitchFamily="49" charset="0"/>
-                <a:cs typeface="Courier New" panose="02070309020205020404" pitchFamily="49" charset="0"/>
-              </a:rPr>
-              <a:t>O = C()</a:t>
-            </a:r>
-          </a:p>
-          <a:p>
-            <a:pPr marL="457189" lvl="1" indent="0">
-              <a:buNone/>
-            </a:pPr>
-            <a:r>
-              <a:rPr lang="fr-BE" sz="2000">
-                <a:solidFill>
-                  <a:schemeClr val="accent6">
-                    <a:lumMod val="50000"/>
-                  </a:schemeClr>
-                </a:solidFill>
-                <a:latin typeface="Consolas" panose="020B0609020204030204" pitchFamily="49" charset="0"/>
-                <a:cs typeface="Courier New" panose="02070309020205020404" pitchFamily="49" charset="0"/>
-              </a:rPr>
-              <a:t>O.test()</a:t>
-            </a:r>
-          </a:p>
-          <a:p>
-            <a:pPr marL="457189" lvl="1" indent="0">
-              <a:buNone/>
-            </a:pPr>
-            <a:r>
-              <a:rPr lang="fr-BE" sz="2000">
-                <a:solidFill>
-                  <a:schemeClr val="accent6">
-                    <a:lumMod val="50000"/>
-                  </a:schemeClr>
-                </a:solidFill>
-                <a:latin typeface="Consolas" panose="020B0609020204030204" pitchFamily="49" charset="0"/>
-                <a:cs typeface="Courier New" panose="02070309020205020404" pitchFamily="49" charset="0"/>
-              </a:rPr>
-              <a:t>print( C.a, O.a )</a:t>
-            </a:r>
-          </a:p>
-          <a:p>
-            <a:pPr marL="457189" lvl="1" indent="0">
-              <a:buNone/>
-            </a:pPr>
-            <a:r>
-              <a:rPr lang="fr-BE" sz="2000">
-                <a:solidFill>
-                  <a:schemeClr val="accent6">
-                    <a:lumMod val="50000"/>
-                  </a:schemeClr>
-                </a:solidFill>
-                <a:latin typeface="Consolas" panose="020B0609020204030204" pitchFamily="49" charset="0"/>
-                <a:cs typeface="Courier New" panose="02070309020205020404" pitchFamily="49" charset="0"/>
-              </a:rPr>
-              <a:t>print( C.b, O.b )</a:t>
-            </a:r>
-          </a:p>
-          <a:p>
-            <a:pPr marL="457189" lvl="1" indent="0">
-              <a:buNone/>
-            </a:pPr>
-            <a:r>
-              <a:rPr lang="fr-BE" sz="2000">
-                <a:solidFill>
-                  <a:schemeClr val="accent6">
-                    <a:lumMod val="50000"/>
-                  </a:schemeClr>
-                </a:solidFill>
-                <a:latin typeface="Consolas" panose="020B0609020204030204" pitchFamily="49" charset="0"/>
-                <a:cs typeface="Courier New" panose="02070309020205020404" pitchFamily="49" charset="0"/>
-              </a:rPr>
-              <a:t>print( C.c, O.c )</a:t>
-            </a:r>
-          </a:p>
-          <a:p>
-            <a:endParaRPr lang="fr-BE" sz="2400"/>
-          </a:p>
-        </p:txBody>
-      </p:sp>
-      <p:sp>
-        <p:nvSpPr>
-          <p:cNvPr id="6" name="ZoneTexte 5">
-            <a:extLst>
-              <a:ext uri="{FF2B5EF4-FFF2-40B4-BE49-F238E27FC236}">
-                <a16:creationId xmlns:a16="http://schemas.microsoft.com/office/drawing/2014/main" id="{574F8D5F-72A9-4FD9-9546-B8F3DC38A4D5}"/>
-              </a:ext>
-            </a:extLst>
-          </p:cNvPr>
-          <p:cNvSpPr txBox="1"/>
-          <p:nvPr/>
-        </p:nvSpPr>
-        <p:spPr>
-          <a:xfrm>
-            <a:off x="8518022" y="4808392"/>
-            <a:ext cx="1642928" cy="1569660"/>
-          </a:xfrm>
-          <a:prstGeom prst="rect">
-            <a:avLst/>
-          </a:prstGeom>
-          <a:solidFill>
-            <a:schemeClr val="accent6">
-              <a:lumMod val="90000"/>
-            </a:schemeClr>
-          </a:solidFill>
-        </p:spPr>
-        <p:txBody>
-          <a:bodyPr wrap="square">
-            <a:spAutoFit/>
-          </a:bodyPr>
-          <a:lstStyle/>
-          <a:p>
-            <a:r>
-              <a:rPr lang="fr-BE">
-                <a:solidFill>
-                  <a:schemeClr val="accent2"/>
-                </a:solidFill>
-                <a:latin typeface="Consolas" panose="020B0609020204030204" pitchFamily="49" charset="0"/>
-                <a:cs typeface="Courier New" panose="02070309020205020404" pitchFamily="49" charset="0"/>
-              </a:rPr>
-              <a:t>1 2 0</a:t>
-            </a:r>
-          </a:p>
-          <a:p>
-            <a:r>
-              <a:rPr lang="fr-BE">
-                <a:solidFill>
-                  <a:schemeClr val="accent2"/>
-                </a:solidFill>
-                <a:latin typeface="Consolas" panose="020B0609020204030204" pitchFamily="49" charset="0"/>
-                <a:cs typeface="Courier New" panose="02070309020205020404" pitchFamily="49" charset="0"/>
-              </a:rPr>
-              <a:t>0 0</a:t>
-            </a:r>
-          </a:p>
-          <a:p>
-            <a:r>
-              <a:rPr lang="fr-BE">
-                <a:solidFill>
-                  <a:schemeClr val="accent2"/>
-                </a:solidFill>
-                <a:latin typeface="Consolas" panose="020B0609020204030204" pitchFamily="49" charset="0"/>
-                <a:cs typeface="Courier New" panose="02070309020205020404" pitchFamily="49" charset="0"/>
-              </a:rPr>
-              <a:t>2 2</a:t>
-            </a:r>
-          </a:p>
-          <a:p>
-            <a:r>
-              <a:rPr lang="fr-BE">
-                <a:solidFill>
-                  <a:schemeClr val="accent2"/>
-                </a:solidFill>
-                <a:latin typeface="Consolas" panose="020B0609020204030204" pitchFamily="49" charset="0"/>
-                <a:cs typeface="Courier New" panose="02070309020205020404" pitchFamily="49" charset="0"/>
-              </a:rPr>
-              <a:t>0 3</a:t>
-            </a:r>
-          </a:p>
-        </p:txBody>
-      </p:sp>
-    </p:spTree>
-    <p:extLst>
-      <p:ext uri="{BB962C8B-B14F-4D97-AF65-F5344CB8AC3E}">
-        <p14:creationId xmlns:p14="http://schemas.microsoft.com/office/powerpoint/2010/main" val="3766731644"/>
-      </p:ext>
-    </p:extLst>
-  </p:cSld>
-  <p:clrMapOvr>
-    <a:masterClrMapping/>
-  </p:clrMapOvr>
-  <mc:AlternateContent xmlns:mc="http://schemas.openxmlformats.org/markup-compatibility/2006" xmlns:p14="http://schemas.microsoft.com/office/powerpoint/2010/main">
-    <mc:Choice Requires="p14">
-      <p:transition spd="slow">
-        <p14:reveal/>
-      </p:transition>
-    </mc:Choice>
-    <mc:Fallback xmlns="">
-      <p:transition spd="slow">
-        <p:fade/>
-      </p:transition>
-    </mc:Fallback>
-  </mc:AlternateContent>
-</p:sld>
-</file>
-
-<file path=ppt/slides/slide43.xml><?xml version="1.0" encoding="utf-8"?>
-<p:sld xmlns:a="http://schemas.openxmlformats.org/drawingml/2006/main" xmlns:r="http://schemas.openxmlformats.org/officeDocument/2006/relationships" xmlns:p="http://schemas.openxmlformats.org/presentationml/2006/main">
-  <p:cSld>
-    <p:spTree>
-      <p:nvGrpSpPr>
-        <p:cNvPr id="1" name=""/>
-        <p:cNvGrpSpPr/>
-        <p:nvPr/>
-      </p:nvGrpSpPr>
-      <p:grpSpPr>
-        <a:xfrm>
-          <a:off x="0" y="0"/>
-          <a:ext cx="0" cy="0"/>
-          <a:chOff x="0" y="0"/>
-          <a:chExt cx="0" cy="0"/>
-        </a:xfrm>
-      </p:grpSpPr>
-      <p:sp>
-        <p:nvSpPr>
-          <p:cNvPr id="2" name="Titre 1">
-            <a:extLst>
-              <a:ext uri="{FF2B5EF4-FFF2-40B4-BE49-F238E27FC236}">
-                <a16:creationId xmlns:a16="http://schemas.microsoft.com/office/drawing/2014/main" id="{22C82FFC-1050-40EC-A2D1-E31AD1681D9F}"/>
-              </a:ext>
-            </a:extLst>
-          </p:cNvPr>
-          <p:cNvSpPr>
-            <a:spLocks noGrp="1"/>
-          </p:cNvSpPr>
-          <p:nvPr>
-            <p:ph type="title"/>
-          </p:nvPr>
-        </p:nvSpPr>
-        <p:spPr/>
-        <p:txBody>
-          <a:bodyPr>
-            <a:normAutofit/>
-          </a:bodyPr>
-          <a:lstStyle/>
-          <a:p>
-            <a:r>
-              <a:rPr lang="fr-BE"/>
-              <a:t>garbage collector : "vie et mort d'un objet"</a:t>
-            </a:r>
-          </a:p>
-        </p:txBody>
-      </p:sp>
-      <p:sp>
-        <p:nvSpPr>
-          <p:cNvPr id="16" name="Espace réservé du contenu 15">
-            <a:extLst>
-              <a:ext uri="{FF2B5EF4-FFF2-40B4-BE49-F238E27FC236}">
-                <a16:creationId xmlns:a16="http://schemas.microsoft.com/office/drawing/2014/main" id="{FA86EE84-1443-130B-E9EF-0B741497D50D}"/>
-              </a:ext>
-            </a:extLst>
-          </p:cNvPr>
-          <p:cNvSpPr>
-            <a:spLocks noGrp="1"/>
-          </p:cNvSpPr>
-          <p:nvPr>
-            <p:ph sz="half" idx="1"/>
-          </p:nvPr>
-        </p:nvSpPr>
-        <p:spPr/>
-        <p:txBody>
-          <a:bodyPr>
-            <a:normAutofit fontScale="92500" lnSpcReduction="10000"/>
-          </a:bodyPr>
-          <a:lstStyle/>
-          <a:p>
-            <a:r>
-              <a:rPr lang="fr-BE"/>
-              <a:t>"ramasse-miettes" ou "garbage collector" (GC)</a:t>
-            </a:r>
-          </a:p>
-          <a:p>
-            <a:r>
-              <a:rPr lang="fr-BE"/>
-              <a:t>gestionnaire automatique de la mémoire</a:t>
-            </a:r>
-          </a:p>
-          <a:p>
-            <a:pPr lvl="1"/>
-            <a:r>
-              <a:rPr lang="fr-BE"/>
-              <a:t>responsable du recyclage de la mémoire préalablement allouée puis inutilisée</a:t>
-            </a:r>
-          </a:p>
-          <a:p>
-            <a:r>
-              <a:rPr lang="fr-BE">
-                <a:solidFill>
-                  <a:schemeClr val="accent2"/>
-                </a:solidFill>
-              </a:rPr>
-              <a:t>En Python, le GC est automatique !</a:t>
-            </a:r>
-          </a:p>
-          <a:p>
-            <a:pPr lvl="1"/>
-            <a:r>
-              <a:rPr lang="fr-BE"/>
-              <a:t>cas particuliers : module </a:t>
-            </a:r>
-            <a:r>
-              <a:rPr lang="fr-BE">
-                <a:solidFill>
-                  <a:schemeClr val="accent6">
-                    <a:lumMod val="50000"/>
-                  </a:schemeClr>
-                </a:solidFill>
-                <a:latin typeface="Consolas" panose="020B0609020204030204" pitchFamily="49" charset="0"/>
-              </a:rPr>
-              <a:t>gc</a:t>
-            </a:r>
-          </a:p>
-          <a:p>
-            <a:pPr lvl="1"/>
-            <a:endParaRPr lang="fr-BE">
-              <a:solidFill>
-                <a:schemeClr val="accent2"/>
-              </a:solidFill>
-            </a:endParaRPr>
-          </a:p>
-        </p:txBody>
-      </p:sp>
-      <p:pic>
-        <p:nvPicPr>
-          <p:cNvPr id="19" name="Picture 6">
-            <a:extLst>
-              <a:ext uri="{FF2B5EF4-FFF2-40B4-BE49-F238E27FC236}">
-                <a16:creationId xmlns:a16="http://schemas.microsoft.com/office/drawing/2014/main" id="{46C12E65-95C2-B078-39A9-3F900B10AE02}"/>
-              </a:ext>
-            </a:extLst>
-          </p:cNvPr>
-          <p:cNvPicPr>
-            <a:picLocks noGrp="1" noChangeAspect="1" noChangeArrowheads="1"/>
-          </p:cNvPicPr>
-          <p:nvPr>
-            <p:ph sz="half" idx="2"/>
-          </p:nvPr>
-        </p:nvPicPr>
-        <p:blipFill>
-          <a:blip r:embed="rId2">
-            <a:extLst>
-              <a:ext uri="{28A0092B-C50C-407E-A947-70E740481C1C}">
-                <a14:useLocalDpi xmlns:a14="http://schemas.microsoft.com/office/drawing/2010/main"/>
-              </a:ext>
-            </a:extLst>
-          </a:blip>
-          <a:stretch>
-            <a:fillRect/>
-          </a:stretch>
-        </p:blipFill>
-        <p:spPr bwMode="auto">
-          <a:xfrm>
-            <a:off x="7715250" y="3267075"/>
-            <a:ext cx="2095500" cy="1333500"/>
-          </a:xfrm>
-          <a:prstGeom prst="rect">
-            <a:avLst/>
-          </a:prstGeom>
-          <a:noFill/>
-          <a:extLst>
-            <a:ext uri="{909E8E84-426E-40DD-AFC4-6F175D3DCCD1}">
-              <a14:hiddenFill xmlns:a14="http://schemas.microsoft.com/office/drawing/2010/main">
-                <a:solidFill>
-                  <a:srgbClr val="FFFFFF"/>
-                </a:solidFill>
-              </a14:hiddenFill>
-            </a:ext>
-          </a:extLst>
-        </p:spPr>
-      </p:pic>
-    </p:spTree>
-    <p:extLst>
-      <p:ext uri="{BB962C8B-B14F-4D97-AF65-F5344CB8AC3E}">
-        <p14:creationId xmlns:p14="http://schemas.microsoft.com/office/powerpoint/2010/main" val="4104551360"/>
       </p:ext>
     </p:extLst>
   </p:cSld>
@@ -12490,6 +12170,731 @@
           <p:cNvPr id="2" name="Titre 1">
             <a:extLst>
               <a:ext uri="{FF2B5EF4-FFF2-40B4-BE49-F238E27FC236}">
+                <a16:creationId xmlns:a16="http://schemas.microsoft.com/office/drawing/2014/main" id="{7B313FFC-BA46-4707-A5F0-E36E09EDEF6F}"/>
+              </a:ext>
+            </a:extLst>
+          </p:cNvPr>
+          <p:cNvSpPr>
+            <a:spLocks noGrp="1"/>
+          </p:cNvSpPr>
+          <p:nvPr>
+            <p:ph type="title"/>
+          </p:nvPr>
+        </p:nvSpPr>
+        <p:spPr/>
+        <p:txBody>
+          <a:bodyPr>
+            <a:normAutofit/>
+          </a:bodyPr>
+          <a:lstStyle/>
+          <a:p>
+            <a:r>
+              <a:rPr lang="fr-BE"/>
+              <a:t>Exo 11-02-04 :</a:t>
+            </a:r>
+            <a:br>
+              <a:rPr lang="fr-BE"/>
+            </a:br>
+            <a:r>
+              <a:rPr lang="fr-BE"/>
+              <a:t>attribut de classe &amp; attribut d'objet</a:t>
+            </a:r>
+          </a:p>
+        </p:txBody>
+      </p:sp>
+      <p:sp>
+        <p:nvSpPr>
+          <p:cNvPr id="3" name="Espace réservé du contenu 2">
+            <a:extLst>
+              <a:ext uri="{FF2B5EF4-FFF2-40B4-BE49-F238E27FC236}">
+                <a16:creationId xmlns:a16="http://schemas.microsoft.com/office/drawing/2014/main" id="{C09AB037-5E61-4532-852D-C9C28507C1CD}"/>
+              </a:ext>
+            </a:extLst>
+          </p:cNvPr>
+          <p:cNvSpPr>
+            <a:spLocks noGrp="1"/>
+          </p:cNvSpPr>
+          <p:nvPr>
+            <p:ph idx="1"/>
+          </p:nvPr>
+        </p:nvSpPr>
+        <p:spPr>
+          <a:xfrm>
+            <a:off x="838200" y="1825624"/>
+            <a:ext cx="10515600" cy="4899915"/>
+          </a:xfrm>
+        </p:spPr>
+        <p:txBody>
+          <a:bodyPr numCol="2">
+            <a:normAutofit/>
+          </a:bodyPr>
+          <a:lstStyle/>
+          <a:p>
+            <a:r>
+              <a:rPr lang="fr-BE" sz="2400"/>
+              <a:t>Que va imprimer le programme suivant ?</a:t>
+            </a:r>
+          </a:p>
+          <a:p>
+            <a:pPr marL="457189" lvl="1" indent="0">
+              <a:buNone/>
+            </a:pPr>
+            <a:r>
+              <a:rPr lang="fr-BE" sz="2000">
+                <a:solidFill>
+                  <a:schemeClr val="accent6">
+                    <a:lumMod val="50000"/>
+                  </a:schemeClr>
+                </a:solidFill>
+                <a:latin typeface="Consolas" panose="020B0609020204030204" pitchFamily="49" charset="0"/>
+                <a:cs typeface="Courier New" panose="02070309020205020404" pitchFamily="49" charset="0"/>
+              </a:rPr>
+              <a:t># la classe C …</a:t>
+            </a:r>
+          </a:p>
+          <a:p>
+            <a:pPr marL="457189" lvl="1" indent="0">
+              <a:buNone/>
+            </a:pPr>
+            <a:r>
+              <a:rPr lang="fr-BE" sz="2000">
+                <a:solidFill>
+                  <a:schemeClr val="accent6">
+                    <a:lumMod val="50000"/>
+                  </a:schemeClr>
+                </a:solidFill>
+                <a:latin typeface="Consolas" panose="020B0609020204030204" pitchFamily="49" charset="0"/>
+                <a:cs typeface="Courier New" panose="02070309020205020404" pitchFamily="49" charset="0"/>
+              </a:rPr>
+              <a:t>class C:</a:t>
+            </a:r>
+          </a:p>
+          <a:p>
+            <a:pPr marL="457189" lvl="1" indent="0">
+              <a:buNone/>
+            </a:pPr>
+            <a:r>
+              <a:rPr lang="fr-BE" sz="2000">
+                <a:solidFill>
+                  <a:schemeClr val="accent6">
+                    <a:lumMod val="50000"/>
+                  </a:schemeClr>
+                </a:solidFill>
+                <a:latin typeface="Consolas" panose="020B0609020204030204" pitchFamily="49" charset="0"/>
+                <a:cs typeface="Courier New" panose="02070309020205020404" pitchFamily="49" charset="0"/>
+              </a:rPr>
+              <a:t>	a = 0</a:t>
+            </a:r>
+          </a:p>
+          <a:p>
+            <a:pPr marL="457189" lvl="1" indent="0">
+              <a:buNone/>
+            </a:pPr>
+            <a:r>
+              <a:rPr lang="fr-BE" sz="2000">
+                <a:solidFill>
+                  <a:schemeClr val="accent6">
+                    <a:lumMod val="50000"/>
+                  </a:schemeClr>
+                </a:solidFill>
+                <a:latin typeface="Consolas" panose="020B0609020204030204" pitchFamily="49" charset="0"/>
+                <a:cs typeface="Courier New" panose="02070309020205020404" pitchFamily="49" charset="0"/>
+              </a:rPr>
+              <a:t>	b = 0</a:t>
+            </a:r>
+          </a:p>
+          <a:p>
+            <a:pPr marL="457189" lvl="1" indent="0">
+              <a:buNone/>
+            </a:pPr>
+            <a:r>
+              <a:rPr lang="fr-BE" sz="2000">
+                <a:solidFill>
+                  <a:schemeClr val="accent6">
+                    <a:lumMod val="50000"/>
+                  </a:schemeClr>
+                </a:solidFill>
+                <a:latin typeface="Consolas" panose="020B0609020204030204" pitchFamily="49" charset="0"/>
+                <a:cs typeface="Courier New" panose="02070309020205020404" pitchFamily="49" charset="0"/>
+              </a:rPr>
+              <a:t>	c = 0</a:t>
+            </a:r>
+          </a:p>
+          <a:p>
+            <a:pPr marL="457189" lvl="1" indent="0">
+              <a:buNone/>
+            </a:pPr>
+            <a:endParaRPr lang="fr-BE" sz="2000">
+              <a:solidFill>
+                <a:schemeClr val="accent6">
+                  <a:lumMod val="50000"/>
+                </a:schemeClr>
+              </a:solidFill>
+              <a:latin typeface="Consolas" panose="020B0609020204030204" pitchFamily="49" charset="0"/>
+              <a:cs typeface="Courier New" panose="02070309020205020404" pitchFamily="49" charset="0"/>
+            </a:endParaRPr>
+          </a:p>
+          <a:p>
+            <a:pPr marL="457189" lvl="1" indent="0">
+              <a:buNone/>
+            </a:pPr>
+            <a:r>
+              <a:rPr lang="fr-BE" sz="2000">
+                <a:solidFill>
+                  <a:schemeClr val="accent6">
+                    <a:lumMod val="50000"/>
+                  </a:schemeClr>
+                </a:solidFill>
+                <a:latin typeface="Consolas" panose="020B0609020204030204" pitchFamily="49" charset="0"/>
+                <a:cs typeface="Courier New" panose="02070309020205020404" pitchFamily="49" charset="0"/>
+              </a:rPr>
+              <a:t>	def test (self):</a:t>
+            </a:r>
+          </a:p>
+          <a:p>
+            <a:pPr marL="457189" lvl="1" indent="0">
+              <a:buNone/>
+            </a:pPr>
+            <a:r>
+              <a:rPr lang="fr-BE" sz="2000">
+                <a:solidFill>
+                  <a:schemeClr val="accent6">
+                    <a:lumMod val="50000"/>
+                  </a:schemeClr>
+                </a:solidFill>
+                <a:latin typeface="Consolas" panose="020B0609020204030204" pitchFamily="49" charset="0"/>
+                <a:cs typeface="Courier New" panose="02070309020205020404" pitchFamily="49" charset="0"/>
+              </a:rPr>
+              <a:t>		a = 1 </a:t>
+            </a:r>
+          </a:p>
+          <a:p>
+            <a:pPr marL="457189" lvl="1" indent="0">
+              <a:buNone/>
+            </a:pPr>
+            <a:r>
+              <a:rPr lang="fr-BE" sz="2000">
+                <a:solidFill>
+                  <a:schemeClr val="accent6">
+                    <a:lumMod val="50000"/>
+                  </a:schemeClr>
+                </a:solidFill>
+                <a:latin typeface="Consolas" panose="020B0609020204030204" pitchFamily="49" charset="0"/>
+                <a:cs typeface="Courier New" panose="02070309020205020404" pitchFamily="49" charset="0"/>
+              </a:rPr>
+              <a:t>		C.b = 2</a:t>
+            </a:r>
+          </a:p>
+          <a:p>
+            <a:pPr marL="457189" lvl="1" indent="0">
+              <a:buNone/>
+            </a:pPr>
+            <a:r>
+              <a:rPr lang="fr-BE" sz="2000">
+                <a:solidFill>
+                  <a:schemeClr val="accent6">
+                    <a:lumMod val="50000"/>
+                  </a:schemeClr>
+                </a:solidFill>
+                <a:latin typeface="Consolas" panose="020B0609020204030204" pitchFamily="49" charset="0"/>
+                <a:cs typeface="Courier New" panose="02070309020205020404" pitchFamily="49" charset="0"/>
+              </a:rPr>
+              <a:t>		self.c = 3</a:t>
+            </a:r>
+          </a:p>
+          <a:p>
+            <a:pPr marL="457189" lvl="1" indent="0">
+              <a:buNone/>
+            </a:pPr>
+            <a:r>
+              <a:rPr lang="fr-BE" sz="2000">
+                <a:solidFill>
+                  <a:schemeClr val="accent6">
+                    <a:lumMod val="50000"/>
+                  </a:schemeClr>
+                </a:solidFill>
+                <a:latin typeface="Consolas" panose="020B0609020204030204" pitchFamily="49" charset="0"/>
+                <a:cs typeface="Courier New" panose="02070309020205020404" pitchFamily="49" charset="0"/>
+              </a:rPr>
+              <a:t>		print( a, C.b, C.c )</a:t>
+            </a:r>
+          </a:p>
+          <a:p>
+            <a:pPr marL="457189" lvl="1" indent="0">
+              <a:buNone/>
+            </a:pPr>
+            <a:endParaRPr lang="fr-BE" sz="2000">
+              <a:solidFill>
+                <a:schemeClr val="accent6">
+                  <a:lumMod val="50000"/>
+                </a:schemeClr>
+              </a:solidFill>
+              <a:latin typeface="Consolas" panose="020B0609020204030204" pitchFamily="49" charset="0"/>
+              <a:cs typeface="Courier New" panose="02070309020205020404" pitchFamily="49" charset="0"/>
+            </a:endParaRPr>
+          </a:p>
+          <a:p>
+            <a:pPr marL="457189" lvl="1" indent="0">
+              <a:buNone/>
+            </a:pPr>
+            <a:endParaRPr lang="fr-BE" sz="2000">
+              <a:solidFill>
+                <a:schemeClr val="accent6">
+                  <a:lumMod val="50000"/>
+                </a:schemeClr>
+              </a:solidFill>
+              <a:latin typeface="Consolas" panose="020B0609020204030204" pitchFamily="49" charset="0"/>
+              <a:cs typeface="Courier New" panose="02070309020205020404" pitchFamily="49" charset="0"/>
+            </a:endParaRPr>
+          </a:p>
+          <a:p>
+            <a:pPr marL="457189" lvl="1" indent="0">
+              <a:buNone/>
+            </a:pPr>
+            <a:endParaRPr lang="fr-BE" sz="2000">
+              <a:solidFill>
+                <a:schemeClr val="accent6">
+                  <a:lumMod val="50000"/>
+                </a:schemeClr>
+              </a:solidFill>
+              <a:latin typeface="Consolas" panose="020B0609020204030204" pitchFamily="49" charset="0"/>
+              <a:cs typeface="Courier New" panose="02070309020205020404" pitchFamily="49" charset="0"/>
+            </a:endParaRPr>
+          </a:p>
+          <a:p>
+            <a:pPr marL="457189" lvl="1" indent="0">
+              <a:buNone/>
+            </a:pPr>
+            <a:r>
+              <a:rPr lang="fr-BE" sz="2000">
+                <a:solidFill>
+                  <a:schemeClr val="accent6">
+                    <a:lumMod val="50000"/>
+                  </a:schemeClr>
+                </a:solidFill>
+                <a:latin typeface="Consolas" panose="020B0609020204030204" pitchFamily="49" charset="0"/>
+                <a:cs typeface="Courier New" panose="02070309020205020404" pitchFamily="49" charset="0"/>
+              </a:rPr>
+              <a:t># le code principal …</a:t>
+            </a:r>
+          </a:p>
+          <a:p>
+            <a:pPr marL="457189" lvl="1" indent="0">
+              <a:buNone/>
+            </a:pPr>
+            <a:r>
+              <a:rPr lang="fr-BE" sz="2000">
+                <a:solidFill>
+                  <a:schemeClr val="accent6">
+                    <a:lumMod val="50000"/>
+                  </a:schemeClr>
+                </a:solidFill>
+                <a:latin typeface="Consolas" panose="020B0609020204030204" pitchFamily="49" charset="0"/>
+                <a:cs typeface="Courier New" panose="02070309020205020404" pitchFamily="49" charset="0"/>
+              </a:rPr>
+              <a:t>O = C()</a:t>
+            </a:r>
+          </a:p>
+          <a:p>
+            <a:pPr marL="457189" lvl="1" indent="0">
+              <a:buNone/>
+            </a:pPr>
+            <a:r>
+              <a:rPr lang="fr-BE" sz="2000">
+                <a:solidFill>
+                  <a:schemeClr val="accent6">
+                    <a:lumMod val="50000"/>
+                  </a:schemeClr>
+                </a:solidFill>
+                <a:latin typeface="Consolas" panose="020B0609020204030204" pitchFamily="49" charset="0"/>
+                <a:cs typeface="Courier New" panose="02070309020205020404" pitchFamily="49" charset="0"/>
+              </a:rPr>
+              <a:t>O.test()</a:t>
+            </a:r>
+          </a:p>
+          <a:p>
+            <a:pPr marL="457189" lvl="1" indent="0">
+              <a:buNone/>
+            </a:pPr>
+            <a:r>
+              <a:rPr lang="fr-BE" sz="2000">
+                <a:solidFill>
+                  <a:schemeClr val="accent6">
+                    <a:lumMod val="50000"/>
+                  </a:schemeClr>
+                </a:solidFill>
+                <a:latin typeface="Consolas" panose="020B0609020204030204" pitchFamily="49" charset="0"/>
+                <a:cs typeface="Courier New" panose="02070309020205020404" pitchFamily="49" charset="0"/>
+              </a:rPr>
+              <a:t>print( C.a, O.a )</a:t>
+            </a:r>
+          </a:p>
+          <a:p>
+            <a:pPr marL="457189" lvl="1" indent="0">
+              <a:buNone/>
+            </a:pPr>
+            <a:r>
+              <a:rPr lang="fr-BE" sz="2000">
+                <a:solidFill>
+                  <a:schemeClr val="accent6">
+                    <a:lumMod val="50000"/>
+                  </a:schemeClr>
+                </a:solidFill>
+                <a:latin typeface="Consolas" panose="020B0609020204030204" pitchFamily="49" charset="0"/>
+                <a:cs typeface="Courier New" panose="02070309020205020404" pitchFamily="49" charset="0"/>
+              </a:rPr>
+              <a:t>print( C.b, O.b )</a:t>
+            </a:r>
+          </a:p>
+          <a:p>
+            <a:pPr marL="457189" lvl="1" indent="0">
+              <a:buNone/>
+            </a:pPr>
+            <a:r>
+              <a:rPr lang="fr-BE" sz="2000">
+                <a:solidFill>
+                  <a:schemeClr val="accent6">
+                    <a:lumMod val="50000"/>
+                  </a:schemeClr>
+                </a:solidFill>
+                <a:latin typeface="Consolas" panose="020B0609020204030204" pitchFamily="49" charset="0"/>
+                <a:cs typeface="Courier New" panose="02070309020205020404" pitchFamily="49" charset="0"/>
+              </a:rPr>
+              <a:t>print( C.c, O.c )</a:t>
+            </a:r>
+          </a:p>
+          <a:p>
+            <a:endParaRPr lang="fr-BE" sz="2400"/>
+          </a:p>
+        </p:txBody>
+      </p:sp>
+      <p:sp>
+        <p:nvSpPr>
+          <p:cNvPr id="6" name="ZoneTexte 5">
+            <a:extLst>
+              <a:ext uri="{FF2B5EF4-FFF2-40B4-BE49-F238E27FC236}">
+                <a16:creationId xmlns:a16="http://schemas.microsoft.com/office/drawing/2014/main" id="{574F8D5F-72A9-4FD9-9546-B8F3DC38A4D5}"/>
+              </a:ext>
+            </a:extLst>
+          </p:cNvPr>
+          <p:cNvSpPr txBox="1"/>
+          <p:nvPr/>
+        </p:nvSpPr>
+        <p:spPr>
+          <a:xfrm>
+            <a:off x="8518022" y="4808392"/>
+            <a:ext cx="1642928" cy="1569660"/>
+          </a:xfrm>
+          <a:prstGeom prst="rect">
+            <a:avLst/>
+          </a:prstGeom>
+          <a:solidFill>
+            <a:schemeClr val="accent6">
+              <a:lumMod val="90000"/>
+            </a:schemeClr>
+          </a:solidFill>
+        </p:spPr>
+        <p:txBody>
+          <a:bodyPr wrap="square">
+            <a:spAutoFit/>
+          </a:bodyPr>
+          <a:lstStyle/>
+          <a:p>
+            <a:r>
+              <a:rPr lang="fr-BE">
+                <a:solidFill>
+                  <a:schemeClr val="accent2"/>
+                </a:solidFill>
+                <a:latin typeface="Consolas" panose="020B0609020204030204" pitchFamily="49" charset="0"/>
+                <a:cs typeface="Courier New" panose="02070309020205020404" pitchFamily="49" charset="0"/>
+              </a:rPr>
+              <a:t>1 2 0</a:t>
+            </a:r>
+          </a:p>
+          <a:p>
+            <a:r>
+              <a:rPr lang="fr-BE">
+                <a:solidFill>
+                  <a:schemeClr val="accent2"/>
+                </a:solidFill>
+                <a:latin typeface="Consolas" panose="020B0609020204030204" pitchFamily="49" charset="0"/>
+                <a:cs typeface="Courier New" panose="02070309020205020404" pitchFamily="49" charset="0"/>
+              </a:rPr>
+              <a:t>0 0</a:t>
+            </a:r>
+          </a:p>
+          <a:p>
+            <a:r>
+              <a:rPr lang="fr-BE">
+                <a:solidFill>
+                  <a:schemeClr val="accent2"/>
+                </a:solidFill>
+                <a:latin typeface="Consolas" panose="020B0609020204030204" pitchFamily="49" charset="0"/>
+                <a:cs typeface="Courier New" panose="02070309020205020404" pitchFamily="49" charset="0"/>
+              </a:rPr>
+              <a:t>2 2</a:t>
+            </a:r>
+          </a:p>
+          <a:p>
+            <a:r>
+              <a:rPr lang="fr-BE">
+                <a:solidFill>
+                  <a:schemeClr val="accent2"/>
+                </a:solidFill>
+                <a:latin typeface="Consolas" panose="020B0609020204030204" pitchFamily="49" charset="0"/>
+                <a:cs typeface="Courier New" panose="02070309020205020404" pitchFamily="49" charset="0"/>
+              </a:rPr>
+              <a:t>0 3</a:t>
+            </a:r>
+          </a:p>
+        </p:txBody>
+      </p:sp>
+    </p:spTree>
+    <p:extLst>
+      <p:ext uri="{BB962C8B-B14F-4D97-AF65-F5344CB8AC3E}">
+        <p14:creationId xmlns:p14="http://schemas.microsoft.com/office/powerpoint/2010/main" val="3766731644"/>
+      </p:ext>
+    </p:extLst>
+  </p:cSld>
+  <p:clrMapOvr>
+    <a:masterClrMapping/>
+  </p:clrMapOvr>
+  <mc:AlternateContent xmlns:mc="http://schemas.openxmlformats.org/markup-compatibility/2006" xmlns:p14="http://schemas.microsoft.com/office/powerpoint/2010/main">
+    <mc:Choice Requires="p14">
+      <p:transition spd="slow">
+        <p14:reveal/>
+      </p:transition>
+    </mc:Choice>
+    <mc:Fallback xmlns="">
+      <p:transition spd="slow">
+        <p:fade/>
+      </p:transition>
+    </mc:Fallback>
+  </mc:AlternateContent>
+</p:sld>
+</file>
+
+<file path=ppt/slides/slide45.xml><?xml version="1.0" encoding="utf-8"?>
+<p:sld xmlns:a="http://schemas.openxmlformats.org/drawingml/2006/main" xmlns:r="http://schemas.openxmlformats.org/officeDocument/2006/relationships" xmlns:p="http://schemas.openxmlformats.org/presentationml/2006/main">
+  <p:cSld>
+    <p:spTree>
+      <p:nvGrpSpPr>
+        <p:cNvPr id="1" name=""/>
+        <p:cNvGrpSpPr/>
+        <p:nvPr/>
+      </p:nvGrpSpPr>
+      <p:grpSpPr>
+        <a:xfrm>
+          <a:off x="0" y="0"/>
+          <a:ext cx="0" cy="0"/>
+          <a:chOff x="0" y="0"/>
+          <a:chExt cx="0" cy="0"/>
+        </a:xfrm>
+      </p:grpSpPr>
+      <p:sp>
+        <p:nvSpPr>
+          <p:cNvPr id="2" name="Titre 1">
+            <a:extLst>
+              <a:ext uri="{FF2B5EF4-FFF2-40B4-BE49-F238E27FC236}">
+                <a16:creationId xmlns:a16="http://schemas.microsoft.com/office/drawing/2014/main" id="{22C82FFC-1050-40EC-A2D1-E31AD1681D9F}"/>
+              </a:ext>
+            </a:extLst>
+          </p:cNvPr>
+          <p:cNvSpPr>
+            <a:spLocks noGrp="1"/>
+          </p:cNvSpPr>
+          <p:nvPr>
+            <p:ph type="title"/>
+          </p:nvPr>
+        </p:nvSpPr>
+        <p:spPr/>
+        <p:txBody>
+          <a:bodyPr>
+            <a:normAutofit/>
+          </a:bodyPr>
+          <a:lstStyle/>
+          <a:p>
+            <a:r>
+              <a:rPr lang="fr-BE"/>
+              <a:t>garbage collector : "vie et mort d'un objet"</a:t>
+            </a:r>
+          </a:p>
+        </p:txBody>
+      </p:sp>
+      <p:sp>
+        <p:nvSpPr>
+          <p:cNvPr id="16" name="Espace réservé du contenu 15">
+            <a:extLst>
+              <a:ext uri="{FF2B5EF4-FFF2-40B4-BE49-F238E27FC236}">
+                <a16:creationId xmlns:a16="http://schemas.microsoft.com/office/drawing/2014/main" id="{FA86EE84-1443-130B-E9EF-0B741497D50D}"/>
+              </a:ext>
+            </a:extLst>
+          </p:cNvPr>
+          <p:cNvSpPr>
+            <a:spLocks noGrp="1"/>
+          </p:cNvSpPr>
+          <p:nvPr>
+            <p:ph sz="half" idx="1"/>
+          </p:nvPr>
+        </p:nvSpPr>
+        <p:spPr/>
+        <p:txBody>
+          <a:bodyPr>
+            <a:normAutofit fontScale="92500" lnSpcReduction="10000"/>
+          </a:bodyPr>
+          <a:lstStyle/>
+          <a:p>
+            <a:r>
+              <a:rPr lang="fr-BE"/>
+              <a:t>"ramasse-miettes" ou "garbage collector" (GC)</a:t>
+            </a:r>
+          </a:p>
+          <a:p>
+            <a:r>
+              <a:rPr lang="fr-BE"/>
+              <a:t>gestionnaire automatique de la mémoire</a:t>
+            </a:r>
+          </a:p>
+          <a:p>
+            <a:pPr lvl="1"/>
+            <a:r>
+              <a:rPr lang="fr-BE"/>
+              <a:t>responsable du recyclage de la mémoire préalablement allouée puis inutilisée</a:t>
+            </a:r>
+          </a:p>
+          <a:p>
+            <a:r>
+              <a:rPr lang="fr-BE">
+                <a:solidFill>
+                  <a:schemeClr val="accent2"/>
+                </a:solidFill>
+              </a:rPr>
+              <a:t>En Python, le GC est automatique !</a:t>
+            </a:r>
+          </a:p>
+          <a:p>
+            <a:pPr lvl="1"/>
+            <a:r>
+              <a:rPr lang="fr-BE"/>
+              <a:t>cas particuliers : module </a:t>
+            </a:r>
+            <a:r>
+              <a:rPr lang="fr-BE">
+                <a:solidFill>
+                  <a:schemeClr val="accent6">
+                    <a:lumMod val="50000"/>
+                  </a:schemeClr>
+                </a:solidFill>
+                <a:latin typeface="Consolas" panose="020B0609020204030204" pitchFamily="49" charset="0"/>
+              </a:rPr>
+              <a:t>gc</a:t>
+            </a:r>
+          </a:p>
+          <a:p>
+            <a:pPr lvl="1"/>
+            <a:endParaRPr lang="fr-BE">
+              <a:solidFill>
+                <a:schemeClr val="accent2"/>
+              </a:solidFill>
+            </a:endParaRPr>
+          </a:p>
+        </p:txBody>
+      </p:sp>
+      <p:pic>
+        <p:nvPicPr>
+          <p:cNvPr id="19" name="Picture 6">
+            <a:extLst>
+              <a:ext uri="{FF2B5EF4-FFF2-40B4-BE49-F238E27FC236}">
+                <a16:creationId xmlns:a16="http://schemas.microsoft.com/office/drawing/2014/main" id="{46C12E65-95C2-B078-39A9-3F900B10AE02}"/>
+              </a:ext>
+            </a:extLst>
+          </p:cNvPr>
+          <p:cNvPicPr>
+            <a:picLocks noGrp="1" noChangeAspect="1" noChangeArrowheads="1"/>
+          </p:cNvPicPr>
+          <p:nvPr>
+            <p:ph sz="half" idx="2"/>
+          </p:nvPr>
+        </p:nvPicPr>
+        <p:blipFill>
+          <a:blip r:embed="rId2">
+            <a:extLst>
+              <a:ext uri="{28A0092B-C50C-407E-A947-70E740481C1C}">
+                <a14:useLocalDpi xmlns:a14="http://schemas.microsoft.com/office/drawing/2010/main"/>
+              </a:ext>
+            </a:extLst>
+          </a:blip>
+          <a:stretch>
+            <a:fillRect/>
+          </a:stretch>
+        </p:blipFill>
+        <p:spPr bwMode="auto">
+          <a:xfrm>
+            <a:off x="7715250" y="3267075"/>
+            <a:ext cx="2095500" cy="1333500"/>
+          </a:xfrm>
+          <a:prstGeom prst="rect">
+            <a:avLst/>
+          </a:prstGeom>
+          <a:noFill/>
+          <a:extLst>
+            <a:ext uri="{909E8E84-426E-40DD-AFC4-6F175D3DCCD1}">
+              <a14:hiddenFill xmlns:a14="http://schemas.microsoft.com/office/drawing/2010/main">
+                <a:solidFill>
+                  <a:srgbClr val="FFFFFF"/>
+                </a:solidFill>
+              </a14:hiddenFill>
+            </a:ext>
+          </a:extLst>
+        </p:spPr>
+      </p:pic>
+    </p:spTree>
+    <p:extLst>
+      <p:ext uri="{BB962C8B-B14F-4D97-AF65-F5344CB8AC3E}">
+        <p14:creationId xmlns:p14="http://schemas.microsoft.com/office/powerpoint/2010/main" val="4104551360"/>
+      </p:ext>
+    </p:extLst>
+  </p:cSld>
+  <p:clrMapOvr>
+    <a:masterClrMapping/>
+  </p:clrMapOvr>
+  <mc:AlternateContent xmlns:mc="http://schemas.openxmlformats.org/markup-compatibility/2006" xmlns:p14="http://schemas.microsoft.com/office/powerpoint/2010/main">
+    <mc:Choice Requires="p14">
+      <p:transition spd="slow">
+        <p14:reveal/>
+      </p:transition>
+    </mc:Choice>
+    <mc:Fallback xmlns="">
+      <p:transition spd="slow">
+        <p:fade/>
+      </p:transition>
+    </mc:Fallback>
+  </mc:AlternateContent>
+</p:sld>
+</file>
+
+<file path=ppt/slides/slide46.xml><?xml version="1.0" encoding="utf-8"?>
+<p:sld xmlns:a="http://schemas.openxmlformats.org/drawingml/2006/main" xmlns:r="http://schemas.openxmlformats.org/officeDocument/2006/relationships" xmlns:p="http://schemas.openxmlformats.org/presentationml/2006/main">
+  <p:cSld>
+    <p:spTree>
+      <p:nvGrpSpPr>
+        <p:cNvPr id="1" name=""/>
+        <p:cNvGrpSpPr/>
+        <p:nvPr/>
+      </p:nvGrpSpPr>
+      <p:grpSpPr>
+        <a:xfrm>
+          <a:off x="0" y="0"/>
+          <a:ext cx="0" cy="0"/>
+          <a:chOff x="0" y="0"/>
+          <a:chExt cx="0" cy="0"/>
+        </a:xfrm>
+      </p:grpSpPr>
+      <p:sp>
+        <p:nvSpPr>
+          <p:cNvPr id="2" name="Titre 1">
+            <a:extLst>
+              <a:ext uri="{FF2B5EF4-FFF2-40B4-BE49-F238E27FC236}">
                 <a16:creationId xmlns:a16="http://schemas.microsoft.com/office/drawing/2014/main" id="{22C82FFC-1050-40EC-A2D1-E31AD1681D9F}"/>
               </a:ext>
             </a:extLst>
@@ -14088,7 +14493,7 @@
 </p:sld>
 </file>
 
-<file path=ppt/slides/slide45.xml><?xml version="1.0" encoding="utf-8"?>
+<file path=ppt/slides/slide47.xml><?xml version="1.0" encoding="utf-8"?>
 <p:sld xmlns:a="http://schemas.openxmlformats.org/drawingml/2006/main" xmlns:r="http://schemas.openxmlformats.org/officeDocument/2006/relationships" xmlns:p="http://schemas.openxmlformats.org/presentationml/2006/main">
   <p:cSld>
     <p:spTree>
@@ -14515,7 +14920,7 @@
 </p:sld>
 </file>
 
-<file path=ppt/slides/slide46.xml><?xml version="1.0" encoding="utf-8"?>
+<file path=ppt/slides/slide48.xml><?xml version="1.0" encoding="utf-8"?>
 <p:sld xmlns:a="http://schemas.openxmlformats.org/drawingml/2006/main" xmlns:r="http://schemas.openxmlformats.org/officeDocument/2006/relationships" xmlns:p="http://schemas.openxmlformats.org/presentationml/2006/main">
   <p:cSld>
     <p:spTree>
@@ -14928,7 +15333,7 @@
 </p:sld>
 </file>
 
-<file path=ppt/slides/slide47.xml><?xml version="1.0" encoding="utf-8"?>
+<file path=ppt/slides/slide49.xml><?xml version="1.0" encoding="utf-8"?>
 <p:sld xmlns:a="http://schemas.openxmlformats.org/drawingml/2006/main" xmlns:r="http://schemas.openxmlformats.org/officeDocument/2006/relationships" xmlns:p="http://schemas.openxmlformats.org/presentationml/2006/main">
   <p:cSld>
     <p:spTree>
@@ -15391,7 +15796,127 @@
 </p:sld>
 </file>
 
-<file path=ppt/slides/slide48.xml><?xml version="1.0" encoding="utf-8"?>
+<file path=ppt/slides/slide5.xml><?xml version="1.0" encoding="utf-8"?>
+<p:sld xmlns:a="http://schemas.openxmlformats.org/drawingml/2006/main" xmlns:r="http://schemas.openxmlformats.org/officeDocument/2006/relationships" xmlns:p="http://schemas.openxmlformats.org/presentationml/2006/main">
+  <p:cSld>
+    <p:spTree>
+      <p:nvGrpSpPr>
+        <p:cNvPr id="1" name=""/>
+        <p:cNvGrpSpPr/>
+        <p:nvPr/>
+      </p:nvGrpSpPr>
+      <p:grpSpPr>
+        <a:xfrm>
+          <a:off x="0" y="0"/>
+          <a:ext cx="0" cy="0"/>
+          <a:chOff x="0" y="0"/>
+          <a:chExt cx="0" cy="0"/>
+        </a:xfrm>
+      </p:grpSpPr>
+      <p:sp>
+        <p:nvSpPr>
+          <p:cNvPr id="4" name="Titre 3">
+            <a:extLst>
+              <a:ext uri="{FF2B5EF4-FFF2-40B4-BE49-F238E27FC236}">
+                <a16:creationId xmlns:a16="http://schemas.microsoft.com/office/drawing/2014/main" id="{45CEC512-6B60-40BE-9EFB-6D778078130A}"/>
+              </a:ext>
+            </a:extLst>
+          </p:cNvPr>
+          <p:cNvSpPr>
+            <a:spLocks noGrp="1"/>
+          </p:cNvSpPr>
+          <p:nvPr>
+            <p:ph type="title"/>
+          </p:nvPr>
+        </p:nvSpPr>
+        <p:spPr/>
+        <p:txBody>
+          <a:bodyPr/>
+          <a:lstStyle/>
+          <a:p>
+            <a:r>
+              <a:rPr lang="fr-BE"/>
+              <a:t>Chapitre 11-01 : introduction</a:t>
+            </a:r>
+          </a:p>
+        </p:txBody>
+      </p:sp>
+      <p:sp>
+        <p:nvSpPr>
+          <p:cNvPr id="10" name="Espace réservé du texte 9">
+            <a:extLst>
+              <a:ext uri="{FF2B5EF4-FFF2-40B4-BE49-F238E27FC236}">
+                <a16:creationId xmlns:a16="http://schemas.microsoft.com/office/drawing/2014/main" id="{A15224A8-6FA1-4C86-3816-8ECE3BF52667}"/>
+              </a:ext>
+            </a:extLst>
+          </p:cNvPr>
+          <p:cNvSpPr>
+            <a:spLocks noGrp="1"/>
+          </p:cNvSpPr>
+          <p:nvPr>
+            <p:ph type="body" idx="1"/>
+          </p:nvPr>
+        </p:nvSpPr>
+        <p:spPr/>
+        <p:txBody>
+          <a:bodyPr/>
+          <a:lstStyle/>
+          <a:p>
+            <a:endParaRPr lang="fr-BE"/>
+          </a:p>
+        </p:txBody>
+      </p:sp>
+      <p:sp>
+        <p:nvSpPr>
+          <p:cNvPr id="11" name="Espace réservé pour une image  10">
+            <a:extLst>
+              <a:ext uri="{FF2B5EF4-FFF2-40B4-BE49-F238E27FC236}">
+                <a16:creationId xmlns:a16="http://schemas.microsoft.com/office/drawing/2014/main" id="{80A9DC04-CEBF-575D-7A2B-056F99FEAD88}"/>
+              </a:ext>
+            </a:extLst>
+          </p:cNvPr>
+          <p:cNvSpPr>
+            <a:spLocks noGrp="1"/>
+          </p:cNvSpPr>
+          <p:nvPr>
+            <p:ph type="pic" sz="quarter" idx="10"/>
+          </p:nvPr>
+        </p:nvSpPr>
+        <p:spPr/>
+        <p:txBody>
+          <a:bodyPr/>
+          <a:lstStyle/>
+          <a:p>
+            <a:endParaRPr lang="fr-BE"/>
+          </a:p>
+        </p:txBody>
+      </p:sp>
+    </p:spTree>
+    <p:extLst>
+      <p:ext uri="{BB962C8B-B14F-4D97-AF65-F5344CB8AC3E}">
+        <p14:creationId xmlns:p14="http://schemas.microsoft.com/office/powerpoint/2010/main" val="645965409"/>
+      </p:ext>
+    </p:extLst>
+  </p:cSld>
+  <p:clrMapOvr>
+    <a:masterClrMapping/>
+  </p:clrMapOvr>
+  <mc:AlternateContent xmlns:mc="http://schemas.openxmlformats.org/markup-compatibility/2006" xmlns:p14="http://schemas.microsoft.com/office/powerpoint/2010/main">
+    <mc:Choice Requires="p14">
+      <p:transition spd="slow">
+        <p14:reveal/>
+      </p:transition>
+    </mc:Choice>
+    <mc:Fallback xmlns="">
+      <p:transition spd="slow">
+        <p:fade/>
+      </p:transition>
+    </mc:Fallback>
+  </mc:AlternateContent>
+</p:sld>
+</file>
+
+<file path=ppt/slides/slide50.xml><?xml version="1.0" encoding="utf-8"?>
 <p:sld xmlns:a="http://schemas.openxmlformats.org/drawingml/2006/main" xmlns:r="http://schemas.openxmlformats.org/officeDocument/2006/relationships" xmlns:p="http://schemas.openxmlformats.org/presentationml/2006/main">
   <p:cSld>
     <p:spTree>
@@ -15786,7 +16311,7 @@
 </p:sld>
 </file>
 
-<file path=ppt/slides/slide49.xml><?xml version="1.0" encoding="utf-8"?>
+<file path=ppt/slides/slide51.xml><?xml version="1.0" encoding="utf-8"?>
 <p:sld xmlns:a="http://schemas.openxmlformats.org/drawingml/2006/main" xmlns:r="http://schemas.openxmlformats.org/officeDocument/2006/relationships" xmlns:p="http://schemas.openxmlformats.org/presentationml/2006/main">
   <p:cSld>
     <p:spTree>
@@ -15925,86 +16450,7 @@
 </p:sld>
 </file>
 
-<file path=ppt/slides/slide5.xml><?xml version="1.0" encoding="utf-8"?>
-<p:sld xmlns:a="http://schemas.openxmlformats.org/drawingml/2006/main" xmlns:r="http://schemas.openxmlformats.org/officeDocument/2006/relationships" xmlns:p="http://schemas.openxmlformats.org/presentationml/2006/main">
-  <p:cSld>
-    <p:spTree>
-      <p:nvGrpSpPr>
-        <p:cNvPr id="1" name=""/>
-        <p:cNvGrpSpPr/>
-        <p:nvPr/>
-      </p:nvGrpSpPr>
-      <p:grpSpPr>
-        <a:xfrm>
-          <a:off x="0" y="0"/>
-          <a:ext cx="0" cy="0"/>
-          <a:chOff x="0" y="0"/>
-          <a:chExt cx="0" cy="0"/>
-        </a:xfrm>
-      </p:grpSpPr>
-      <p:pic>
-        <p:nvPicPr>
-          <p:cNvPr id="3" name="Image 2" descr="11-01-Python-POO_introduction-2">
-            <a:extLst>
-              <a:ext uri="{FF2B5EF4-FFF2-40B4-BE49-F238E27FC236}">
-                <a16:creationId xmlns:a16="http://schemas.microsoft.com/office/drawing/2014/main" id="{A1F650A2-9C9A-4F30-993E-D43F7EC53C2A}"/>
-              </a:ext>
-            </a:extLst>
-          </p:cNvPr>
-          <p:cNvPicPr>
-            <a:picLocks noGrp="1" noChangeAspect="1"/>
-          </p:cNvPicPr>
-          <p:nvPr isPhoto="1"/>
-        </p:nvPicPr>
-        <p:blipFill>
-          <a:blip r:embed="rId2" cstate="email">
-            <a:lum/>
-            <a:extLst>
-              <a:ext uri="{28A0092B-C50C-407E-A947-70E740481C1C}">
-                <a14:useLocalDpi xmlns:a14="http://schemas.microsoft.com/office/drawing/2010/main"/>
-              </a:ext>
-            </a:extLst>
-          </a:blip>
-          <a:stretch>
-            <a:fillRect/>
-          </a:stretch>
-        </p:blipFill>
-        <p:spPr>
-          <a:xfrm>
-            <a:off x="1246188" y="0"/>
-            <a:ext cx="9698037" cy="6858000"/>
-          </a:xfrm>
-          <a:prstGeom prst="rect">
-            <a:avLst/>
-          </a:prstGeom>
-        </p:spPr>
-      </p:pic>
-    </p:spTree>
-    <p:extLst>
-      <p:ext uri="{BB962C8B-B14F-4D97-AF65-F5344CB8AC3E}">
-        <p14:creationId xmlns:p14="http://schemas.microsoft.com/office/powerpoint/2010/main" val="1491017671"/>
-      </p:ext>
-    </p:extLst>
-  </p:cSld>
-  <p:clrMapOvr>
-    <a:masterClrMapping/>
-  </p:clrMapOvr>
-  <mc:AlternateContent xmlns:mc="http://schemas.openxmlformats.org/markup-compatibility/2006" xmlns:p14="http://schemas.microsoft.com/office/powerpoint/2010/main">
-    <mc:Choice Requires="p14">
-      <p:transition spd="slow">
-        <p14:reveal/>
-      </p:transition>
-    </mc:Choice>
-    <mc:Fallback xmlns="">
-      <p:transition spd="slow">
-        <p:fade/>
-      </p:transition>
-    </mc:Fallback>
-  </mc:AlternateContent>
-</p:sld>
-</file>
-
-<file path=ppt/slides/slide50.xml><?xml version="1.0" encoding="utf-8"?>
+<file path=ppt/slides/slide52.xml><?xml version="1.0" encoding="utf-8"?>
 <p:sld xmlns:a="http://schemas.openxmlformats.org/drawingml/2006/main" xmlns:r="http://schemas.openxmlformats.org/officeDocument/2006/relationships" xmlns:p="http://schemas.openxmlformats.org/presentationml/2006/main">
   <p:cSld>
     <p:spTree>
@@ -16500,7 +16946,7 @@
 </p:sld>
 </file>
 
-<file path=ppt/slides/slide51.xml><?xml version="1.0" encoding="utf-8"?>
+<file path=ppt/slides/slide53.xml><?xml version="1.0" encoding="utf-8"?>
 <p:sld xmlns:a="http://schemas.openxmlformats.org/drawingml/2006/main" xmlns:r="http://schemas.openxmlformats.org/officeDocument/2006/relationships" xmlns:p="http://schemas.openxmlformats.org/presentationml/2006/main">
   <p:cSld>
     <p:spTree>
@@ -16652,7 +17098,7 @@
 </p:sld>
 </file>
 
-<file path=ppt/slides/slide52.xml><?xml version="1.0" encoding="utf-8"?>
+<file path=ppt/slides/slide54.xml><?xml version="1.0" encoding="utf-8"?>
 <p:sld xmlns:a="http://schemas.openxmlformats.org/drawingml/2006/main" xmlns:r="http://schemas.openxmlformats.org/officeDocument/2006/relationships" xmlns:p="http://schemas.openxmlformats.org/presentationml/2006/main">
   <p:cSld>
     <p:spTree>
@@ -17254,7 +17700,7 @@
 </p:sld>
 </file>
 
-<file path=ppt/slides/slide53.xml><?xml version="1.0" encoding="utf-8"?>
+<file path=ppt/slides/slide55.xml><?xml version="1.0" encoding="utf-8"?>
 <p:sld xmlns:a="http://schemas.openxmlformats.org/drawingml/2006/main" xmlns:r="http://schemas.openxmlformats.org/officeDocument/2006/relationships" xmlns:p="http://schemas.openxmlformats.org/presentationml/2006/main">
   <p:cSld>
     <p:spTree>
@@ -17675,7 +18121,7 @@
 </p:sld>
 </file>
 
-<file path=ppt/slides/slide54.xml><?xml version="1.0" encoding="utf-8"?>
+<file path=ppt/slides/slide56.xml><?xml version="1.0" encoding="utf-8"?>
 <p:sld xmlns:a="http://schemas.openxmlformats.org/drawingml/2006/main" xmlns:r="http://schemas.openxmlformats.org/officeDocument/2006/relationships" xmlns:p="http://schemas.openxmlformats.org/presentationml/2006/main">
   <p:cSld>
     <p:spTree>
@@ -18220,7 +18666,7 @@
 </p:sld>
 </file>
 
-<file path=ppt/slides/slide55.xml><?xml version="1.0" encoding="utf-8"?>
+<file path=ppt/slides/slide57.xml><?xml version="1.0" encoding="utf-8"?>
 <p:sld xmlns:a="http://schemas.openxmlformats.org/drawingml/2006/main" xmlns:r="http://schemas.openxmlformats.org/officeDocument/2006/relationships" xmlns:p="http://schemas.openxmlformats.org/presentationml/2006/main">
   <p:cSld>
     <p:spTree>
@@ -18340,7 +18786,7 @@
 </p:sld>
 </file>
 
-<file path=ppt/slides/slide56.xml><?xml version="1.0" encoding="utf-8"?>
+<file path=ppt/slides/slide58.xml><?xml version="1.0" encoding="utf-8"?>
 <p:sld xmlns:a="http://schemas.openxmlformats.org/drawingml/2006/main" xmlns:r="http://schemas.openxmlformats.org/officeDocument/2006/relationships" xmlns:p="http://schemas.openxmlformats.org/presentationml/2006/main">
   <p:cSld>
     <p:spTree>
@@ -18419,7 +18865,7 @@
 </p:sld>
 </file>
 
-<file path=ppt/slides/slide57.xml><?xml version="1.0" encoding="utf-8"?>
+<file path=ppt/slides/slide59.xml><?xml version="1.0" encoding="utf-8"?>
 <p:sld xmlns:a="http://schemas.openxmlformats.org/drawingml/2006/main" xmlns:r="http://schemas.openxmlformats.org/officeDocument/2006/relationships" xmlns:p="http://schemas.openxmlformats.org/presentationml/2006/main">
   <p:cSld>
     <p:spTree>
@@ -18498,7 +18944,86 @@
 </p:sld>
 </file>
 
-<file path=ppt/slides/slide58.xml><?xml version="1.0" encoding="utf-8"?>
+<file path=ppt/slides/slide6.xml><?xml version="1.0" encoding="utf-8"?>
+<p:sld xmlns:a="http://schemas.openxmlformats.org/drawingml/2006/main" xmlns:r="http://schemas.openxmlformats.org/officeDocument/2006/relationships" xmlns:p="http://schemas.openxmlformats.org/presentationml/2006/main">
+  <p:cSld>
+    <p:spTree>
+      <p:nvGrpSpPr>
+        <p:cNvPr id="1" name=""/>
+        <p:cNvGrpSpPr/>
+        <p:nvPr/>
+      </p:nvGrpSpPr>
+      <p:grpSpPr>
+        <a:xfrm>
+          <a:off x="0" y="0"/>
+          <a:ext cx="0" cy="0"/>
+          <a:chOff x="0" y="0"/>
+          <a:chExt cx="0" cy="0"/>
+        </a:xfrm>
+      </p:grpSpPr>
+      <p:pic>
+        <p:nvPicPr>
+          <p:cNvPr id="3" name="Image 2" descr="11-01-Python-POO_introduction-1">
+            <a:extLst>
+              <a:ext uri="{FF2B5EF4-FFF2-40B4-BE49-F238E27FC236}">
+                <a16:creationId xmlns:a16="http://schemas.microsoft.com/office/drawing/2014/main" id="{41BCEFF0-AD28-4DB7-8752-060EE3F36EBD}"/>
+              </a:ext>
+            </a:extLst>
+          </p:cNvPr>
+          <p:cNvPicPr>
+            <a:picLocks noGrp="1" noChangeAspect="1"/>
+          </p:cNvPicPr>
+          <p:nvPr isPhoto="1"/>
+        </p:nvPicPr>
+        <p:blipFill>
+          <a:blip r:embed="rId2" cstate="email">
+            <a:lum/>
+            <a:extLst>
+              <a:ext uri="{28A0092B-C50C-407E-A947-70E740481C1C}">
+                <a14:useLocalDpi xmlns:a14="http://schemas.microsoft.com/office/drawing/2010/main"/>
+              </a:ext>
+            </a:extLst>
+          </a:blip>
+          <a:stretch>
+            <a:fillRect/>
+          </a:stretch>
+        </p:blipFill>
+        <p:spPr>
+          <a:xfrm>
+            <a:off x="1246188" y="0"/>
+            <a:ext cx="9698037" cy="6858000"/>
+          </a:xfrm>
+          <a:prstGeom prst="rect">
+            <a:avLst/>
+          </a:prstGeom>
+        </p:spPr>
+      </p:pic>
+    </p:spTree>
+    <p:extLst>
+      <p:ext uri="{BB962C8B-B14F-4D97-AF65-F5344CB8AC3E}">
+        <p14:creationId xmlns:p14="http://schemas.microsoft.com/office/powerpoint/2010/main" val="3862486981"/>
+      </p:ext>
+    </p:extLst>
+  </p:cSld>
+  <p:clrMapOvr>
+    <a:masterClrMapping/>
+  </p:clrMapOvr>
+  <mc:AlternateContent xmlns:mc="http://schemas.openxmlformats.org/markup-compatibility/2006" xmlns:p14="http://schemas.microsoft.com/office/powerpoint/2010/main">
+    <mc:Choice Requires="p14">
+      <p:transition spd="slow">
+        <p14:reveal/>
+      </p:transition>
+    </mc:Choice>
+    <mc:Fallback xmlns="">
+      <p:transition spd="slow">
+        <p:fade/>
+      </p:transition>
+    </mc:Fallback>
+  </mc:AlternateContent>
+</p:sld>
+</file>
+
+<file path=ppt/slides/slide60.xml><?xml version="1.0" encoding="utf-8"?>
 <p:sld xmlns:a="http://schemas.openxmlformats.org/drawingml/2006/main" xmlns:r="http://schemas.openxmlformats.org/officeDocument/2006/relationships" xmlns:p="http://schemas.openxmlformats.org/presentationml/2006/main">
   <p:cSld>
     <p:spTree>
@@ -18577,7 +19102,7 @@
 </p:sld>
 </file>
 
-<file path=ppt/slides/slide59.xml><?xml version="1.0" encoding="utf-8"?>
+<file path=ppt/slides/slide61.xml><?xml version="1.0" encoding="utf-8"?>
 <p:sld xmlns:a="http://schemas.openxmlformats.org/drawingml/2006/main" xmlns:r="http://schemas.openxmlformats.org/officeDocument/2006/relationships" xmlns:p="http://schemas.openxmlformats.org/presentationml/2006/main">
   <p:cSld>
     <p:spTree>
@@ -18656,86 +19181,7 @@
 </p:sld>
 </file>
 
-<file path=ppt/slides/slide6.xml><?xml version="1.0" encoding="utf-8"?>
-<p:sld xmlns:a="http://schemas.openxmlformats.org/drawingml/2006/main" xmlns:r="http://schemas.openxmlformats.org/officeDocument/2006/relationships" xmlns:p="http://schemas.openxmlformats.org/presentationml/2006/main">
-  <p:cSld>
-    <p:spTree>
-      <p:nvGrpSpPr>
-        <p:cNvPr id="1" name=""/>
-        <p:cNvGrpSpPr/>
-        <p:nvPr/>
-      </p:nvGrpSpPr>
-      <p:grpSpPr>
-        <a:xfrm>
-          <a:off x="0" y="0"/>
-          <a:ext cx="0" cy="0"/>
-          <a:chOff x="0" y="0"/>
-          <a:chExt cx="0" cy="0"/>
-        </a:xfrm>
-      </p:grpSpPr>
-      <p:pic>
-        <p:nvPicPr>
-          <p:cNvPr id="3" name="Image 2" descr="11-01-Python-POO_introduction-3">
-            <a:extLst>
-              <a:ext uri="{FF2B5EF4-FFF2-40B4-BE49-F238E27FC236}">
-                <a16:creationId xmlns:a16="http://schemas.microsoft.com/office/drawing/2014/main" id="{FE135566-FEAD-439D-BB0C-239DD640D13C}"/>
-              </a:ext>
-            </a:extLst>
-          </p:cNvPr>
-          <p:cNvPicPr>
-            <a:picLocks noGrp="1" noChangeAspect="1"/>
-          </p:cNvPicPr>
-          <p:nvPr isPhoto="1"/>
-        </p:nvPicPr>
-        <p:blipFill>
-          <a:blip r:embed="rId2" cstate="email">
-            <a:lum/>
-            <a:extLst>
-              <a:ext uri="{28A0092B-C50C-407E-A947-70E740481C1C}">
-                <a14:useLocalDpi xmlns:a14="http://schemas.microsoft.com/office/drawing/2010/main"/>
-              </a:ext>
-            </a:extLst>
-          </a:blip>
-          <a:stretch>
-            <a:fillRect/>
-          </a:stretch>
-        </p:blipFill>
-        <p:spPr>
-          <a:xfrm>
-            <a:off x="1246188" y="0"/>
-            <a:ext cx="9698037" cy="6858000"/>
-          </a:xfrm>
-          <a:prstGeom prst="rect">
-            <a:avLst/>
-          </a:prstGeom>
-        </p:spPr>
-      </p:pic>
-    </p:spTree>
-    <p:extLst>
-      <p:ext uri="{BB962C8B-B14F-4D97-AF65-F5344CB8AC3E}">
-        <p14:creationId xmlns:p14="http://schemas.microsoft.com/office/powerpoint/2010/main" val="740448894"/>
-      </p:ext>
-    </p:extLst>
-  </p:cSld>
-  <p:clrMapOvr>
-    <a:masterClrMapping/>
-  </p:clrMapOvr>
-  <mc:AlternateContent xmlns:mc="http://schemas.openxmlformats.org/markup-compatibility/2006" xmlns:p14="http://schemas.microsoft.com/office/powerpoint/2010/main">
-    <mc:Choice Requires="p14">
-      <p:transition spd="slow">
-        <p14:reveal/>
-      </p:transition>
-    </mc:Choice>
-    <mc:Fallback xmlns="">
-      <p:transition spd="slow">
-        <p:fade/>
-      </p:transition>
-    </mc:Fallback>
-  </mc:AlternateContent>
-</p:sld>
-</file>
-
-<file path=ppt/slides/slide60.xml><?xml version="1.0" encoding="utf-8"?>
+<file path=ppt/slides/slide62.xml><?xml version="1.0" encoding="utf-8"?>
 <p:sld xmlns:a="http://schemas.openxmlformats.org/drawingml/2006/main" xmlns:r="http://schemas.openxmlformats.org/officeDocument/2006/relationships" xmlns:p="http://schemas.openxmlformats.org/presentationml/2006/main">
   <p:cSld>
     <p:spTree>
@@ -18814,7 +19260,7 @@
 </p:sld>
 </file>
 
-<file path=ppt/slides/slide61.xml><?xml version="1.0" encoding="utf-8"?>
+<file path=ppt/slides/slide63.xml><?xml version="1.0" encoding="utf-8"?>
 <p:sld xmlns:a="http://schemas.openxmlformats.org/drawingml/2006/main" xmlns:r="http://schemas.openxmlformats.org/officeDocument/2006/relationships" xmlns:p="http://schemas.openxmlformats.org/presentationml/2006/main">
   <p:cSld>
     <p:spTree>
@@ -18893,7 +19339,7 @@
 </p:sld>
 </file>
 
-<file path=ppt/slides/slide62.xml><?xml version="1.0" encoding="utf-8"?>
+<file path=ppt/slides/slide64.xml><?xml version="1.0" encoding="utf-8"?>
 <p:sld xmlns:a="http://schemas.openxmlformats.org/drawingml/2006/main" xmlns:r="http://schemas.openxmlformats.org/officeDocument/2006/relationships" xmlns:p="http://schemas.openxmlformats.org/presentationml/2006/main">
   <p:cSld>
     <p:spTree>
@@ -18972,7 +19418,7 @@
 </p:sld>
 </file>
 
-<file path=ppt/slides/slide63.xml><?xml version="1.0" encoding="utf-8"?>
+<file path=ppt/slides/slide65.xml><?xml version="1.0" encoding="utf-8"?>
 <p:sld xmlns:a="http://schemas.openxmlformats.org/drawingml/2006/main" xmlns:r="http://schemas.openxmlformats.org/officeDocument/2006/relationships" xmlns:p="http://schemas.openxmlformats.org/presentationml/2006/main">
   <p:cSld>
     <p:spTree>
@@ -19863,7 +20309,7 @@
 </p:sld>
 </file>
 
-<file path=ppt/slides/slide64.xml><?xml version="1.0" encoding="utf-8"?>
+<file path=ppt/slides/slide66.xml><?xml version="1.0" encoding="utf-8"?>
 <p:sld xmlns:a="http://schemas.openxmlformats.org/drawingml/2006/main" xmlns:r="http://schemas.openxmlformats.org/officeDocument/2006/relationships" xmlns:p="http://schemas.openxmlformats.org/presentationml/2006/main">
   <p:cSld>
     <p:spTree>
@@ -20638,7 +21084,7 @@
 </p:sld>
 </file>
 
-<file path=ppt/slides/slide65.xml><?xml version="1.0" encoding="utf-8"?>
+<file path=ppt/slides/slide67.xml><?xml version="1.0" encoding="utf-8"?>
 <p:sld xmlns:a="http://schemas.openxmlformats.org/drawingml/2006/main" xmlns:r="http://schemas.openxmlformats.org/officeDocument/2006/relationships" xmlns:p="http://schemas.openxmlformats.org/presentationml/2006/main">
   <p:cSld>
     <p:spTree>
@@ -22038,7 +22484,7 @@
 </p:sld>
 </file>
 
-<file path=ppt/slides/slide66.xml><?xml version="1.0" encoding="utf-8"?>
+<file path=ppt/slides/slide68.xml><?xml version="1.0" encoding="utf-8"?>
 <p:sld xmlns:a="http://schemas.openxmlformats.org/drawingml/2006/main" xmlns:r="http://schemas.openxmlformats.org/officeDocument/2006/relationships" xmlns:p="http://schemas.openxmlformats.org/presentationml/2006/main">
   <p:cSld>
     <p:spTree>
@@ -22429,7 +22875,7 @@
 </p:sld>
 </file>
 
-<file path=ppt/slides/slide67.xml><?xml version="1.0" encoding="utf-8"?>
+<file path=ppt/slides/slide69.xml><?xml version="1.0" encoding="utf-8"?>
 <p:sld xmlns:a="http://schemas.openxmlformats.org/drawingml/2006/main" xmlns:r="http://schemas.openxmlformats.org/officeDocument/2006/relationships" xmlns:p="http://schemas.openxmlformats.org/presentationml/2006/main">
   <p:cSld>
     <p:spTree>
@@ -23164,7 +23610,86 @@
 </p:sld>
 </file>
 
-<file path=ppt/slides/slide68.xml><?xml version="1.0" encoding="utf-8"?>
+<file path=ppt/slides/slide7.xml><?xml version="1.0" encoding="utf-8"?>
+<p:sld xmlns:a="http://schemas.openxmlformats.org/drawingml/2006/main" xmlns:r="http://schemas.openxmlformats.org/officeDocument/2006/relationships" xmlns:p="http://schemas.openxmlformats.org/presentationml/2006/main">
+  <p:cSld>
+    <p:spTree>
+      <p:nvGrpSpPr>
+        <p:cNvPr id="1" name=""/>
+        <p:cNvGrpSpPr/>
+        <p:nvPr/>
+      </p:nvGrpSpPr>
+      <p:grpSpPr>
+        <a:xfrm>
+          <a:off x="0" y="0"/>
+          <a:ext cx="0" cy="0"/>
+          <a:chOff x="0" y="0"/>
+          <a:chExt cx="0" cy="0"/>
+        </a:xfrm>
+      </p:grpSpPr>
+      <p:pic>
+        <p:nvPicPr>
+          <p:cNvPr id="3" name="Image 2" descr="11-01-Python-POO_introduction-2">
+            <a:extLst>
+              <a:ext uri="{FF2B5EF4-FFF2-40B4-BE49-F238E27FC236}">
+                <a16:creationId xmlns:a16="http://schemas.microsoft.com/office/drawing/2014/main" id="{A1F650A2-9C9A-4F30-993E-D43F7EC53C2A}"/>
+              </a:ext>
+            </a:extLst>
+          </p:cNvPr>
+          <p:cNvPicPr>
+            <a:picLocks noGrp="1" noChangeAspect="1"/>
+          </p:cNvPicPr>
+          <p:nvPr isPhoto="1"/>
+        </p:nvPicPr>
+        <p:blipFill>
+          <a:blip r:embed="rId2" cstate="email">
+            <a:lum/>
+            <a:extLst>
+              <a:ext uri="{28A0092B-C50C-407E-A947-70E740481C1C}">
+                <a14:useLocalDpi xmlns:a14="http://schemas.microsoft.com/office/drawing/2010/main"/>
+              </a:ext>
+            </a:extLst>
+          </a:blip>
+          <a:stretch>
+            <a:fillRect/>
+          </a:stretch>
+        </p:blipFill>
+        <p:spPr>
+          <a:xfrm>
+            <a:off x="1246188" y="0"/>
+            <a:ext cx="9698037" cy="6858000"/>
+          </a:xfrm>
+          <a:prstGeom prst="rect">
+            <a:avLst/>
+          </a:prstGeom>
+        </p:spPr>
+      </p:pic>
+    </p:spTree>
+    <p:extLst>
+      <p:ext uri="{BB962C8B-B14F-4D97-AF65-F5344CB8AC3E}">
+        <p14:creationId xmlns:p14="http://schemas.microsoft.com/office/powerpoint/2010/main" val="1491017671"/>
+      </p:ext>
+    </p:extLst>
+  </p:cSld>
+  <p:clrMapOvr>
+    <a:masterClrMapping/>
+  </p:clrMapOvr>
+  <mc:AlternateContent xmlns:mc="http://schemas.openxmlformats.org/markup-compatibility/2006" xmlns:p14="http://schemas.microsoft.com/office/powerpoint/2010/main">
+    <mc:Choice Requires="p14">
+      <p:transition spd="slow">
+        <p14:reveal/>
+      </p:transition>
+    </mc:Choice>
+    <mc:Fallback xmlns="">
+      <p:transition spd="slow">
+        <p:fade/>
+      </p:transition>
+    </mc:Fallback>
+  </mc:AlternateContent>
+</p:sld>
+</file>
+
+<file path=ppt/slides/slide70.xml><?xml version="1.0" encoding="utf-8"?>
 <p:sld xmlns:a="http://schemas.openxmlformats.org/drawingml/2006/main" xmlns:r="http://schemas.openxmlformats.org/officeDocument/2006/relationships" xmlns:p="http://schemas.openxmlformats.org/presentationml/2006/main">
   <p:cSld>
     <p:spTree>
@@ -23379,7 +23904,7 @@
 </p:sld>
 </file>
 
-<file path=ppt/slides/slide69.xml><?xml version="1.0" encoding="utf-8"?>
+<file path=ppt/slides/slide71.xml><?xml version="1.0" encoding="utf-8"?>
 <p:sld xmlns:a="http://schemas.openxmlformats.org/drawingml/2006/main" xmlns:r="http://schemas.openxmlformats.org/officeDocument/2006/relationships" xmlns:p="http://schemas.openxmlformats.org/presentationml/2006/main">
   <p:cSld>
     <p:spTree>
@@ -23932,86 +24457,7 @@
 </p:sld>
 </file>
 
-<file path=ppt/slides/slide7.xml><?xml version="1.0" encoding="utf-8"?>
-<p:sld xmlns:a="http://schemas.openxmlformats.org/drawingml/2006/main" xmlns:r="http://schemas.openxmlformats.org/officeDocument/2006/relationships" xmlns:p="http://schemas.openxmlformats.org/presentationml/2006/main">
-  <p:cSld>
-    <p:spTree>
-      <p:nvGrpSpPr>
-        <p:cNvPr id="1" name=""/>
-        <p:cNvGrpSpPr/>
-        <p:nvPr/>
-      </p:nvGrpSpPr>
-      <p:grpSpPr>
-        <a:xfrm>
-          <a:off x="0" y="0"/>
-          <a:ext cx="0" cy="0"/>
-          <a:chOff x="0" y="0"/>
-          <a:chExt cx="0" cy="0"/>
-        </a:xfrm>
-      </p:grpSpPr>
-      <p:pic>
-        <p:nvPicPr>
-          <p:cNvPr id="3" name="Image 2" descr="11-01-Python-POO_introduction-4">
-            <a:extLst>
-              <a:ext uri="{FF2B5EF4-FFF2-40B4-BE49-F238E27FC236}">
-                <a16:creationId xmlns:a16="http://schemas.microsoft.com/office/drawing/2014/main" id="{81ACF768-9622-4A39-8FB2-012BCC4663BB}"/>
-              </a:ext>
-            </a:extLst>
-          </p:cNvPr>
-          <p:cNvPicPr>
-            <a:picLocks noGrp="1" noChangeAspect="1"/>
-          </p:cNvPicPr>
-          <p:nvPr isPhoto="1"/>
-        </p:nvPicPr>
-        <p:blipFill>
-          <a:blip r:embed="rId2" cstate="email">
-            <a:lum/>
-            <a:extLst>
-              <a:ext uri="{28A0092B-C50C-407E-A947-70E740481C1C}">
-                <a14:useLocalDpi xmlns:a14="http://schemas.microsoft.com/office/drawing/2010/main"/>
-              </a:ext>
-            </a:extLst>
-          </a:blip>
-          <a:stretch>
-            <a:fillRect/>
-          </a:stretch>
-        </p:blipFill>
-        <p:spPr>
-          <a:xfrm>
-            <a:off x="1246188" y="0"/>
-            <a:ext cx="9698037" cy="6858000"/>
-          </a:xfrm>
-          <a:prstGeom prst="rect">
-            <a:avLst/>
-          </a:prstGeom>
-        </p:spPr>
-      </p:pic>
-    </p:spTree>
-    <p:extLst>
-      <p:ext uri="{BB962C8B-B14F-4D97-AF65-F5344CB8AC3E}">
-        <p14:creationId xmlns:p14="http://schemas.microsoft.com/office/powerpoint/2010/main" val="3139027651"/>
-      </p:ext>
-    </p:extLst>
-  </p:cSld>
-  <p:clrMapOvr>
-    <a:masterClrMapping/>
-  </p:clrMapOvr>
-  <mc:AlternateContent xmlns:mc="http://schemas.openxmlformats.org/markup-compatibility/2006" xmlns:p14="http://schemas.microsoft.com/office/powerpoint/2010/main">
-    <mc:Choice Requires="p14">
-      <p:transition spd="slow">
-        <p14:reveal/>
-      </p:transition>
-    </mc:Choice>
-    <mc:Fallback xmlns="">
-      <p:transition spd="slow">
-        <p:fade/>
-      </p:transition>
-    </mc:Fallback>
-  </mc:AlternateContent>
-</p:sld>
-</file>
-
-<file path=ppt/slides/slide70.xml><?xml version="1.0" encoding="utf-8"?>
+<file path=ppt/slides/slide72.xml><?xml version="1.0" encoding="utf-8"?>
 <p:sld xmlns:a="http://schemas.openxmlformats.org/drawingml/2006/main" xmlns:r="http://schemas.openxmlformats.org/officeDocument/2006/relationships" xmlns:p="http://schemas.openxmlformats.org/presentationml/2006/main">
   <p:cSld>
     <p:spTree>
@@ -24063,7 +24509,7 @@
         <p:spPr/>
         <p:txBody>
           <a:bodyPr numCol="2">
-            <a:normAutofit fontScale="85000" lnSpcReduction="20000"/>
+            <a:normAutofit fontScale="77500" lnSpcReduction="20000"/>
           </a:bodyPr>
           <a:lstStyle/>
           <a:p>
@@ -24275,415 +24721,6 @@
     <p:extLst>
       <p:ext uri="{BB962C8B-B14F-4D97-AF65-F5344CB8AC3E}">
         <p14:creationId xmlns:p14="http://schemas.microsoft.com/office/powerpoint/2010/main" val="3734795086"/>
-      </p:ext>
-    </p:extLst>
-  </p:cSld>
-  <p:clrMapOvr>
-    <a:masterClrMapping/>
-  </p:clrMapOvr>
-  <mc:AlternateContent xmlns:mc="http://schemas.openxmlformats.org/markup-compatibility/2006" xmlns:p14="http://schemas.microsoft.com/office/powerpoint/2010/main">
-    <mc:Choice Requires="p14">
-      <p:transition spd="slow">
-        <p14:reveal/>
-      </p:transition>
-    </mc:Choice>
-    <mc:Fallback xmlns="">
-      <p:transition spd="slow">
-        <p:fade/>
-      </p:transition>
-    </mc:Fallback>
-  </mc:AlternateContent>
-</p:sld>
-</file>
-
-<file path=ppt/slides/slide71.xml><?xml version="1.0" encoding="utf-8"?>
-<p:sld xmlns:a="http://schemas.openxmlformats.org/drawingml/2006/main" xmlns:r="http://schemas.openxmlformats.org/officeDocument/2006/relationships" xmlns:p="http://schemas.openxmlformats.org/presentationml/2006/main">
-  <p:cSld>
-    <p:spTree>
-      <p:nvGrpSpPr>
-        <p:cNvPr id="1" name=""/>
-        <p:cNvGrpSpPr/>
-        <p:nvPr/>
-      </p:nvGrpSpPr>
-      <p:grpSpPr>
-        <a:xfrm>
-          <a:off x="0" y="0"/>
-          <a:ext cx="0" cy="0"/>
-          <a:chOff x="0" y="0"/>
-          <a:chExt cx="0" cy="0"/>
-        </a:xfrm>
-      </p:grpSpPr>
-      <p:sp>
-        <p:nvSpPr>
-          <p:cNvPr id="2" name="Titre 1"/>
-          <p:cNvSpPr>
-            <a:spLocks noGrp="1"/>
-          </p:cNvSpPr>
-          <p:nvPr>
-            <p:ph type="title"/>
-          </p:nvPr>
-        </p:nvSpPr>
-        <p:spPr/>
-        <p:txBody>
-          <a:bodyPr/>
-          <a:lstStyle/>
-          <a:p>
-            <a:r>
-              <a:rPr lang="fr-BE" dirty="0"/>
-              <a:t>Exo 11-03-43-a : jouons avec les dés</a:t>
-            </a:r>
-          </a:p>
-        </p:txBody>
-      </p:sp>
-      <p:sp>
-        <p:nvSpPr>
-          <p:cNvPr id="3" name="Espace réservé du contenu 2"/>
-          <p:cNvSpPr>
-            <a:spLocks noGrp="1"/>
-          </p:cNvSpPr>
-          <p:nvPr>
-            <p:ph idx="1"/>
-          </p:nvPr>
-        </p:nvSpPr>
-        <p:spPr>
-          <a:xfrm>
-            <a:off x="838200" y="1690689"/>
-            <a:ext cx="6505575" cy="4486276"/>
-          </a:xfrm>
-        </p:spPr>
-        <p:txBody>
-          <a:bodyPr>
-            <a:normAutofit fontScale="92500" lnSpcReduction="10000"/>
-          </a:bodyPr>
-          <a:lstStyle/>
-          <a:p>
-            <a:pPr fontAlgn="base"/>
-            <a:r>
-              <a:rPr lang="fr-BE" dirty="0"/>
-              <a:t>Un « jeu de dés » contient plusieurs dés.</a:t>
-            </a:r>
-          </a:p>
-          <a:p>
-            <a:pPr fontAlgn="base"/>
-            <a:r>
-              <a:rPr lang="fr-BE" dirty="0"/>
-              <a:t>Implémenter les deux classes</a:t>
-            </a:r>
-          </a:p>
-          <a:p>
-            <a:pPr lvl="1" fontAlgn="base"/>
-            <a:r>
-              <a:rPr lang="fr-BE" dirty="0">
-                <a:solidFill>
-                  <a:srgbClr val="996633"/>
-                </a:solidFill>
-                <a:latin typeface="Consolas" panose="020B0609020204030204" pitchFamily="49" charset="0"/>
-                <a:cs typeface="Courier New" panose="02070309020205020404" pitchFamily="49" charset="0"/>
-              </a:rPr>
-              <a:t>Jeu</a:t>
-            </a:r>
-          </a:p>
-          <a:p>
-            <a:pPr lvl="1" fontAlgn="base"/>
-            <a:r>
-              <a:rPr lang="fr-BE" dirty="0">
-                <a:solidFill>
-                  <a:srgbClr val="996633"/>
-                </a:solidFill>
-                <a:latin typeface="Consolas" panose="020B0609020204030204" pitchFamily="49" charset="0"/>
-                <a:cs typeface="Courier New" panose="02070309020205020404" pitchFamily="49" charset="0"/>
-              </a:rPr>
-              <a:t>Dé</a:t>
-            </a:r>
-          </a:p>
-          <a:p>
-            <a:r>
-              <a:rPr lang="fr-BE" dirty="0"/>
-              <a:t>Instancier un jeu de 3 dés et afficher le résultat d’un lancer.</a:t>
-            </a:r>
-          </a:p>
-          <a:p>
-            <a:r>
-              <a:rPr lang="fr-BE" i="1" dirty="0"/>
-              <a:t>Référence : https://info.blaisepascal.fr/1t-poo-des-des</a:t>
-            </a:r>
-          </a:p>
-        </p:txBody>
-      </p:sp>
-      <p:pic>
-        <p:nvPicPr>
-          <p:cNvPr id="2050" name="Picture 2" descr="https://info.blaisepascal.fr/wp-content/uploads/2020/09/drawit-diagram-10.png"/>
-          <p:cNvPicPr>
-            <a:picLocks noChangeAspect="1" noChangeArrowheads="1"/>
-          </p:cNvPicPr>
-          <p:nvPr/>
-        </p:nvPicPr>
-        <p:blipFill>
-          <a:blip r:embed="rId2">
-            <a:extLst>
-              <a:ext uri="{28A0092B-C50C-407E-A947-70E740481C1C}">
-                <a14:useLocalDpi xmlns:a14="http://schemas.microsoft.com/office/drawing/2010/main"/>
-              </a:ext>
-            </a:extLst>
-          </a:blip>
-          <a:srcRect/>
-          <a:stretch>
-            <a:fillRect/>
-          </a:stretch>
-        </p:blipFill>
-        <p:spPr bwMode="auto">
-          <a:xfrm>
-            <a:off x="6490829" y="2707787"/>
-            <a:ext cx="5320414" cy="1137382"/>
-          </a:xfrm>
-          <a:prstGeom prst="rect">
-            <a:avLst/>
-          </a:prstGeom>
-          <a:noFill/>
-          <a:ln>
-            <a:noFill/>
-          </a:ln>
-          <a:extLst>
-            <a:ext uri="{909E8E84-426E-40DD-AFC4-6F175D3DCCD1}">
-              <a14:hiddenFill xmlns:a14="http://schemas.microsoft.com/office/drawing/2010/main">
-                <a:solidFill>
-                  <a:srgbClr val="FFFFFF"/>
-                </a:solidFill>
-              </a14:hiddenFill>
-            </a:ext>
-          </a:extLst>
-        </p:spPr>
-      </p:pic>
-      <p:pic>
-        <p:nvPicPr>
-          <p:cNvPr id="2052" name="Picture 4" descr="https://upload.wikimedia.org/wikipedia/commons/thumb/c/c4/2-Dice-Icon.svg/900px-2-Dice-Icon.svg.png"/>
-          <p:cNvPicPr>
-            <a:picLocks noChangeAspect="1" noChangeArrowheads="1"/>
-          </p:cNvPicPr>
-          <p:nvPr/>
-        </p:nvPicPr>
-        <p:blipFill>
-          <a:blip r:embed="rId3" cstate="email">
-            <a:extLst>
-              <a:ext uri="{28A0092B-C50C-407E-A947-70E740481C1C}">
-                <a14:useLocalDpi xmlns:a14="http://schemas.microsoft.com/office/drawing/2010/main"/>
-              </a:ext>
-            </a:extLst>
-          </a:blip>
-          <a:srcRect/>
-          <a:stretch>
-            <a:fillRect/>
-          </a:stretch>
-        </p:blipFill>
-        <p:spPr bwMode="auto">
-          <a:xfrm>
-            <a:off x="10527323" y="171450"/>
-            <a:ext cx="1448043" cy="1448043"/>
-          </a:xfrm>
-          <a:prstGeom prst="rect">
-            <a:avLst/>
-          </a:prstGeom>
-          <a:noFill/>
-          <a:extLst>
-            <a:ext uri="{909E8E84-426E-40DD-AFC4-6F175D3DCCD1}">
-              <a14:hiddenFill xmlns:a14="http://schemas.microsoft.com/office/drawing/2010/main">
-                <a:solidFill>
-                  <a:srgbClr val="FFFFFF"/>
-                </a:solidFill>
-              </a14:hiddenFill>
-            </a:ext>
-          </a:extLst>
-        </p:spPr>
-      </p:pic>
-    </p:spTree>
-    <p:extLst>
-      <p:ext uri="{BB962C8B-B14F-4D97-AF65-F5344CB8AC3E}">
-        <p14:creationId xmlns:p14="http://schemas.microsoft.com/office/powerpoint/2010/main" val="2105112104"/>
-      </p:ext>
-    </p:extLst>
-  </p:cSld>
-  <p:clrMapOvr>
-    <a:masterClrMapping/>
-  </p:clrMapOvr>
-  <mc:AlternateContent xmlns:mc="http://schemas.openxmlformats.org/markup-compatibility/2006" xmlns:p14="http://schemas.microsoft.com/office/powerpoint/2010/main">
-    <mc:Choice Requires="p14">
-      <p:transition spd="slow">
-        <p14:reveal/>
-      </p:transition>
-    </mc:Choice>
-    <mc:Fallback xmlns="">
-      <p:transition spd="slow">
-        <p:fade/>
-      </p:transition>
-    </mc:Fallback>
-  </mc:AlternateContent>
-</p:sld>
-</file>
-
-<file path=ppt/slides/slide72.xml><?xml version="1.0" encoding="utf-8"?>
-<p:sld xmlns:a="http://schemas.openxmlformats.org/drawingml/2006/main" xmlns:r="http://schemas.openxmlformats.org/officeDocument/2006/relationships" xmlns:p="http://schemas.openxmlformats.org/presentationml/2006/main">
-  <p:cSld>
-    <p:spTree>
-      <p:nvGrpSpPr>
-        <p:cNvPr id="1" name=""/>
-        <p:cNvGrpSpPr/>
-        <p:nvPr/>
-      </p:nvGrpSpPr>
-      <p:grpSpPr>
-        <a:xfrm>
-          <a:off x="0" y="0"/>
-          <a:ext cx="0" cy="0"/>
-          <a:chOff x="0" y="0"/>
-          <a:chExt cx="0" cy="0"/>
-        </a:xfrm>
-      </p:grpSpPr>
-      <p:sp>
-        <p:nvSpPr>
-          <p:cNvPr id="2" name="Titre 1"/>
-          <p:cNvSpPr>
-            <a:spLocks noGrp="1"/>
-          </p:cNvSpPr>
-          <p:nvPr>
-            <p:ph type="title"/>
-          </p:nvPr>
-        </p:nvSpPr>
-        <p:spPr/>
-        <p:txBody>
-          <a:bodyPr/>
-          <a:lstStyle/>
-          <a:p>
-            <a:r>
-              <a:rPr lang="fr-BE" dirty="0"/>
-              <a:t>Exo 11-03-43-b : jouons avec les dés</a:t>
-            </a:r>
-          </a:p>
-        </p:txBody>
-      </p:sp>
-      <p:sp>
-        <p:nvSpPr>
-          <p:cNvPr id="3" name="Espace réservé du contenu 2"/>
-          <p:cNvSpPr>
-            <a:spLocks noGrp="1"/>
-          </p:cNvSpPr>
-          <p:nvPr>
-            <p:ph idx="1"/>
-          </p:nvPr>
-        </p:nvSpPr>
-        <p:spPr/>
-        <p:txBody>
-          <a:bodyPr>
-            <a:normAutofit/>
-          </a:bodyPr>
-          <a:lstStyle/>
-          <a:p>
-            <a:r>
-              <a:rPr lang="fr-BE" dirty="0"/>
-              <a:t>Maintenant, les valeurs des dés restent </a:t>
-            </a:r>
-            <a:r>
-              <a:rPr lang="fr-BE" dirty="0">
-                <a:solidFill>
-                  <a:schemeClr val="accent2"/>
-                </a:solidFill>
-              </a:rPr>
-              <a:t>mémorisées</a:t>
-            </a:r>
-            <a:r>
-              <a:rPr lang="fr-BE" dirty="0"/>
-              <a:t> au sein même des objets </a:t>
-            </a:r>
-            <a:r>
-              <a:rPr lang="fr-BE" dirty="0">
-                <a:solidFill>
-                  <a:srgbClr val="996633"/>
-                </a:solidFill>
-                <a:latin typeface="Consolas" panose="020B0609020204030204" pitchFamily="49" charset="0"/>
-                <a:cs typeface="Courier New" panose="02070309020205020404" pitchFamily="49" charset="0"/>
-              </a:rPr>
-              <a:t>Dé</a:t>
-            </a:r>
-            <a:r>
-              <a:rPr lang="fr-BE" dirty="0">
-                <a:solidFill>
-                  <a:schemeClr val="accent6">
-                    <a:lumMod val="50000"/>
-                  </a:schemeClr>
-                </a:solidFill>
-              </a:rPr>
-              <a:t> </a:t>
-            </a:r>
-            <a:r>
-              <a:rPr lang="fr-BE" dirty="0"/>
-              <a:t>(comme si les dés du jeu étaient posés sur le plateau de jeu).</a:t>
-            </a:r>
-          </a:p>
-          <a:p>
-            <a:r>
-              <a:rPr lang="fr-BE" dirty="0"/>
-              <a:t>La valeur de chaque dé est mémorisé au sein de chacun des objets </a:t>
-            </a:r>
-            <a:r>
-              <a:rPr lang="fr-BE" dirty="0">
-                <a:solidFill>
-                  <a:srgbClr val="996633"/>
-                </a:solidFill>
-                <a:latin typeface="Consolas" panose="020B0609020204030204" pitchFamily="49" charset="0"/>
-                <a:cs typeface="Courier New" panose="02070309020205020404" pitchFamily="49" charset="0"/>
-              </a:rPr>
-              <a:t>Dé</a:t>
-            </a:r>
-            <a:r>
-              <a:rPr lang="fr-BE" dirty="0"/>
-              <a:t>, dans un nouvel attribut valeur.</a:t>
-            </a:r>
-          </a:p>
-        </p:txBody>
-      </p:sp>
-      <p:pic>
-        <p:nvPicPr>
-          <p:cNvPr id="2052" name="Picture 4" descr="https://upload.wikimedia.org/wikipedia/commons/thumb/c/c4/2-Dice-Icon.svg/900px-2-Dice-Icon.svg.png"/>
-          <p:cNvPicPr>
-            <a:picLocks noChangeAspect="1" noChangeArrowheads="1"/>
-          </p:cNvPicPr>
-          <p:nvPr/>
-        </p:nvPicPr>
-        <p:blipFill>
-          <a:blip r:embed="rId2" cstate="email">
-            <a:extLst>
-              <a:ext uri="{28A0092B-C50C-407E-A947-70E740481C1C}">
-                <a14:useLocalDpi xmlns:a14="http://schemas.microsoft.com/office/drawing/2010/main"/>
-              </a:ext>
-            </a:extLst>
-          </a:blip>
-          <a:srcRect/>
-          <a:stretch>
-            <a:fillRect/>
-          </a:stretch>
-        </p:blipFill>
-        <p:spPr bwMode="auto">
-          <a:xfrm>
-            <a:off x="10527323" y="171450"/>
-            <a:ext cx="1448043" cy="1448043"/>
-          </a:xfrm>
-          <a:prstGeom prst="rect">
-            <a:avLst/>
-          </a:prstGeom>
-          <a:noFill/>
-          <a:extLst>
-            <a:ext uri="{909E8E84-426E-40DD-AFC4-6F175D3DCCD1}">
-              <a14:hiddenFill xmlns:a14="http://schemas.microsoft.com/office/drawing/2010/main">
-                <a:solidFill>
-                  <a:srgbClr val="FFFFFF"/>
-                </a:solidFill>
-              </a14:hiddenFill>
-            </a:ext>
-          </a:extLst>
-        </p:spPr>
-      </p:pic>
-    </p:spTree>
-    <p:extLst>
-      <p:ext uri="{BB962C8B-B14F-4D97-AF65-F5344CB8AC3E}">
-        <p14:creationId xmlns:p14="http://schemas.microsoft.com/office/powerpoint/2010/main" val="1807843350"/>
       </p:ext>
     </p:extLst>
   </p:cSld>
@@ -24739,7 +24776,7 @@
           <a:p>
             <a:r>
               <a:rPr lang="fr-BE" dirty="0"/>
-              <a:t>Exo 11-03-43-c : jouons avec les dés</a:t>
+              <a:t>Exo 11-03-43-a : jouons avec les dés</a:t>
             </a:r>
           </a:p>
         </p:txBody>
@@ -24754,115 +24791,115 @@
             <p:ph idx="1"/>
           </p:nvPr>
         </p:nvSpPr>
-        <p:spPr/>
+        <p:spPr>
+          <a:xfrm>
+            <a:off x="838200" y="1690689"/>
+            <a:ext cx="6505575" cy="4486276"/>
+          </a:xfrm>
+        </p:spPr>
         <p:txBody>
           <a:bodyPr>
-            <a:normAutofit/>
+            <a:normAutofit fontScale="92500" lnSpcReduction="10000"/>
           </a:bodyPr>
           <a:lstStyle/>
           <a:p>
+            <a:pPr fontAlgn="base"/>
             <a:r>
               <a:rPr lang="fr-BE" dirty="0"/>
-              <a:t>Implanter la méthode permettant de comparer le lancer de deux jeux de dés.</a:t>
-            </a:r>
-          </a:p>
-          <a:p>
+              <a:t>Un « jeu de dés » contient plusieurs dés.</a:t>
+            </a:r>
+          </a:p>
+          <a:p>
+            <a:pPr fontAlgn="base"/>
             <a:r>
               <a:rPr lang="fr-BE" dirty="0"/>
-              <a:t>Écrire le programme correspondant au scénario suivant :</a:t>
-            </a:r>
-          </a:p>
-          <a:p>
-            <a:pPr lvl="1"/>
+              <a:t>Implémenter les deux classes</a:t>
+            </a:r>
+          </a:p>
+          <a:p>
+            <a:pPr lvl="1" fontAlgn="base"/>
+            <a:r>
+              <a:rPr lang="fr-BE" dirty="0">
+                <a:solidFill>
+                  <a:srgbClr val="996633"/>
+                </a:solidFill>
+                <a:latin typeface="Consolas" panose="020B0609020204030204" pitchFamily="49" charset="0"/>
+                <a:cs typeface="Courier New" panose="02070309020205020404" pitchFamily="49" charset="0"/>
+              </a:rPr>
+              <a:t>Jeu</a:t>
+            </a:r>
+          </a:p>
+          <a:p>
+            <a:pPr lvl="1" fontAlgn="base"/>
+            <a:r>
+              <a:rPr lang="fr-BE" dirty="0">
+                <a:solidFill>
+                  <a:srgbClr val="996633"/>
+                </a:solidFill>
+                <a:latin typeface="Consolas" panose="020B0609020204030204" pitchFamily="49" charset="0"/>
+                <a:cs typeface="Courier New" panose="02070309020205020404" pitchFamily="49" charset="0"/>
+              </a:rPr>
+              <a:t>Dé</a:t>
+            </a:r>
+          </a:p>
+          <a:p>
             <a:r>
               <a:rPr lang="fr-BE" dirty="0"/>
-              <a:t>Soit deux jeux, </a:t>
-            </a:r>
-            <a:r>
-              <a:rPr lang="fr-BE" dirty="0">
-                <a:solidFill>
-                  <a:srgbClr val="996633"/>
-                </a:solidFill>
-                <a:latin typeface="Consolas" panose="020B0609020204030204" pitchFamily="49" charset="0"/>
-                <a:cs typeface="Courier New" panose="02070309020205020404" pitchFamily="49" charset="0"/>
-              </a:rPr>
-              <a:t>j1</a:t>
-            </a:r>
-            <a:r>
-              <a:rPr lang="fr-BE" dirty="0"/>
-              <a:t> et </a:t>
-            </a:r>
-            <a:r>
-              <a:rPr lang="fr-BE" dirty="0">
-                <a:solidFill>
-                  <a:srgbClr val="996633"/>
-                </a:solidFill>
-                <a:latin typeface="Consolas" panose="020B0609020204030204" pitchFamily="49" charset="0"/>
-                <a:cs typeface="Courier New" panose="02070309020205020404" pitchFamily="49" charset="0"/>
-              </a:rPr>
-              <a:t>j2</a:t>
-            </a:r>
-          </a:p>
-          <a:p>
-            <a:pPr lvl="1"/>
-            <a:r>
-              <a:rPr lang="fr-BE" dirty="0">
-                <a:solidFill>
-                  <a:srgbClr val="996633"/>
-                </a:solidFill>
-                <a:latin typeface="Consolas" panose="020B0609020204030204" pitchFamily="49" charset="0"/>
-                <a:cs typeface="Courier New" panose="02070309020205020404" pitchFamily="49" charset="0"/>
-              </a:rPr>
-              <a:t>j1</a:t>
-            </a:r>
-            <a:r>
-              <a:rPr lang="fr-BE" dirty="0"/>
-              <a:t> est lancé (et conservé)</a:t>
-            </a:r>
-          </a:p>
-          <a:p>
-            <a:pPr lvl="1"/>
-            <a:r>
-              <a:rPr lang="fr-BE" dirty="0">
-                <a:solidFill>
-                  <a:srgbClr val="996633"/>
-                </a:solidFill>
-                <a:latin typeface="Consolas" panose="020B0609020204030204" pitchFamily="49" charset="0"/>
-                <a:cs typeface="Courier New" panose="02070309020205020404" pitchFamily="49" charset="0"/>
-              </a:rPr>
-              <a:t>j2</a:t>
-            </a:r>
-            <a:r>
-              <a:rPr lang="fr-BE" dirty="0"/>
-              <a:t> est lancé de manière itérative</a:t>
-            </a:r>
-          </a:p>
-          <a:p>
-            <a:pPr lvl="1"/>
-            <a:r>
-              <a:rPr lang="fr-BE" dirty="0"/>
-              <a:t>L’itération s’arrête quand </a:t>
-            </a:r>
-            <a:r>
-              <a:rPr lang="fr-BE" dirty="0">
-                <a:solidFill>
-                  <a:srgbClr val="996633"/>
-                </a:solidFill>
-                <a:latin typeface="Consolas" panose="020B0609020204030204" pitchFamily="49" charset="0"/>
-                <a:cs typeface="Courier New" panose="02070309020205020404" pitchFamily="49" charset="0"/>
-              </a:rPr>
-              <a:t>j2 &gt; j1 </a:t>
-            </a:r>
-          </a:p>
-          <a:p>
-            <a:pPr lvl="1"/>
-            <a:endParaRPr lang="fr-BE" dirty="0"/>
-          </a:p>
-          <a:p>
-            <a:endParaRPr lang="fr-BE" dirty="0"/>
+              <a:t>Instancier un jeu de 3 dés et afficher le résultat d’un lancer.</a:t>
+            </a:r>
+          </a:p>
+          <a:p>
+            <a:r>
+              <a:rPr lang="fr-BE" i="1" dirty="0"/>
+              <a:t>Référence : https://info.blaisepascal.fr/1t-poo-des-des</a:t>
+            </a:r>
           </a:p>
         </p:txBody>
       </p:sp>
+      <p:pic>
+        <p:nvPicPr>
+          <p:cNvPr id="2050" name="Picture 2" descr="https://info.blaisepascal.fr/wp-content/uploads/2020/09/drawit-diagram-10.png"/>
+          <p:cNvPicPr>
+            <a:picLocks noChangeAspect="1" noChangeArrowheads="1"/>
+          </p:cNvPicPr>
+          <p:nvPr/>
+        </p:nvPicPr>
+        <p:blipFill>
+          <a:blip r:embed="rId2">
+            <a:extLst>
+              <a:ext uri="{28A0092B-C50C-407E-A947-70E740481C1C}">
+                <a14:useLocalDpi xmlns:a14="http://schemas.microsoft.com/office/drawing/2010/main"/>
+              </a:ext>
+            </a:extLst>
+          </a:blip>
+          <a:srcRect/>
+          <a:stretch>
+            <a:fillRect/>
+          </a:stretch>
+        </p:blipFill>
+        <p:spPr bwMode="auto">
+          <a:xfrm>
+            <a:off x="6490829" y="2707787"/>
+            <a:ext cx="5320414" cy="1137382"/>
+          </a:xfrm>
+          <a:prstGeom prst="rect">
+            <a:avLst/>
+          </a:prstGeom>
+          <a:noFill/>
+          <a:ln>
+            <a:noFill/>
+          </a:ln>
+          <a:extLst>
+            <a:ext uri="{909E8E84-426E-40DD-AFC4-6F175D3DCCD1}">
+              <a14:hiddenFill xmlns:a14="http://schemas.microsoft.com/office/drawing/2010/main">
+                <a:solidFill>
+                  <a:srgbClr val="FFFFFF"/>
+                </a:solidFill>
+              </a14:hiddenFill>
+            </a:ext>
+          </a:extLst>
+        </p:spPr>
+      </p:pic>
       <p:pic>
         <p:nvPicPr>
           <p:cNvPr id="2052" name="Picture 4" descr="https://upload.wikimedia.org/wikipedia/commons/thumb/c/c4/2-Dice-Icon.svg/900px-2-Dice-Icon.svg.png"/>
@@ -24872,7 +24909,7 @@
           <p:nvPr/>
         </p:nvPicPr>
         <p:blipFill>
-          <a:blip r:embed="rId2" cstate="email">
+          <a:blip r:embed="rId3" cstate="email">
             <a:extLst>
               <a:ext uri="{28A0092B-C50C-407E-A947-70E740481C1C}">
                 <a14:useLocalDpi xmlns:a14="http://schemas.microsoft.com/office/drawing/2010/main"/>
@@ -24907,7 +24944,7 @@
     </p:spTree>
     <p:extLst>
       <p:ext uri="{BB962C8B-B14F-4D97-AF65-F5344CB8AC3E}">
-        <p14:creationId xmlns:p14="http://schemas.microsoft.com/office/powerpoint/2010/main" val="2180190342"/>
+        <p14:creationId xmlns:p14="http://schemas.microsoft.com/office/powerpoint/2010/main" val="2105112104"/>
       </p:ext>
     </p:extLst>
   </p:cSld>
@@ -24948,13 +24985,7 @@
       </p:grpSpPr>
       <p:sp>
         <p:nvSpPr>
-          <p:cNvPr id="2" name="Titre 1">
-            <a:extLst>
-              <a:ext uri="{FF2B5EF4-FFF2-40B4-BE49-F238E27FC236}">
-                <a16:creationId xmlns:a16="http://schemas.microsoft.com/office/drawing/2014/main" id="{DDD2757E-A611-A782-84A6-257151BFC550}"/>
-              </a:ext>
-            </a:extLst>
-          </p:cNvPr>
+          <p:cNvPr id="2" name="Titre 1"/>
           <p:cNvSpPr>
             <a:spLocks noGrp="1"/>
           </p:cNvSpPr>
@@ -24968,21 +24999,15 @@
           <a:lstStyle/>
           <a:p>
             <a:r>
-              <a:rPr lang="fr-BE"/>
-              <a:t>Exo 11-03-45 : carré vs rectangle</a:t>
+              <a:rPr lang="fr-BE" dirty="0"/>
+              <a:t>Exo 11-03-43-b : jouons avec les dés</a:t>
             </a:r>
           </a:p>
         </p:txBody>
       </p:sp>
       <p:sp>
         <p:nvSpPr>
-          <p:cNvPr id="3" name="Espace réservé du contenu 2">
-            <a:extLst>
-              <a:ext uri="{FF2B5EF4-FFF2-40B4-BE49-F238E27FC236}">
-                <a16:creationId xmlns:a16="http://schemas.microsoft.com/office/drawing/2014/main" id="{24DD571C-6FEE-FCCC-E0BB-B8DBCA66813D}"/>
-              </a:ext>
-            </a:extLst>
-          </p:cNvPr>
+          <p:cNvPr id="3" name="Espace réservé du contenu 2"/>
           <p:cNvSpPr>
             <a:spLocks noGrp="1"/>
           </p:cNvSpPr>
@@ -24993,184 +25018,118 @@
         <p:spPr/>
         <p:txBody>
           <a:bodyPr>
-            <a:normAutofit lnSpcReduction="10000"/>
+            <a:normAutofit/>
           </a:bodyPr>
           <a:lstStyle/>
           <a:p>
             <a:r>
-              <a:rPr lang="fr-BE"/>
-              <a:t>Soit une application devant calculer les superficies du carré et du rectangle </a:t>
-            </a:r>
-          </a:p>
-          <a:p>
-            <a:pPr lvl="1"/>
-            <a:r>
-              <a:rPr lang="fr-BE"/>
-              <a:t>Développer une </a:t>
-            </a:r>
-            <a:r>
-              <a:rPr lang="fr-BE">
+              <a:rPr lang="fr-BE" dirty="0"/>
+              <a:t>Maintenant, les valeurs des dés restent </a:t>
+            </a:r>
+            <a:r>
+              <a:rPr lang="fr-BE" dirty="0">
                 <a:solidFill>
                   <a:schemeClr val="accent2"/>
                 </a:solidFill>
               </a:rPr>
-              <a:t>approche procédurale </a:t>
-            </a:r>
-          </a:p>
-          <a:p>
-            <a:pPr lvl="2"/>
-            <a:r>
-              <a:rPr lang="fr-BE"/>
-              <a:t>fonction </a:t>
-            </a:r>
-            <a:r>
-              <a:rPr lang="fr-BE">
+              <a:t>mémorisées</a:t>
+            </a:r>
+            <a:r>
+              <a:rPr lang="fr-BE" dirty="0"/>
+              <a:t> au sein même des objets </a:t>
+            </a:r>
+            <a:r>
+              <a:rPr lang="fr-BE" dirty="0">
                 <a:solidFill>
                   <a:srgbClr val="996633"/>
                 </a:solidFill>
                 <a:latin typeface="Consolas" panose="020B0609020204030204" pitchFamily="49" charset="0"/>
-              </a:rPr>
-              <a:t>surface() </a:t>
-            </a:r>
-          </a:p>
-          <a:p>
-            <a:pPr lvl="3"/>
-            <a:r>
-              <a:rPr lang="fr-BE">
+                <a:cs typeface="Courier New" panose="02070309020205020404" pitchFamily="49" charset="0"/>
+              </a:rPr>
+              <a:t>Dé</a:t>
+            </a:r>
+            <a:r>
+              <a:rPr lang="fr-BE" dirty="0">
+                <a:solidFill>
+                  <a:schemeClr val="accent6">
+                    <a:lumMod val="50000"/>
+                  </a:schemeClr>
+                </a:solidFill>
+              </a:rPr>
+              <a:t> </a:t>
+            </a:r>
+            <a:r>
+              <a:rPr lang="fr-BE" dirty="0"/>
+              <a:t>(comme si les dés du jeu étaient posés sur le plateau de jeu).</a:t>
+            </a:r>
+          </a:p>
+          <a:p>
+            <a:r>
+              <a:rPr lang="fr-BE" dirty="0"/>
+              <a:t>La valeur de chaque dé est mémorisé au sein de chacun des objets </a:t>
+            </a:r>
+            <a:r>
+              <a:rPr lang="fr-BE" dirty="0">
                 <a:solidFill>
                   <a:srgbClr val="996633"/>
                 </a:solidFill>
                 <a:latin typeface="Consolas" panose="020B0609020204030204" pitchFamily="49" charset="0"/>
-              </a:rPr>
-              <a:t>"if then else"</a:t>
-            </a:r>
-            <a:r>
-              <a:rPr lang="fr-BE"/>
-              <a:t> pour distinguer le Carré du Rectangle </a:t>
-            </a:r>
-          </a:p>
-          <a:p>
-            <a:pPr lvl="1"/>
-            <a:r>
-              <a:rPr lang="fr-BE"/>
-              <a:t>Développer une </a:t>
-            </a:r>
-            <a:r>
-              <a:rPr lang="fr-BE">
-                <a:solidFill>
-                  <a:schemeClr val="accent2"/>
-                </a:solidFill>
-              </a:rPr>
-              <a:t>approche objet </a:t>
-            </a:r>
-            <a:r>
-              <a:rPr lang="fr-BE"/>
-              <a:t>:</a:t>
-            </a:r>
-          </a:p>
-          <a:p>
-            <a:pPr lvl="2"/>
-            <a:r>
-              <a:rPr lang="fr-BE"/>
-              <a:t>classe </a:t>
-            </a:r>
-            <a:r>
-              <a:rPr lang="fr-BE">
-                <a:solidFill>
-                  <a:srgbClr val="996633"/>
-                </a:solidFill>
-                <a:latin typeface="Consolas" panose="020B0609020204030204" pitchFamily="49" charset="0"/>
-              </a:rPr>
-              <a:t>Carré</a:t>
-            </a:r>
-            <a:r>
-              <a:rPr lang="fr-BE"/>
-              <a:t> </a:t>
-            </a:r>
-          </a:p>
-          <a:p>
-            <a:pPr lvl="3"/>
-            <a:r>
-              <a:rPr lang="fr-BE"/>
-              <a:t>méthode </a:t>
-            </a:r>
-            <a:r>
-              <a:rPr lang="fr-BE">
-                <a:solidFill>
-                  <a:srgbClr val="996633"/>
-                </a:solidFill>
-                <a:latin typeface="Consolas" panose="020B0609020204030204" pitchFamily="49" charset="0"/>
-              </a:rPr>
-              <a:t>.surface()</a:t>
-            </a:r>
-          </a:p>
-          <a:p>
-            <a:pPr lvl="2"/>
-            <a:r>
-              <a:rPr lang="fr-BE"/>
-              <a:t>classe </a:t>
-            </a:r>
-            <a:r>
-              <a:rPr lang="fr-BE">
-                <a:solidFill>
-                  <a:srgbClr val="996633"/>
-                </a:solidFill>
-                <a:latin typeface="Consolas" panose="020B0609020204030204" pitchFamily="49" charset="0"/>
-              </a:rPr>
-              <a:t>Rectangle</a:t>
-            </a:r>
-          </a:p>
-          <a:p>
-            <a:pPr lvl="3"/>
-            <a:r>
-              <a:rPr lang="fr-BE"/>
-              <a:t>méthode </a:t>
-            </a:r>
-            <a:r>
-              <a:rPr lang="fr-BE">
-                <a:solidFill>
-                  <a:srgbClr val="996633"/>
-                </a:solidFill>
-                <a:latin typeface="Consolas" panose="020B0609020204030204" pitchFamily="49" charset="0"/>
-              </a:rPr>
-              <a:t>.surface()</a:t>
+                <a:cs typeface="Courier New" panose="02070309020205020404" pitchFamily="49" charset="0"/>
+              </a:rPr>
+              <a:t>Dé</a:t>
+            </a:r>
+            <a:r>
+              <a:rPr lang="fr-BE" dirty="0"/>
+              <a:t>, dans un nouvel attribut valeur.</a:t>
             </a:r>
           </a:p>
         </p:txBody>
       </p:sp>
-      <p:sp>
-        <p:nvSpPr>
-          <p:cNvPr id="4" name="Espace réservé du numéro de diapositive 3">
+      <p:pic>
+        <p:nvPicPr>
+          <p:cNvPr id="2052" name="Picture 4" descr="https://upload.wikimedia.org/wikipedia/commons/thumb/c/c4/2-Dice-Icon.svg/900px-2-Dice-Icon.svg.png"/>
+          <p:cNvPicPr>
+            <a:picLocks noChangeAspect="1" noChangeArrowheads="1"/>
+          </p:cNvPicPr>
+          <p:nvPr/>
+        </p:nvPicPr>
+        <p:blipFill>
+          <a:blip r:embed="rId2" cstate="email">
             <a:extLst>
-              <a:ext uri="{FF2B5EF4-FFF2-40B4-BE49-F238E27FC236}">
-                <a16:creationId xmlns:a16="http://schemas.microsoft.com/office/drawing/2014/main" id="{D17C7675-B2B2-0963-D9D8-C4832B296FF7}"/>
+              <a:ext uri="{28A0092B-C50C-407E-A947-70E740481C1C}">
+                <a14:useLocalDpi xmlns:a14="http://schemas.microsoft.com/office/drawing/2010/main"/>
               </a:ext>
             </a:extLst>
-          </p:cNvPr>
-          <p:cNvSpPr>
-            <a:spLocks noGrp="1"/>
-          </p:cNvSpPr>
-          <p:nvPr>
-            <p:ph type="sldNum" sz="quarter" idx="12"/>
-          </p:nvPr>
-        </p:nvSpPr>
-        <p:spPr/>
-        <p:txBody>
-          <a:bodyPr/>
-          <a:lstStyle/>
-          <a:p>
-            <a:fld id="{02C092ED-0E97-497E-99D9-BB9DD7276F53}" type="slidenum">
-              <a:rPr lang="fr-BE" smtClean="0"/>
-              <a:t>74</a:t>
-            </a:fld>
-            <a:endParaRPr lang="fr-BE"/>
-          </a:p>
-        </p:txBody>
-      </p:sp>
+          </a:blip>
+          <a:srcRect/>
+          <a:stretch>
+            <a:fillRect/>
+          </a:stretch>
+        </p:blipFill>
+        <p:spPr bwMode="auto">
+          <a:xfrm>
+            <a:off x="10527323" y="171450"/>
+            <a:ext cx="1448043" cy="1448043"/>
+          </a:xfrm>
+          <a:prstGeom prst="rect">
+            <a:avLst/>
+          </a:prstGeom>
+          <a:noFill/>
+          <a:extLst>
+            <a:ext uri="{909E8E84-426E-40DD-AFC4-6F175D3DCCD1}">
+              <a14:hiddenFill xmlns:a14="http://schemas.microsoft.com/office/drawing/2010/main">
+                <a:solidFill>
+                  <a:srgbClr val="FFFFFF"/>
+                </a:solidFill>
+              </a14:hiddenFill>
+            </a:ext>
+          </a:extLst>
+        </p:spPr>
+      </p:pic>
     </p:spTree>
     <p:extLst>
       <p:ext uri="{BB962C8B-B14F-4D97-AF65-F5344CB8AC3E}">
-        <p14:creationId xmlns:p14="http://schemas.microsoft.com/office/powerpoint/2010/main" val="241529145"/>
+        <p14:creationId xmlns:p14="http://schemas.microsoft.com/office/powerpoint/2010/main" val="1807843350"/>
       </p:ext>
     </p:extLst>
   </p:cSld>
@@ -25211,6 +25170,493 @@
       </p:grpSpPr>
       <p:sp>
         <p:nvSpPr>
+          <p:cNvPr id="2" name="Titre 1"/>
+          <p:cNvSpPr>
+            <a:spLocks noGrp="1"/>
+          </p:cNvSpPr>
+          <p:nvPr>
+            <p:ph type="title"/>
+          </p:nvPr>
+        </p:nvSpPr>
+        <p:spPr/>
+        <p:txBody>
+          <a:bodyPr/>
+          <a:lstStyle/>
+          <a:p>
+            <a:r>
+              <a:rPr lang="fr-BE" dirty="0"/>
+              <a:t>Exo 11-03-43-c : jouons avec les dés</a:t>
+            </a:r>
+          </a:p>
+        </p:txBody>
+      </p:sp>
+      <p:sp>
+        <p:nvSpPr>
+          <p:cNvPr id="3" name="Espace réservé du contenu 2"/>
+          <p:cNvSpPr>
+            <a:spLocks noGrp="1"/>
+          </p:cNvSpPr>
+          <p:nvPr>
+            <p:ph idx="1"/>
+          </p:nvPr>
+        </p:nvSpPr>
+        <p:spPr/>
+        <p:txBody>
+          <a:bodyPr>
+            <a:normAutofit/>
+          </a:bodyPr>
+          <a:lstStyle/>
+          <a:p>
+            <a:r>
+              <a:rPr lang="fr-BE" dirty="0"/>
+              <a:t>Implanter la méthode permettant de comparer le lancer de deux jeux de dés.</a:t>
+            </a:r>
+          </a:p>
+          <a:p>
+            <a:r>
+              <a:rPr lang="fr-BE" dirty="0"/>
+              <a:t>Écrire le programme correspondant au scénario suivant :</a:t>
+            </a:r>
+          </a:p>
+          <a:p>
+            <a:pPr lvl="1"/>
+            <a:r>
+              <a:rPr lang="fr-BE" dirty="0"/>
+              <a:t>Soit deux jeux, </a:t>
+            </a:r>
+            <a:r>
+              <a:rPr lang="fr-BE" dirty="0">
+                <a:solidFill>
+                  <a:srgbClr val="996633"/>
+                </a:solidFill>
+                <a:latin typeface="Consolas" panose="020B0609020204030204" pitchFamily="49" charset="0"/>
+                <a:cs typeface="Courier New" panose="02070309020205020404" pitchFamily="49" charset="0"/>
+              </a:rPr>
+              <a:t>j1</a:t>
+            </a:r>
+            <a:r>
+              <a:rPr lang="fr-BE" dirty="0"/>
+              <a:t> et </a:t>
+            </a:r>
+            <a:r>
+              <a:rPr lang="fr-BE" dirty="0">
+                <a:solidFill>
+                  <a:srgbClr val="996633"/>
+                </a:solidFill>
+                <a:latin typeface="Consolas" panose="020B0609020204030204" pitchFamily="49" charset="0"/>
+                <a:cs typeface="Courier New" panose="02070309020205020404" pitchFamily="49" charset="0"/>
+              </a:rPr>
+              <a:t>j2</a:t>
+            </a:r>
+          </a:p>
+          <a:p>
+            <a:pPr lvl="1"/>
+            <a:r>
+              <a:rPr lang="fr-BE" dirty="0">
+                <a:solidFill>
+                  <a:srgbClr val="996633"/>
+                </a:solidFill>
+                <a:latin typeface="Consolas" panose="020B0609020204030204" pitchFamily="49" charset="0"/>
+                <a:cs typeface="Courier New" panose="02070309020205020404" pitchFamily="49" charset="0"/>
+              </a:rPr>
+              <a:t>j1</a:t>
+            </a:r>
+            <a:r>
+              <a:rPr lang="fr-BE" dirty="0"/>
+              <a:t> est lancé (et conservé)</a:t>
+            </a:r>
+          </a:p>
+          <a:p>
+            <a:pPr lvl="1"/>
+            <a:r>
+              <a:rPr lang="fr-BE" dirty="0">
+                <a:solidFill>
+                  <a:srgbClr val="996633"/>
+                </a:solidFill>
+                <a:latin typeface="Consolas" panose="020B0609020204030204" pitchFamily="49" charset="0"/>
+                <a:cs typeface="Courier New" panose="02070309020205020404" pitchFamily="49" charset="0"/>
+              </a:rPr>
+              <a:t>j2</a:t>
+            </a:r>
+            <a:r>
+              <a:rPr lang="fr-BE" dirty="0"/>
+              <a:t> est lancé de manière itérative</a:t>
+            </a:r>
+          </a:p>
+          <a:p>
+            <a:pPr lvl="1"/>
+            <a:r>
+              <a:rPr lang="fr-BE" dirty="0"/>
+              <a:t>L’itération s’arrête quand </a:t>
+            </a:r>
+            <a:r>
+              <a:rPr lang="fr-BE" dirty="0">
+                <a:solidFill>
+                  <a:srgbClr val="996633"/>
+                </a:solidFill>
+                <a:latin typeface="Consolas" panose="020B0609020204030204" pitchFamily="49" charset="0"/>
+                <a:cs typeface="Courier New" panose="02070309020205020404" pitchFamily="49" charset="0"/>
+              </a:rPr>
+              <a:t>j2 &gt; j1 </a:t>
+            </a:r>
+          </a:p>
+          <a:p>
+            <a:pPr lvl="1"/>
+            <a:endParaRPr lang="fr-BE" dirty="0"/>
+          </a:p>
+          <a:p>
+            <a:endParaRPr lang="fr-BE" dirty="0"/>
+          </a:p>
+        </p:txBody>
+      </p:sp>
+      <p:pic>
+        <p:nvPicPr>
+          <p:cNvPr id="2052" name="Picture 4" descr="https://upload.wikimedia.org/wikipedia/commons/thumb/c/c4/2-Dice-Icon.svg/900px-2-Dice-Icon.svg.png"/>
+          <p:cNvPicPr>
+            <a:picLocks noChangeAspect="1" noChangeArrowheads="1"/>
+          </p:cNvPicPr>
+          <p:nvPr/>
+        </p:nvPicPr>
+        <p:blipFill>
+          <a:blip r:embed="rId2" cstate="email">
+            <a:extLst>
+              <a:ext uri="{28A0092B-C50C-407E-A947-70E740481C1C}">
+                <a14:useLocalDpi xmlns:a14="http://schemas.microsoft.com/office/drawing/2010/main"/>
+              </a:ext>
+            </a:extLst>
+          </a:blip>
+          <a:srcRect/>
+          <a:stretch>
+            <a:fillRect/>
+          </a:stretch>
+        </p:blipFill>
+        <p:spPr bwMode="auto">
+          <a:xfrm>
+            <a:off x="10527323" y="171450"/>
+            <a:ext cx="1448043" cy="1448043"/>
+          </a:xfrm>
+          <a:prstGeom prst="rect">
+            <a:avLst/>
+          </a:prstGeom>
+          <a:noFill/>
+          <a:extLst>
+            <a:ext uri="{909E8E84-426E-40DD-AFC4-6F175D3DCCD1}">
+              <a14:hiddenFill xmlns:a14="http://schemas.microsoft.com/office/drawing/2010/main">
+                <a:solidFill>
+                  <a:srgbClr val="FFFFFF"/>
+                </a:solidFill>
+              </a14:hiddenFill>
+            </a:ext>
+          </a:extLst>
+        </p:spPr>
+      </p:pic>
+    </p:spTree>
+    <p:extLst>
+      <p:ext uri="{BB962C8B-B14F-4D97-AF65-F5344CB8AC3E}">
+        <p14:creationId xmlns:p14="http://schemas.microsoft.com/office/powerpoint/2010/main" val="2180190342"/>
+      </p:ext>
+    </p:extLst>
+  </p:cSld>
+  <p:clrMapOvr>
+    <a:masterClrMapping/>
+  </p:clrMapOvr>
+  <mc:AlternateContent xmlns:mc="http://schemas.openxmlformats.org/markup-compatibility/2006" xmlns:p14="http://schemas.microsoft.com/office/powerpoint/2010/main">
+    <mc:Choice Requires="p14">
+      <p:transition spd="slow">
+        <p14:reveal/>
+      </p:transition>
+    </mc:Choice>
+    <mc:Fallback xmlns="">
+      <p:transition spd="slow">
+        <p:fade/>
+      </p:transition>
+    </mc:Fallback>
+  </mc:AlternateContent>
+</p:sld>
+</file>
+
+<file path=ppt/slides/slide76.xml><?xml version="1.0" encoding="utf-8"?>
+<p:sld xmlns:a="http://schemas.openxmlformats.org/drawingml/2006/main" xmlns:r="http://schemas.openxmlformats.org/officeDocument/2006/relationships" xmlns:p="http://schemas.openxmlformats.org/presentationml/2006/main">
+  <p:cSld>
+    <p:spTree>
+      <p:nvGrpSpPr>
+        <p:cNvPr id="1" name=""/>
+        <p:cNvGrpSpPr/>
+        <p:nvPr/>
+      </p:nvGrpSpPr>
+      <p:grpSpPr>
+        <a:xfrm>
+          <a:off x="0" y="0"/>
+          <a:ext cx="0" cy="0"/>
+          <a:chOff x="0" y="0"/>
+          <a:chExt cx="0" cy="0"/>
+        </a:xfrm>
+      </p:grpSpPr>
+      <p:sp>
+        <p:nvSpPr>
+          <p:cNvPr id="2" name="Titre 1">
+            <a:extLst>
+              <a:ext uri="{FF2B5EF4-FFF2-40B4-BE49-F238E27FC236}">
+                <a16:creationId xmlns:a16="http://schemas.microsoft.com/office/drawing/2014/main" id="{DDD2757E-A611-A782-84A6-257151BFC550}"/>
+              </a:ext>
+            </a:extLst>
+          </p:cNvPr>
+          <p:cNvSpPr>
+            <a:spLocks noGrp="1"/>
+          </p:cNvSpPr>
+          <p:nvPr>
+            <p:ph type="title"/>
+          </p:nvPr>
+        </p:nvSpPr>
+        <p:spPr/>
+        <p:txBody>
+          <a:bodyPr/>
+          <a:lstStyle/>
+          <a:p>
+            <a:r>
+              <a:rPr lang="fr-BE"/>
+              <a:t>Exo 11-03-45 : carré vs rectangle</a:t>
+            </a:r>
+          </a:p>
+        </p:txBody>
+      </p:sp>
+      <p:sp>
+        <p:nvSpPr>
+          <p:cNvPr id="3" name="Espace réservé du contenu 2">
+            <a:extLst>
+              <a:ext uri="{FF2B5EF4-FFF2-40B4-BE49-F238E27FC236}">
+                <a16:creationId xmlns:a16="http://schemas.microsoft.com/office/drawing/2014/main" id="{24DD571C-6FEE-FCCC-E0BB-B8DBCA66813D}"/>
+              </a:ext>
+            </a:extLst>
+          </p:cNvPr>
+          <p:cNvSpPr>
+            <a:spLocks noGrp="1"/>
+          </p:cNvSpPr>
+          <p:nvPr>
+            <p:ph idx="1"/>
+          </p:nvPr>
+        </p:nvSpPr>
+        <p:spPr/>
+        <p:txBody>
+          <a:bodyPr>
+            <a:normAutofit lnSpcReduction="10000"/>
+          </a:bodyPr>
+          <a:lstStyle/>
+          <a:p>
+            <a:r>
+              <a:rPr lang="fr-BE"/>
+              <a:t>Soit une application devant calculer les superficies du carré et du rectangle </a:t>
+            </a:r>
+          </a:p>
+          <a:p>
+            <a:pPr lvl="1"/>
+            <a:r>
+              <a:rPr lang="fr-BE"/>
+              <a:t>Développer une </a:t>
+            </a:r>
+            <a:r>
+              <a:rPr lang="fr-BE">
+                <a:solidFill>
+                  <a:schemeClr val="accent2"/>
+                </a:solidFill>
+              </a:rPr>
+              <a:t>approche procédurale </a:t>
+            </a:r>
+          </a:p>
+          <a:p>
+            <a:pPr lvl="2"/>
+            <a:r>
+              <a:rPr lang="fr-BE"/>
+              <a:t>fonction </a:t>
+            </a:r>
+            <a:r>
+              <a:rPr lang="fr-BE">
+                <a:solidFill>
+                  <a:srgbClr val="996633"/>
+                </a:solidFill>
+                <a:latin typeface="Consolas" panose="020B0609020204030204" pitchFamily="49" charset="0"/>
+              </a:rPr>
+              <a:t>surface() </a:t>
+            </a:r>
+          </a:p>
+          <a:p>
+            <a:pPr lvl="3"/>
+            <a:r>
+              <a:rPr lang="fr-BE">
+                <a:solidFill>
+                  <a:srgbClr val="996633"/>
+                </a:solidFill>
+                <a:latin typeface="Consolas" panose="020B0609020204030204" pitchFamily="49" charset="0"/>
+              </a:rPr>
+              <a:t>"if then else"</a:t>
+            </a:r>
+            <a:r>
+              <a:rPr lang="fr-BE"/>
+              <a:t> pour distinguer le Carré du Rectangle </a:t>
+            </a:r>
+          </a:p>
+          <a:p>
+            <a:pPr lvl="1"/>
+            <a:r>
+              <a:rPr lang="fr-BE"/>
+              <a:t>Développer une </a:t>
+            </a:r>
+            <a:r>
+              <a:rPr lang="fr-BE">
+                <a:solidFill>
+                  <a:schemeClr val="accent2"/>
+                </a:solidFill>
+              </a:rPr>
+              <a:t>approche objet </a:t>
+            </a:r>
+            <a:r>
+              <a:rPr lang="fr-BE"/>
+              <a:t>:</a:t>
+            </a:r>
+          </a:p>
+          <a:p>
+            <a:pPr lvl="2"/>
+            <a:r>
+              <a:rPr lang="fr-BE"/>
+              <a:t>classe </a:t>
+            </a:r>
+            <a:r>
+              <a:rPr lang="fr-BE">
+                <a:solidFill>
+                  <a:srgbClr val="996633"/>
+                </a:solidFill>
+                <a:latin typeface="Consolas" panose="020B0609020204030204" pitchFamily="49" charset="0"/>
+              </a:rPr>
+              <a:t>Carré</a:t>
+            </a:r>
+            <a:r>
+              <a:rPr lang="fr-BE"/>
+              <a:t> </a:t>
+            </a:r>
+          </a:p>
+          <a:p>
+            <a:pPr lvl="3"/>
+            <a:r>
+              <a:rPr lang="fr-BE"/>
+              <a:t>méthode </a:t>
+            </a:r>
+            <a:r>
+              <a:rPr lang="fr-BE">
+                <a:solidFill>
+                  <a:srgbClr val="996633"/>
+                </a:solidFill>
+                <a:latin typeface="Consolas" panose="020B0609020204030204" pitchFamily="49" charset="0"/>
+              </a:rPr>
+              <a:t>.surface()</a:t>
+            </a:r>
+          </a:p>
+          <a:p>
+            <a:pPr lvl="2"/>
+            <a:r>
+              <a:rPr lang="fr-BE"/>
+              <a:t>classe </a:t>
+            </a:r>
+            <a:r>
+              <a:rPr lang="fr-BE">
+                <a:solidFill>
+                  <a:srgbClr val="996633"/>
+                </a:solidFill>
+                <a:latin typeface="Consolas" panose="020B0609020204030204" pitchFamily="49" charset="0"/>
+              </a:rPr>
+              <a:t>Rectangle</a:t>
+            </a:r>
+          </a:p>
+          <a:p>
+            <a:pPr lvl="3"/>
+            <a:r>
+              <a:rPr lang="fr-BE"/>
+              <a:t>méthode </a:t>
+            </a:r>
+            <a:r>
+              <a:rPr lang="fr-BE">
+                <a:solidFill>
+                  <a:srgbClr val="996633"/>
+                </a:solidFill>
+                <a:latin typeface="Consolas" panose="020B0609020204030204" pitchFamily="49" charset="0"/>
+              </a:rPr>
+              <a:t>.surface()</a:t>
+            </a:r>
+          </a:p>
+        </p:txBody>
+      </p:sp>
+      <p:sp>
+        <p:nvSpPr>
+          <p:cNvPr id="4" name="Espace réservé du numéro de diapositive 3">
+            <a:extLst>
+              <a:ext uri="{FF2B5EF4-FFF2-40B4-BE49-F238E27FC236}">
+                <a16:creationId xmlns:a16="http://schemas.microsoft.com/office/drawing/2014/main" id="{D17C7675-B2B2-0963-D9D8-C4832B296FF7}"/>
+              </a:ext>
+            </a:extLst>
+          </p:cNvPr>
+          <p:cNvSpPr>
+            <a:spLocks noGrp="1"/>
+          </p:cNvSpPr>
+          <p:nvPr>
+            <p:ph type="sldNum" sz="quarter" idx="12"/>
+          </p:nvPr>
+        </p:nvSpPr>
+        <p:spPr/>
+        <p:txBody>
+          <a:bodyPr/>
+          <a:lstStyle/>
+          <a:p>
+            <a:fld id="{02C092ED-0E97-497E-99D9-BB9DD7276F53}" type="slidenum">
+              <a:rPr lang="fr-BE" smtClean="0"/>
+              <a:t>76</a:t>
+            </a:fld>
+            <a:endParaRPr lang="fr-BE"/>
+          </a:p>
+        </p:txBody>
+      </p:sp>
+    </p:spTree>
+    <p:extLst>
+      <p:ext uri="{BB962C8B-B14F-4D97-AF65-F5344CB8AC3E}">
+        <p14:creationId xmlns:p14="http://schemas.microsoft.com/office/powerpoint/2010/main" val="241529145"/>
+      </p:ext>
+    </p:extLst>
+  </p:cSld>
+  <p:clrMapOvr>
+    <a:masterClrMapping/>
+  </p:clrMapOvr>
+  <mc:AlternateContent xmlns:mc="http://schemas.openxmlformats.org/markup-compatibility/2006" xmlns:p14="http://schemas.microsoft.com/office/powerpoint/2010/main">
+    <mc:Choice Requires="p14">
+      <p:transition spd="slow">
+        <p14:reveal/>
+      </p:transition>
+    </mc:Choice>
+    <mc:Fallback xmlns="">
+      <p:transition spd="slow">
+        <p:fade/>
+      </p:transition>
+    </mc:Fallback>
+  </mc:AlternateContent>
+</p:sld>
+</file>
+
+<file path=ppt/slides/slide77.xml><?xml version="1.0" encoding="utf-8"?>
+<p:sld xmlns:a="http://schemas.openxmlformats.org/drawingml/2006/main" xmlns:r="http://schemas.openxmlformats.org/officeDocument/2006/relationships" xmlns:p="http://schemas.openxmlformats.org/presentationml/2006/main">
+  <p:cSld>
+    <p:spTree>
+      <p:nvGrpSpPr>
+        <p:cNvPr id="1" name=""/>
+        <p:cNvGrpSpPr/>
+        <p:nvPr/>
+      </p:nvGrpSpPr>
+      <p:grpSpPr>
+        <a:xfrm>
+          <a:off x="0" y="0"/>
+          <a:ext cx="0" cy="0"/>
+          <a:chOff x="0" y="0"/>
+          <a:chExt cx="0" cy="0"/>
+        </a:xfrm>
+      </p:grpSpPr>
+      <p:sp>
+        <p:nvSpPr>
           <p:cNvPr id="4" name="Titre 3">
             <a:extLst>
               <a:ext uri="{FF2B5EF4-FFF2-40B4-BE49-F238E27FC236}">
@@ -25312,7 +25758,7 @@
 </p:sld>
 </file>
 
-<file path=ppt/slides/slide76.xml><?xml version="1.0" encoding="utf-8"?>
+<file path=ppt/slides/slide78.xml><?xml version="1.0" encoding="utf-8"?>
 <p:sld xmlns:a="http://schemas.openxmlformats.org/drawingml/2006/main" xmlns:r="http://schemas.openxmlformats.org/officeDocument/2006/relationships" xmlns:p="http://schemas.openxmlformats.org/presentationml/2006/main">
   <p:cSld>
     <p:spTree>
@@ -25391,7 +25837,7 @@
 </p:sld>
 </file>
 
-<file path=ppt/slides/slide77.xml><?xml version="1.0" encoding="utf-8"?>
+<file path=ppt/slides/slide79.xml><?xml version="1.0" encoding="utf-8"?>
 <p:sld xmlns:a="http://schemas.openxmlformats.org/drawingml/2006/main" xmlns:r="http://schemas.openxmlformats.org/officeDocument/2006/relationships" xmlns:p="http://schemas.openxmlformats.org/presentationml/2006/main">
   <p:cSld>
     <p:spTree>
@@ -25470,7 +25916,86 @@
 </p:sld>
 </file>
 
-<file path=ppt/slides/slide78.xml><?xml version="1.0" encoding="utf-8"?>
+<file path=ppt/slides/slide8.xml><?xml version="1.0" encoding="utf-8"?>
+<p:sld xmlns:a="http://schemas.openxmlformats.org/drawingml/2006/main" xmlns:r="http://schemas.openxmlformats.org/officeDocument/2006/relationships" xmlns:p="http://schemas.openxmlformats.org/presentationml/2006/main">
+  <p:cSld>
+    <p:spTree>
+      <p:nvGrpSpPr>
+        <p:cNvPr id="1" name=""/>
+        <p:cNvGrpSpPr/>
+        <p:nvPr/>
+      </p:nvGrpSpPr>
+      <p:grpSpPr>
+        <a:xfrm>
+          <a:off x="0" y="0"/>
+          <a:ext cx="0" cy="0"/>
+          <a:chOff x="0" y="0"/>
+          <a:chExt cx="0" cy="0"/>
+        </a:xfrm>
+      </p:grpSpPr>
+      <p:pic>
+        <p:nvPicPr>
+          <p:cNvPr id="3" name="Image 2" descr="11-01-Python-POO_introduction-3">
+            <a:extLst>
+              <a:ext uri="{FF2B5EF4-FFF2-40B4-BE49-F238E27FC236}">
+                <a16:creationId xmlns:a16="http://schemas.microsoft.com/office/drawing/2014/main" id="{FE135566-FEAD-439D-BB0C-239DD640D13C}"/>
+              </a:ext>
+            </a:extLst>
+          </p:cNvPr>
+          <p:cNvPicPr>
+            <a:picLocks noGrp="1" noChangeAspect="1"/>
+          </p:cNvPicPr>
+          <p:nvPr isPhoto="1"/>
+        </p:nvPicPr>
+        <p:blipFill>
+          <a:blip r:embed="rId2" cstate="email">
+            <a:lum/>
+            <a:extLst>
+              <a:ext uri="{28A0092B-C50C-407E-A947-70E740481C1C}">
+                <a14:useLocalDpi xmlns:a14="http://schemas.microsoft.com/office/drawing/2010/main"/>
+              </a:ext>
+            </a:extLst>
+          </a:blip>
+          <a:stretch>
+            <a:fillRect/>
+          </a:stretch>
+        </p:blipFill>
+        <p:spPr>
+          <a:xfrm>
+            <a:off x="1246188" y="0"/>
+            <a:ext cx="9698037" cy="6858000"/>
+          </a:xfrm>
+          <a:prstGeom prst="rect">
+            <a:avLst/>
+          </a:prstGeom>
+        </p:spPr>
+      </p:pic>
+    </p:spTree>
+    <p:extLst>
+      <p:ext uri="{BB962C8B-B14F-4D97-AF65-F5344CB8AC3E}">
+        <p14:creationId xmlns:p14="http://schemas.microsoft.com/office/powerpoint/2010/main" val="740448894"/>
+      </p:ext>
+    </p:extLst>
+  </p:cSld>
+  <p:clrMapOvr>
+    <a:masterClrMapping/>
+  </p:clrMapOvr>
+  <mc:AlternateContent xmlns:mc="http://schemas.openxmlformats.org/markup-compatibility/2006" xmlns:p14="http://schemas.microsoft.com/office/powerpoint/2010/main">
+    <mc:Choice Requires="p14">
+      <p:transition spd="slow">
+        <p14:reveal/>
+      </p:transition>
+    </mc:Choice>
+    <mc:Fallback xmlns="">
+      <p:transition spd="slow">
+        <p:fade/>
+      </p:transition>
+    </mc:Fallback>
+  </mc:AlternateContent>
+</p:sld>
+</file>
+
+<file path=ppt/slides/slide80.xml><?xml version="1.0" encoding="utf-8"?>
 <p:sld xmlns:a="http://schemas.openxmlformats.org/drawingml/2006/main" xmlns:r="http://schemas.openxmlformats.org/officeDocument/2006/relationships" xmlns:p="http://schemas.openxmlformats.org/presentationml/2006/main">
   <p:cSld>
     <p:spTree>
@@ -25549,7 +26074,7 @@
 </p:sld>
 </file>
 
-<file path=ppt/slides/slide79.xml><?xml version="1.0" encoding="utf-8"?>
+<file path=ppt/slides/slide81.xml><?xml version="1.0" encoding="utf-8"?>
 <p:sld xmlns:a="http://schemas.openxmlformats.org/drawingml/2006/main" xmlns:r="http://schemas.openxmlformats.org/officeDocument/2006/relationships" xmlns:p="http://schemas.openxmlformats.org/presentationml/2006/main">
   <p:cSld>
     <p:spTree>
@@ -25628,86 +26153,7 @@
 </p:sld>
 </file>
 
-<file path=ppt/slides/slide8.xml><?xml version="1.0" encoding="utf-8"?>
-<p:sld xmlns:a="http://schemas.openxmlformats.org/drawingml/2006/main" xmlns:r="http://schemas.openxmlformats.org/officeDocument/2006/relationships" xmlns:p="http://schemas.openxmlformats.org/presentationml/2006/main">
-  <p:cSld>
-    <p:spTree>
-      <p:nvGrpSpPr>
-        <p:cNvPr id="1" name=""/>
-        <p:cNvGrpSpPr/>
-        <p:nvPr/>
-      </p:nvGrpSpPr>
-      <p:grpSpPr>
-        <a:xfrm>
-          <a:off x="0" y="0"/>
-          <a:ext cx="0" cy="0"/>
-          <a:chOff x="0" y="0"/>
-          <a:chExt cx="0" cy="0"/>
-        </a:xfrm>
-      </p:grpSpPr>
-      <p:pic>
-        <p:nvPicPr>
-          <p:cNvPr id="3" name="Image 2" descr="11-01-Python-POO_introduction-5">
-            <a:extLst>
-              <a:ext uri="{FF2B5EF4-FFF2-40B4-BE49-F238E27FC236}">
-                <a16:creationId xmlns:a16="http://schemas.microsoft.com/office/drawing/2014/main" id="{D1A24F48-C564-4C11-B2F4-286C745E65BE}"/>
-              </a:ext>
-            </a:extLst>
-          </p:cNvPr>
-          <p:cNvPicPr>
-            <a:picLocks noGrp="1" noChangeAspect="1"/>
-          </p:cNvPicPr>
-          <p:nvPr isPhoto="1"/>
-        </p:nvPicPr>
-        <p:blipFill>
-          <a:blip r:embed="rId2" cstate="email">
-            <a:lum/>
-            <a:extLst>
-              <a:ext uri="{28A0092B-C50C-407E-A947-70E740481C1C}">
-                <a14:useLocalDpi xmlns:a14="http://schemas.microsoft.com/office/drawing/2010/main"/>
-              </a:ext>
-            </a:extLst>
-          </a:blip>
-          <a:stretch>
-            <a:fillRect/>
-          </a:stretch>
-        </p:blipFill>
-        <p:spPr>
-          <a:xfrm>
-            <a:off x="1246188" y="0"/>
-            <a:ext cx="9698037" cy="6858000"/>
-          </a:xfrm>
-          <a:prstGeom prst="rect">
-            <a:avLst/>
-          </a:prstGeom>
-        </p:spPr>
-      </p:pic>
-    </p:spTree>
-    <p:extLst>
-      <p:ext uri="{BB962C8B-B14F-4D97-AF65-F5344CB8AC3E}">
-        <p14:creationId xmlns:p14="http://schemas.microsoft.com/office/powerpoint/2010/main" val="3621752458"/>
-      </p:ext>
-    </p:extLst>
-  </p:cSld>
-  <p:clrMapOvr>
-    <a:masterClrMapping/>
-  </p:clrMapOvr>
-  <mc:AlternateContent xmlns:mc="http://schemas.openxmlformats.org/markup-compatibility/2006" xmlns:p14="http://schemas.microsoft.com/office/powerpoint/2010/main">
-    <mc:Choice Requires="p14">
-      <p:transition spd="slow">
-        <p14:reveal/>
-      </p:transition>
-    </mc:Choice>
-    <mc:Fallback xmlns="">
-      <p:transition spd="slow">
-        <p:fade/>
-      </p:transition>
-    </mc:Fallback>
-  </mc:AlternateContent>
-</p:sld>
-</file>
-
-<file path=ppt/slides/slide80.xml><?xml version="1.0" encoding="utf-8"?>
+<file path=ppt/slides/slide82.xml><?xml version="1.0" encoding="utf-8"?>
 <p:sld xmlns:a="http://schemas.openxmlformats.org/drawingml/2006/main" xmlns:r="http://schemas.openxmlformats.org/officeDocument/2006/relationships" xmlns:p="http://schemas.openxmlformats.org/presentationml/2006/main">
   <p:cSld>
     <p:spTree>
@@ -25786,7 +26232,7 @@
 </p:sld>
 </file>
 
-<file path=ppt/slides/slide81.xml><?xml version="1.0" encoding="utf-8"?>
+<file path=ppt/slides/slide83.xml><?xml version="1.0" encoding="utf-8"?>
 <p:sld xmlns:a="http://schemas.openxmlformats.org/drawingml/2006/main" xmlns:r="http://schemas.openxmlformats.org/officeDocument/2006/relationships" xmlns:p="http://schemas.openxmlformats.org/presentationml/2006/main">
   <p:cSld>
     <p:spTree>
@@ -25865,7 +26311,7 @@
 </p:sld>
 </file>
 
-<file path=ppt/slides/slide82.xml><?xml version="1.0" encoding="utf-8"?>
+<file path=ppt/slides/slide84.xml><?xml version="1.0" encoding="utf-8"?>
 <p:sld xmlns:a="http://schemas.openxmlformats.org/drawingml/2006/main" xmlns:r="http://schemas.openxmlformats.org/officeDocument/2006/relationships" xmlns:p="http://schemas.openxmlformats.org/presentationml/2006/main">
   <p:cSld>
     <p:spTree>
@@ -25944,7 +26390,7 @@
 </p:sld>
 </file>
 
-<file path=ppt/slides/slide83.xml><?xml version="1.0" encoding="utf-8"?>
+<file path=ppt/slides/slide85.xml><?xml version="1.0" encoding="utf-8"?>
 <p:sld xmlns:a="http://schemas.openxmlformats.org/drawingml/2006/main" xmlns:r="http://schemas.openxmlformats.org/officeDocument/2006/relationships" xmlns:p="http://schemas.openxmlformats.org/presentationml/2006/main">
   <p:cSld>
     <p:spTree>
@@ -26738,7 +27184,7 @@
 </p:sld>
 </file>
 
-<file path=ppt/slides/slide84.xml><?xml version="1.0" encoding="utf-8"?>
+<file path=ppt/slides/slide86.xml><?xml version="1.0" encoding="utf-8"?>
 <p:sld xmlns:a="http://schemas.openxmlformats.org/drawingml/2006/main" xmlns:r="http://schemas.openxmlformats.org/officeDocument/2006/relationships" xmlns:p="http://schemas.openxmlformats.org/presentationml/2006/main">
   <p:cSld>
     <p:spTree>
@@ -27027,7 +27473,7 @@
 </p:sld>
 </file>
 
-<file path=ppt/slides/slide85.xml><?xml version="1.0" encoding="utf-8"?>
+<file path=ppt/slides/slide87.xml><?xml version="1.0" encoding="utf-8"?>
 <p:sld xmlns:a="http://schemas.openxmlformats.org/drawingml/2006/main" xmlns:r="http://schemas.openxmlformats.org/officeDocument/2006/relationships" xmlns:p="http://schemas.openxmlformats.org/presentationml/2006/main">
   <p:cSld>
     <p:spTree>
@@ -27268,10 +27714,10 @@
       </p:grpSpPr>
       <p:pic>
         <p:nvPicPr>
-          <p:cNvPr id="3" name="Image 2" descr="11-01-Python-POO_introduction-6">
+          <p:cNvPr id="3" name="Image 2" descr="11-01-Python-POO_introduction-4">
             <a:extLst>
               <a:ext uri="{FF2B5EF4-FFF2-40B4-BE49-F238E27FC236}">
-                <a16:creationId xmlns:a16="http://schemas.microsoft.com/office/drawing/2014/main" id="{E1970F8C-BBB0-4C59-B2AB-5B52262234F7}"/>
+                <a16:creationId xmlns:a16="http://schemas.microsoft.com/office/drawing/2014/main" id="{81ACF768-9622-4A39-8FB2-012BCC4663BB}"/>
               </a:ext>
             </a:extLst>
           </p:cNvPr>
@@ -27306,7 +27752,7 @@
     </p:spTree>
     <p:extLst>
       <p:ext uri="{BB962C8B-B14F-4D97-AF65-F5344CB8AC3E}">
-        <p14:creationId xmlns:p14="http://schemas.microsoft.com/office/powerpoint/2010/main" val="2836440097"/>
+        <p14:creationId xmlns:p14="http://schemas.microsoft.com/office/powerpoint/2010/main" val="3139027651"/>
       </p:ext>
     </p:extLst>
   </p:cSld>
